--- a/slides/AngularJS.pptx
+++ b/slides/AngularJS.pptx
@@ -5,7 +5,7 @@
     <p:sldMasterId id="2147483660" r:id="rId1"/>
   </p:sldMasterIdLst>
   <p:notesMasterIdLst>
-    <p:notesMasterId r:id="rId84"/>
+    <p:notesMasterId r:id="rId83"/>
   </p:notesMasterIdLst>
   <p:sldIdLst>
     <p:sldId id="256" r:id="rId2"/>
@@ -79,7 +79,7 @@
     <p:sldId id="323" r:id="rId70"/>
     <p:sldId id="329" r:id="rId71"/>
     <p:sldId id="330" r:id="rId72"/>
-    <p:sldId id="331" r:id="rId73"/>
+    <p:sldId id="340" r:id="rId73"/>
     <p:sldId id="328" r:id="rId74"/>
     <p:sldId id="332" r:id="rId75"/>
     <p:sldId id="335" r:id="rId76"/>
@@ -88,8 +88,7 @@
     <p:sldId id="334" r:id="rId79"/>
     <p:sldId id="337" r:id="rId80"/>
     <p:sldId id="338" r:id="rId81"/>
-    <p:sldId id="340" r:id="rId82"/>
-    <p:sldId id="339" r:id="rId83"/>
+    <p:sldId id="339" r:id="rId82"/>
   </p:sldIdLst>
   <p:sldSz cx="12192000" cy="6858000"/>
   <p:notesSz cx="6858000" cy="9144000"/>
@@ -288,7 +287,7 @@
             <p14:sldId id="323"/>
             <p14:sldId id="329"/>
             <p14:sldId id="330"/>
-            <p14:sldId id="331"/>
+            <p14:sldId id="340"/>
           </p14:sldIdLst>
         </p14:section>
         <p14:section name="Unit Testing" id="{9017A9B9-5F63-41A4-A252-4A84372F8F0A}">
@@ -301,7 +300,6 @@
             <p14:sldId id="334"/>
             <p14:sldId id="337"/>
             <p14:sldId id="338"/>
-            <p14:sldId id="340"/>
           </p14:sldIdLst>
         </p14:section>
         <p14:section name="Forms" id="{F0C8A9EA-AA9E-49D9-BFA0-80A714B2EB3B}">
@@ -400,7 +398,7 @@
           <a:p>
             <a:fld id="{4837C6CC-C2FC-4BED-8348-2E96B1BEB824}" type="datetimeFigureOut">
               <a:rPr lang="de-AT" smtClean="0"/>
-              <a:t>15.10.2015</a:t>
+              <a:t>21.10.2015</a:t>
             </a:fld>
             <a:endParaRPr lang="de-AT"/>
           </a:p>
@@ -6755,7 +6753,7 @@
           <a:p>
             <a:fld id="{3ECD1B6F-0B74-438A-A710-326310E0C2AE}" type="datetimeFigureOut">
               <a:rPr lang="de-AT" smtClean="0"/>
-              <a:t>15.10.2015</a:t>
+              <a:t>21.10.2015</a:t>
             </a:fld>
             <a:endParaRPr lang="de-AT"/>
           </a:p>
@@ -6965,7 +6963,7 @@
           <a:p>
             <a:fld id="{3ECD1B6F-0B74-438A-A710-326310E0C2AE}" type="datetimeFigureOut">
               <a:rPr lang="de-AT" smtClean="0"/>
-              <a:t>15.10.2015</a:t>
+              <a:t>21.10.2015</a:t>
             </a:fld>
             <a:endParaRPr lang="de-AT"/>
           </a:p>
@@ -7303,7 +7301,7 @@
           <a:p>
             <a:fld id="{3ECD1B6F-0B74-438A-A710-326310E0C2AE}" type="datetimeFigureOut">
               <a:rPr lang="de-AT" smtClean="0"/>
-              <a:t>15.10.2015</a:t>
+              <a:t>21.10.2015</a:t>
             </a:fld>
             <a:endParaRPr lang="de-AT"/>
           </a:p>
@@ -19944,11 +19942,7 @@
           <a:p>
             <a:r>
               <a:rPr lang="de-AT" sz="3200" dirty="0" smtClean="0"/>
-              <a:t>Setzt </a:t>
-            </a:r>
-            <a:r>
-              <a:rPr lang="de-AT" sz="3200" dirty="0" smtClean="0"/>
-              <a:t>abhängig von Ausdrücken css klassen</a:t>
+              <a:t>Setzt abhängig von Ausdrücken css klassen</a:t>
             </a:r>
           </a:p>
           <a:p>
@@ -23309,11 +23303,7 @@
             <a:pPr lvl="1"/>
             <a:r>
               <a:rPr lang="de-AT" dirty="0" smtClean="0"/>
-              <a:t>Letztes </a:t>
-            </a:r>
-            <a:r>
-              <a:rPr lang="de-AT" dirty="0" smtClean="0"/>
-              <a:t>Element = Factory Funktion</a:t>
+              <a:t>Letztes Element = Factory Funktion</a:t>
             </a:r>
             <a:endParaRPr lang="de-AT" dirty="0"/>
           </a:p>
@@ -24360,13 +24350,8 @@
           <a:p>
             <a:r>
               <a:rPr lang="de-AT" dirty="0" smtClean="0"/>
-              <a:t>values können durch einen decorator verändert </a:t>
-            </a:r>
-            <a:r>
-              <a:rPr lang="de-AT" dirty="0" smtClean="0"/>
-              <a:t>werden</a:t>
-            </a:r>
-            <a:endParaRPr lang="de-AT" dirty="0" smtClean="0"/>
+              <a:t>values können durch einen decorator verändert werden</a:t>
+            </a:r>
           </a:p>
         </p:txBody>
       </p:sp>
@@ -26455,11 +26440,7 @@
           <a:p>
             <a:r>
               <a:rPr lang="de-AT" dirty="0" smtClean="0"/>
-              <a:t>Komplettes </a:t>
-            </a:r>
-            <a:r>
-              <a:rPr lang="de-AT" dirty="0" smtClean="0"/>
-              <a:t>Sample: 015 httpall</a:t>
+              <a:t>Komplettes Sample: 015 httpall</a:t>
             </a:r>
             <a:endParaRPr lang="de-AT" dirty="0"/>
           </a:p>
@@ -30979,7 +30960,7 @@
       </p:grpSpPr>
       <p:sp>
         <p:nvSpPr>
-          <p:cNvPr id="2" name="Title 1"/>
+          <p:cNvPr id="3" name="Title 2"/>
           <p:cNvSpPr>
             <a:spLocks noGrp="1"/>
           </p:cNvSpPr>
@@ -30994,7 +30975,7 @@
           <a:p>
             <a:r>
               <a:rPr lang="en-US" dirty="0" smtClean="0"/>
-              <a:t>filters</a:t>
+              <a:t>Filter</a:t>
             </a:r>
             <a:endParaRPr lang="de-AT" dirty="0"/>
           </a:p>
@@ -31002,7 +30983,7 @@
       </p:sp>
       <p:sp>
         <p:nvSpPr>
-          <p:cNvPr id="3" name="Content Placeholder 2"/>
+          <p:cNvPr id="4" name="Content Placeholder 3"/>
           <p:cNvSpPr>
             <a:spLocks noGrp="1"/>
           </p:cNvSpPr>
@@ -31015,13 +30996,125 @@
           <a:bodyPr/>
           <a:lstStyle/>
           <a:p>
-            <a:endParaRPr lang="de-AT"/>
-          </a:p>
-        </p:txBody>
-      </p:sp>
-      <p:sp>
-        <p:nvSpPr>
-          <p:cNvPr id="4" name="Text Placeholder 3"/>
+            <a:r>
+              <a:rPr lang="en-US" dirty="0" smtClean="0"/>
+              <a:t>In {{ }} </a:t>
+            </a:r>
+            <a:r>
+              <a:rPr lang="en-US" dirty="0" err="1" smtClean="0"/>
+              <a:t>Ausdrücken</a:t>
+            </a:r>
+            <a:r>
+              <a:rPr lang="en-US" dirty="0" smtClean="0"/>
+              <a:t> </a:t>
+            </a:r>
+            <a:r>
+              <a:rPr lang="en-US" dirty="0" err="1" smtClean="0"/>
+              <a:t>können</a:t>
+            </a:r>
+            <a:r>
+              <a:rPr lang="en-US" dirty="0" smtClean="0"/>
+              <a:t> Filter </a:t>
+            </a:r>
+            <a:r>
+              <a:rPr lang="en-US" dirty="0" err="1" smtClean="0"/>
+              <a:t>werte</a:t>
+            </a:r>
+            <a:r>
+              <a:rPr lang="en-US" dirty="0" smtClean="0"/>
+              <a:t> “</a:t>
+            </a:r>
+            <a:r>
+              <a:rPr lang="en-US" dirty="0" err="1" smtClean="0"/>
+              <a:t>manipulieren</a:t>
+            </a:r>
+            <a:r>
+              <a:rPr lang="en-US" dirty="0" smtClean="0"/>
+              <a:t>”</a:t>
+            </a:r>
+          </a:p>
+          <a:p>
+            <a:r>
+              <a:rPr lang="en-US" dirty="0" err="1" smtClean="0"/>
+              <a:t>Z.b</a:t>
+            </a:r>
+            <a:r>
+              <a:rPr lang="en-US" dirty="0" smtClean="0"/>
+              <a:t>. number </a:t>
+            </a:r>
+            <a:r>
+              <a:rPr lang="en-US" dirty="0" err="1" smtClean="0"/>
+              <a:t>zum</a:t>
+            </a:r>
+            <a:r>
+              <a:rPr lang="en-US" dirty="0" smtClean="0"/>
+              <a:t> </a:t>
+            </a:r>
+            <a:r>
+              <a:rPr lang="en-US" dirty="0" err="1" smtClean="0"/>
+              <a:t>formatieren</a:t>
+            </a:r>
+            <a:r>
+              <a:rPr lang="en-US" dirty="0" smtClean="0"/>
+              <a:t> von </a:t>
+            </a:r>
+            <a:r>
+              <a:rPr lang="en-US" dirty="0" err="1" smtClean="0"/>
+              <a:t>Zahlen</a:t>
+            </a:r>
+            <a:endParaRPr lang="en-US" dirty="0" smtClean="0"/>
+          </a:p>
+          <a:p>
+            <a:r>
+              <a:rPr lang="en-US" dirty="0" err="1" smtClean="0"/>
+              <a:t>Eigene</a:t>
+            </a:r>
+            <a:r>
+              <a:rPr lang="en-US" dirty="0" smtClean="0"/>
+              <a:t> filter </a:t>
+            </a:r>
+            <a:r>
+              <a:rPr lang="en-US" dirty="0" err="1" smtClean="0"/>
+              <a:t>können</a:t>
+            </a:r>
+            <a:r>
+              <a:rPr lang="en-US" dirty="0" smtClean="0"/>
+              <a:t> </a:t>
+            </a:r>
+            <a:r>
+              <a:rPr lang="en-US" dirty="0" err="1" smtClean="0"/>
+              <a:t>über</a:t>
+            </a:r>
+            <a:r>
+              <a:rPr lang="en-US" dirty="0" smtClean="0"/>
+              <a:t> </a:t>
+            </a:r>
+            <a:r>
+              <a:rPr lang="en-US" dirty="0" smtClean="0">
+                <a:latin typeface="Courier New" panose="02070309020205020404" pitchFamily="49" charset="0"/>
+                <a:cs typeface="Courier New" panose="02070309020205020404" pitchFamily="49" charset="0"/>
+              </a:rPr>
+              <a:t>.filter </a:t>
+            </a:r>
+            <a:r>
+              <a:rPr lang="en-US" dirty="0" err="1" smtClean="0"/>
+              <a:t>definiert</a:t>
+            </a:r>
+            <a:r>
+              <a:rPr lang="en-US" dirty="0" smtClean="0"/>
+              <a:t> </a:t>
+            </a:r>
+            <a:r>
+              <a:rPr lang="en-US" dirty="0" err="1" smtClean="0"/>
+              <a:t>werden</a:t>
+            </a:r>
+            <a:endParaRPr lang="de-AT" dirty="0"/>
+          </a:p>
+        </p:txBody>
+      </p:sp>
+      <p:sp>
+        <p:nvSpPr>
+          <p:cNvPr id="5" name="Text Placeholder 4"/>
           <p:cNvSpPr>
             <a:spLocks noGrp="1"/>
           </p:cNvSpPr>
@@ -31041,7 +31134,7 @@
     </p:spTree>
     <p:extLst>
       <p:ext uri="{BB962C8B-B14F-4D97-AF65-F5344CB8AC3E}">
-        <p14:creationId xmlns:p14="http://schemas.microsoft.com/office/powerpoint/2010/main" val="815414984"/>
+        <p14:creationId xmlns:p14="http://schemas.microsoft.com/office/powerpoint/2010/main" val="2738516323"/>
       </p:ext>
     </p:extLst>
   </p:cSld>
@@ -32924,212 +33017,6 @@
 </file>
 
 <file path=ppt/slides/slide81.xml><?xml version="1.0" encoding="utf-8"?>
-<p:sld xmlns:a="http://schemas.openxmlformats.org/drawingml/2006/main" xmlns:r="http://schemas.openxmlformats.org/officeDocument/2006/relationships" xmlns:p="http://schemas.openxmlformats.org/presentationml/2006/main">
-  <p:cSld>
-    <p:spTree>
-      <p:nvGrpSpPr>
-        <p:cNvPr id="1" name=""/>
-        <p:cNvGrpSpPr/>
-        <p:nvPr/>
-      </p:nvGrpSpPr>
-      <p:grpSpPr>
-        <a:xfrm>
-          <a:off x="0" y="0"/>
-          <a:ext cx="0" cy="0"/>
-          <a:chOff x="0" y="0"/>
-          <a:chExt cx="0" cy="0"/>
-        </a:xfrm>
-      </p:grpSpPr>
-      <p:sp>
-        <p:nvSpPr>
-          <p:cNvPr id="3" name="Title 2"/>
-          <p:cNvSpPr>
-            <a:spLocks noGrp="1"/>
-          </p:cNvSpPr>
-          <p:nvPr>
-            <p:ph type="title"/>
-          </p:nvPr>
-        </p:nvSpPr>
-        <p:spPr/>
-        <p:txBody>
-          <a:bodyPr/>
-          <a:lstStyle/>
-          <a:p>
-            <a:r>
-              <a:rPr lang="en-US" dirty="0" smtClean="0"/>
-              <a:t>Filter</a:t>
-            </a:r>
-            <a:endParaRPr lang="de-AT" dirty="0"/>
-          </a:p>
-        </p:txBody>
-      </p:sp>
-      <p:sp>
-        <p:nvSpPr>
-          <p:cNvPr id="4" name="Content Placeholder 3"/>
-          <p:cNvSpPr>
-            <a:spLocks noGrp="1"/>
-          </p:cNvSpPr>
-          <p:nvPr>
-            <p:ph sz="quarter" idx="12"/>
-          </p:nvPr>
-        </p:nvSpPr>
-        <p:spPr/>
-        <p:txBody>
-          <a:bodyPr/>
-          <a:lstStyle/>
-          <a:p>
-            <a:r>
-              <a:rPr lang="en-US" dirty="0" smtClean="0"/>
-              <a:t>In {{ }} </a:t>
-            </a:r>
-            <a:r>
-              <a:rPr lang="en-US" dirty="0" err="1" smtClean="0"/>
-              <a:t>Ausdrücken</a:t>
-            </a:r>
-            <a:r>
-              <a:rPr lang="en-US" dirty="0" smtClean="0"/>
-              <a:t> </a:t>
-            </a:r>
-            <a:r>
-              <a:rPr lang="en-US" dirty="0" err="1" smtClean="0"/>
-              <a:t>können</a:t>
-            </a:r>
-            <a:r>
-              <a:rPr lang="en-US" dirty="0" smtClean="0"/>
-              <a:t> Filter </a:t>
-            </a:r>
-            <a:r>
-              <a:rPr lang="en-US" dirty="0" err="1" smtClean="0"/>
-              <a:t>werte</a:t>
-            </a:r>
-            <a:r>
-              <a:rPr lang="en-US" dirty="0" smtClean="0"/>
-              <a:t> “</a:t>
-            </a:r>
-            <a:r>
-              <a:rPr lang="en-US" dirty="0" err="1" smtClean="0"/>
-              <a:t>manipulieren</a:t>
-            </a:r>
-            <a:r>
-              <a:rPr lang="en-US" dirty="0" smtClean="0"/>
-              <a:t>”</a:t>
-            </a:r>
-          </a:p>
-          <a:p>
-            <a:r>
-              <a:rPr lang="en-US" dirty="0" err="1" smtClean="0"/>
-              <a:t>Z.b</a:t>
-            </a:r>
-            <a:r>
-              <a:rPr lang="en-US" dirty="0" smtClean="0"/>
-              <a:t>. number </a:t>
-            </a:r>
-            <a:r>
-              <a:rPr lang="en-US" dirty="0" err="1" smtClean="0"/>
-              <a:t>zum</a:t>
-            </a:r>
-            <a:r>
-              <a:rPr lang="en-US" dirty="0" smtClean="0"/>
-              <a:t> </a:t>
-            </a:r>
-            <a:r>
-              <a:rPr lang="en-US" dirty="0" err="1" smtClean="0"/>
-              <a:t>formatieren</a:t>
-            </a:r>
-            <a:r>
-              <a:rPr lang="en-US" dirty="0" smtClean="0"/>
-              <a:t> von </a:t>
-            </a:r>
-            <a:r>
-              <a:rPr lang="en-US" dirty="0" err="1" smtClean="0"/>
-              <a:t>Zahlen</a:t>
-            </a:r>
-            <a:endParaRPr lang="en-US" dirty="0" smtClean="0"/>
-          </a:p>
-          <a:p>
-            <a:r>
-              <a:rPr lang="en-US" dirty="0" err="1" smtClean="0"/>
-              <a:t>Eigene</a:t>
-            </a:r>
-            <a:r>
-              <a:rPr lang="en-US" dirty="0" smtClean="0"/>
-              <a:t> filter </a:t>
-            </a:r>
-            <a:r>
-              <a:rPr lang="en-US" dirty="0" err="1" smtClean="0"/>
-              <a:t>können</a:t>
-            </a:r>
-            <a:r>
-              <a:rPr lang="en-US" dirty="0" smtClean="0"/>
-              <a:t> </a:t>
-            </a:r>
-            <a:r>
-              <a:rPr lang="en-US" dirty="0" err="1" smtClean="0"/>
-              <a:t>über</a:t>
-            </a:r>
-            <a:r>
-              <a:rPr lang="en-US" dirty="0" smtClean="0"/>
-              <a:t> .filter </a:t>
-            </a:r>
-            <a:r>
-              <a:rPr lang="en-US" dirty="0" err="1" smtClean="0"/>
-              <a:t>definiert</a:t>
-            </a:r>
-            <a:r>
-              <a:rPr lang="en-US" dirty="0" smtClean="0"/>
-              <a:t> </a:t>
-            </a:r>
-            <a:r>
-              <a:rPr lang="en-US" dirty="0" err="1" smtClean="0"/>
-              <a:t>werden</a:t>
-            </a:r>
-            <a:endParaRPr lang="de-AT" dirty="0"/>
-          </a:p>
-        </p:txBody>
-      </p:sp>
-      <p:sp>
-        <p:nvSpPr>
-          <p:cNvPr id="5" name="Text Placeholder 4"/>
-          <p:cNvSpPr>
-            <a:spLocks noGrp="1"/>
-          </p:cNvSpPr>
-          <p:nvPr>
-            <p:ph type="body" sz="quarter" idx="23"/>
-          </p:nvPr>
-        </p:nvSpPr>
-        <p:spPr/>
-        <p:txBody>
-          <a:bodyPr/>
-          <a:lstStyle/>
-          <a:p>
-            <a:endParaRPr lang="de-AT"/>
-          </a:p>
-        </p:txBody>
-      </p:sp>
-    </p:spTree>
-    <p:extLst>
-      <p:ext uri="{BB962C8B-B14F-4D97-AF65-F5344CB8AC3E}">
-        <p14:creationId xmlns:p14="http://schemas.microsoft.com/office/powerpoint/2010/main" val="2738516323"/>
-      </p:ext>
-    </p:extLst>
-  </p:cSld>
-  <p:clrMapOvr>
-    <a:masterClrMapping/>
-  </p:clrMapOvr>
-  <p:transition spd="slow">
-    <p:push/>
-  </p:transition>
-  <p:timing>
-    <p:tnLst>
-      <p:par>
-        <p:cTn id="1" dur="indefinite" restart="never" nodeType="tmRoot"/>
-      </p:par>
-    </p:tnLst>
-  </p:timing>
-</p:sld>
-</file>
-
-<file path=ppt/slides/slide82.xml><?xml version="1.0" encoding="utf-8"?>
 <p:sld xmlns:a="http://schemas.openxmlformats.org/drawingml/2006/main" xmlns:r="http://schemas.openxmlformats.org/officeDocument/2006/relationships" xmlns:p="http://schemas.openxmlformats.org/presentationml/2006/main">
   <p:cSld>
     <p:spTree>

--- a/slides/AngularJS.pptx
+++ b/slides/AngularJS.pptx
@@ -5,7 +5,7 @@
     <p:sldMasterId id="2147483660" r:id="rId1"/>
   </p:sldMasterIdLst>
   <p:notesMasterIdLst>
-    <p:notesMasterId r:id="rId83"/>
+    <p:notesMasterId r:id="rId84"/>
   </p:notesMasterIdLst>
   <p:sldIdLst>
     <p:sldId id="256" r:id="rId2"/>
@@ -23,72 +23,73 @@
     <p:sldId id="266" r:id="rId14"/>
     <p:sldId id="324" r:id="rId15"/>
     <p:sldId id="322" r:id="rId16"/>
-    <p:sldId id="268" r:id="rId17"/>
-    <p:sldId id="269" r:id="rId18"/>
-    <p:sldId id="270" r:id="rId19"/>
-    <p:sldId id="271" r:id="rId20"/>
-    <p:sldId id="272" r:id="rId21"/>
-    <p:sldId id="273" r:id="rId22"/>
-    <p:sldId id="274" r:id="rId23"/>
-    <p:sldId id="275" r:id="rId24"/>
-    <p:sldId id="276" r:id="rId25"/>
-    <p:sldId id="277" r:id="rId26"/>
-    <p:sldId id="301" r:id="rId27"/>
-    <p:sldId id="308" r:id="rId28"/>
-    <p:sldId id="302" r:id="rId29"/>
-    <p:sldId id="310" r:id="rId30"/>
-    <p:sldId id="303" r:id="rId31"/>
-    <p:sldId id="311" r:id="rId32"/>
-    <p:sldId id="312" r:id="rId33"/>
-    <p:sldId id="304" r:id="rId34"/>
-    <p:sldId id="325" r:id="rId35"/>
-    <p:sldId id="327" r:id="rId36"/>
-    <p:sldId id="326" r:id="rId37"/>
-    <p:sldId id="279" r:id="rId38"/>
-    <p:sldId id="278" r:id="rId39"/>
-    <p:sldId id="287" r:id="rId40"/>
-    <p:sldId id="280" r:id="rId41"/>
-    <p:sldId id="281" r:id="rId42"/>
-    <p:sldId id="282" r:id="rId43"/>
-    <p:sldId id="284" r:id="rId44"/>
-    <p:sldId id="283" r:id="rId45"/>
-    <p:sldId id="285" r:id="rId46"/>
-    <p:sldId id="286" r:id="rId47"/>
-    <p:sldId id="297" r:id="rId48"/>
-    <p:sldId id="298" r:id="rId49"/>
-    <p:sldId id="299" r:id="rId50"/>
-    <p:sldId id="300" r:id="rId51"/>
-    <p:sldId id="288" r:id="rId52"/>
-    <p:sldId id="289" r:id="rId53"/>
-    <p:sldId id="290" r:id="rId54"/>
-    <p:sldId id="292" r:id="rId55"/>
-    <p:sldId id="293" r:id="rId56"/>
-    <p:sldId id="294" r:id="rId57"/>
-    <p:sldId id="295" r:id="rId58"/>
-    <p:sldId id="296" r:id="rId59"/>
-    <p:sldId id="306" r:id="rId60"/>
-    <p:sldId id="315" r:id="rId61"/>
-    <p:sldId id="314" r:id="rId62"/>
-    <p:sldId id="316" r:id="rId63"/>
-    <p:sldId id="317" r:id="rId64"/>
-    <p:sldId id="318" r:id="rId65"/>
-    <p:sldId id="319" r:id="rId66"/>
-    <p:sldId id="307" r:id="rId67"/>
-    <p:sldId id="320" r:id="rId68"/>
-    <p:sldId id="321" r:id="rId69"/>
-    <p:sldId id="323" r:id="rId70"/>
-    <p:sldId id="329" r:id="rId71"/>
-    <p:sldId id="330" r:id="rId72"/>
-    <p:sldId id="340" r:id="rId73"/>
-    <p:sldId id="328" r:id="rId74"/>
-    <p:sldId id="332" r:id="rId75"/>
-    <p:sldId id="335" r:id="rId76"/>
-    <p:sldId id="336" r:id="rId77"/>
-    <p:sldId id="333" r:id="rId78"/>
-    <p:sldId id="334" r:id="rId79"/>
-    <p:sldId id="337" r:id="rId80"/>
-    <p:sldId id="338" r:id="rId81"/>
-    <p:sldId id="339" r:id="rId82"/>
+    <p:sldId id="341" r:id="rId17"/>
+    <p:sldId id="268" r:id="rId18"/>
+    <p:sldId id="269" r:id="rId19"/>
+    <p:sldId id="270" r:id="rId20"/>
+    <p:sldId id="271" r:id="rId21"/>
+    <p:sldId id="272" r:id="rId22"/>
+    <p:sldId id="273" r:id="rId23"/>
+    <p:sldId id="274" r:id="rId24"/>
+    <p:sldId id="275" r:id="rId25"/>
+    <p:sldId id="276" r:id="rId26"/>
+    <p:sldId id="277" r:id="rId27"/>
+    <p:sldId id="301" r:id="rId28"/>
+    <p:sldId id="308" r:id="rId29"/>
+    <p:sldId id="302" r:id="rId30"/>
+    <p:sldId id="310" r:id="rId31"/>
+    <p:sldId id="303" r:id="rId32"/>
+    <p:sldId id="311" r:id="rId33"/>
+    <p:sldId id="312" r:id="rId34"/>
+    <p:sldId id="304" r:id="rId35"/>
+    <p:sldId id="325" r:id="rId36"/>
+    <p:sldId id="327" r:id="rId37"/>
+    <p:sldId id="326" r:id="rId38"/>
+    <p:sldId id="279" r:id="rId39"/>
+    <p:sldId id="278" r:id="rId40"/>
+    <p:sldId id="287" r:id="rId41"/>
+    <p:sldId id="280" r:id="rId42"/>
+    <p:sldId id="281" r:id="rId43"/>
+    <p:sldId id="282" r:id="rId44"/>
+    <p:sldId id="284" r:id="rId45"/>
+    <p:sldId id="283" r:id="rId46"/>
+    <p:sldId id="285" r:id="rId47"/>
+    <p:sldId id="286" r:id="rId48"/>
+    <p:sldId id="297" r:id="rId49"/>
+    <p:sldId id="298" r:id="rId50"/>
+    <p:sldId id="299" r:id="rId51"/>
+    <p:sldId id="300" r:id="rId52"/>
+    <p:sldId id="288" r:id="rId53"/>
+    <p:sldId id="289" r:id="rId54"/>
+    <p:sldId id="290" r:id="rId55"/>
+    <p:sldId id="292" r:id="rId56"/>
+    <p:sldId id="293" r:id="rId57"/>
+    <p:sldId id="294" r:id="rId58"/>
+    <p:sldId id="295" r:id="rId59"/>
+    <p:sldId id="296" r:id="rId60"/>
+    <p:sldId id="306" r:id="rId61"/>
+    <p:sldId id="315" r:id="rId62"/>
+    <p:sldId id="314" r:id="rId63"/>
+    <p:sldId id="316" r:id="rId64"/>
+    <p:sldId id="317" r:id="rId65"/>
+    <p:sldId id="318" r:id="rId66"/>
+    <p:sldId id="319" r:id="rId67"/>
+    <p:sldId id="307" r:id="rId68"/>
+    <p:sldId id="320" r:id="rId69"/>
+    <p:sldId id="321" r:id="rId70"/>
+    <p:sldId id="323" r:id="rId71"/>
+    <p:sldId id="329" r:id="rId72"/>
+    <p:sldId id="330" r:id="rId73"/>
+    <p:sldId id="340" r:id="rId74"/>
+    <p:sldId id="328" r:id="rId75"/>
+    <p:sldId id="332" r:id="rId76"/>
+    <p:sldId id="335" r:id="rId77"/>
+    <p:sldId id="336" r:id="rId78"/>
+    <p:sldId id="333" r:id="rId79"/>
+    <p:sldId id="334" r:id="rId80"/>
+    <p:sldId id="337" r:id="rId81"/>
+    <p:sldId id="338" r:id="rId82"/>
+    <p:sldId id="339" r:id="rId83"/>
   </p:sldIdLst>
   <p:sldSz cx="12192000" cy="6858000"/>
   <p:notesSz cx="6858000" cy="9144000"/>
@@ -207,6 +208,7 @@
             <p14:sldId id="266"/>
             <p14:sldId id="324"/>
             <p14:sldId id="322"/>
+            <p14:sldId id="341"/>
             <p14:sldId id="268"/>
             <p14:sldId id="269"/>
             <p14:sldId id="270"/>
@@ -398,7 +400,7 @@
           <a:p>
             <a:fld id="{4837C6CC-C2FC-4BED-8348-2E96B1BEB824}" type="datetimeFigureOut">
               <a:rPr lang="de-AT" smtClean="0"/>
-              <a:t>21.10.2015</a:t>
+              <a:t>29.03.2016</a:t>
             </a:fld>
             <a:endParaRPr lang="de-AT"/>
           </a:p>
@@ -6753,7 +6755,7 @@
           <a:p>
             <a:fld id="{3ECD1B6F-0B74-438A-A710-326310E0C2AE}" type="datetimeFigureOut">
               <a:rPr lang="de-AT" smtClean="0"/>
-              <a:t>21.10.2015</a:t>
+              <a:t>29.03.2016</a:t>
             </a:fld>
             <a:endParaRPr lang="de-AT"/>
           </a:p>
@@ -6963,7 +6965,7 @@
           <a:p>
             <a:fld id="{3ECD1B6F-0B74-438A-A710-326310E0C2AE}" type="datetimeFigureOut">
               <a:rPr lang="de-AT" smtClean="0"/>
-              <a:t>21.10.2015</a:t>
+              <a:t>29.03.2016</a:t>
             </a:fld>
             <a:endParaRPr lang="de-AT"/>
           </a:p>
@@ -7301,7 +7303,7 @@
           <a:p>
             <a:fld id="{3ECD1B6F-0B74-438A-A710-326310E0C2AE}" type="datetimeFigureOut">
               <a:rPr lang="de-AT" smtClean="0"/>
-              <a:t>21.10.2015</a:t>
+              <a:t>29.03.2016</a:t>
             </a:fld>
             <a:endParaRPr lang="de-AT"/>
           </a:p>
@@ -15751,6 +15753,362 @@
       </p:grpSpPr>
       <p:sp>
         <p:nvSpPr>
+          <p:cNvPr id="2" name="Title 1"/>
+          <p:cNvSpPr>
+            <a:spLocks noGrp="1"/>
+          </p:cNvSpPr>
+          <p:nvPr>
+            <p:ph type="title"/>
+          </p:nvPr>
+        </p:nvSpPr>
+        <p:spPr/>
+        <p:txBody>
+          <a:bodyPr/>
+          <a:lstStyle/>
+          <a:p>
+            <a:r>
+              <a:rPr lang="en-US" dirty="0" smtClean="0"/>
+              <a:t>Digest Cycle</a:t>
+            </a:r>
+            <a:endParaRPr lang="de-AT" dirty="0"/>
+          </a:p>
+        </p:txBody>
+      </p:sp>
+      <p:sp>
+        <p:nvSpPr>
+          <p:cNvPr id="3" name="Content Placeholder 2"/>
+          <p:cNvSpPr>
+            <a:spLocks noGrp="1"/>
+          </p:cNvSpPr>
+          <p:nvPr>
+            <p:ph sz="quarter" idx="12"/>
+          </p:nvPr>
+        </p:nvSpPr>
+        <p:spPr/>
+        <p:txBody>
+          <a:bodyPr/>
+          <a:lstStyle/>
+          <a:p>
+            <a:r>
+              <a:rPr lang="en-US" dirty="0" smtClean="0"/>
+              <a:t>$watch List</a:t>
+            </a:r>
+          </a:p>
+          <a:p>
+            <a:pPr lvl="1"/>
+            <a:r>
+              <a:rPr lang="en-US" dirty="0" err="1" smtClean="0"/>
+              <a:t>Ausdrücke</a:t>
+            </a:r>
+            <a:r>
+              <a:rPr lang="en-US" dirty="0" smtClean="0"/>
+              <a:t> die </a:t>
+            </a:r>
+            <a:r>
+              <a:rPr lang="en-US" dirty="0" err="1" smtClean="0"/>
+              <a:t>bei</a:t>
+            </a:r>
+            <a:r>
+              <a:rPr lang="en-US" dirty="0" smtClean="0"/>
+              <a:t> </a:t>
+            </a:r>
+            <a:r>
+              <a:rPr lang="en-US" dirty="0" err="1" smtClean="0"/>
+              <a:t>jedem</a:t>
+            </a:r>
+            <a:r>
+              <a:rPr lang="en-US" dirty="0" smtClean="0"/>
+              <a:t> Cycle </a:t>
+            </a:r>
+            <a:r>
+              <a:rPr lang="en-US" dirty="0" err="1" smtClean="0"/>
+              <a:t>ausgeführt</a:t>
+            </a:r>
+            <a:r>
+              <a:rPr lang="en-US" dirty="0" smtClean="0"/>
+              <a:t> </a:t>
+            </a:r>
+            <a:r>
+              <a:rPr lang="en-US" dirty="0" err="1" smtClean="0"/>
+              <a:t>werden</a:t>
+            </a:r>
+            <a:endParaRPr lang="en-US" dirty="0" smtClean="0"/>
+          </a:p>
+          <a:p>
+            <a:r>
+              <a:rPr lang="en-US" dirty="0" smtClean="0"/>
+              <a:t>$apply(function() {})</a:t>
+            </a:r>
+          </a:p>
+          <a:p>
+            <a:pPr lvl="1"/>
+            <a:r>
+              <a:rPr lang="en-US" dirty="0" err="1" smtClean="0"/>
+              <a:t>Startet</a:t>
+            </a:r>
+            <a:r>
+              <a:rPr lang="en-US" dirty="0" smtClean="0"/>
+              <a:t> Digest Cycle </a:t>
+            </a:r>
+            <a:r>
+              <a:rPr lang="en-US" dirty="0" err="1" smtClean="0"/>
+              <a:t>nach</a:t>
+            </a:r>
+            <a:r>
+              <a:rPr lang="en-US" dirty="0" smtClean="0"/>
+              <a:t> </a:t>
+            </a:r>
+            <a:r>
+              <a:rPr lang="en-US" dirty="0" err="1" smtClean="0"/>
+              <a:t>dem</a:t>
+            </a:r>
+            <a:r>
+              <a:rPr lang="en-US" dirty="0" smtClean="0"/>
+              <a:t> </a:t>
+            </a:r>
+            <a:r>
+              <a:rPr lang="en-US" dirty="0" err="1"/>
+              <a:t>A</a:t>
+            </a:r>
+            <a:r>
+              <a:rPr lang="en-US" dirty="0" err="1" smtClean="0"/>
+              <a:t>usführen</a:t>
+            </a:r>
+            <a:r>
+              <a:rPr lang="en-US" dirty="0" smtClean="0"/>
+              <a:t> der </a:t>
+            </a:r>
+            <a:r>
+              <a:rPr lang="en-US" dirty="0" err="1" smtClean="0"/>
+              <a:t>Funktion</a:t>
+            </a:r>
+            <a:endParaRPr lang="en-US" dirty="0" smtClean="0"/>
+          </a:p>
+          <a:p>
+            <a:pPr lvl="1"/>
+            <a:r>
+              <a:rPr lang="en-US" dirty="0" err="1" smtClean="0"/>
+              <a:t>Wird</a:t>
+            </a:r>
+            <a:r>
+              <a:rPr lang="en-US" dirty="0" smtClean="0"/>
+              <a:t> oft </a:t>
+            </a:r>
+            <a:r>
+              <a:rPr lang="en-US" dirty="0" err="1" smtClean="0"/>
+              <a:t>bei</a:t>
+            </a:r>
+            <a:r>
+              <a:rPr lang="en-US" dirty="0" smtClean="0"/>
+              <a:t> integration von </a:t>
+            </a:r>
+            <a:r>
+              <a:rPr lang="en-US" dirty="0" err="1" smtClean="0"/>
+              <a:t>nicht</a:t>
+            </a:r>
+            <a:r>
+              <a:rPr lang="en-US" dirty="0" smtClean="0"/>
+              <a:t>-angular </a:t>
+            </a:r>
+            <a:r>
+              <a:rPr lang="en-US" dirty="0" err="1" smtClean="0"/>
+              <a:t>komponenten</a:t>
+            </a:r>
+            <a:r>
+              <a:rPr lang="en-US" dirty="0" smtClean="0"/>
+              <a:t> </a:t>
+            </a:r>
+            <a:r>
+              <a:rPr lang="en-US" dirty="0" err="1" smtClean="0"/>
+              <a:t>benötigt</a:t>
+            </a:r>
+            <a:endParaRPr lang="en-US" dirty="0" smtClean="0"/>
+          </a:p>
+          <a:p>
+            <a:pPr lvl="1"/>
+            <a:r>
+              <a:rPr lang="en-US" dirty="0" err="1" smtClean="0"/>
+              <a:t>Beispiel</a:t>
+            </a:r>
+            <a:r>
+              <a:rPr lang="en-US" dirty="0" smtClean="0"/>
+              <a:t>: click handler</a:t>
+            </a:r>
+          </a:p>
+          <a:p>
+            <a:r>
+              <a:rPr lang="en-US" dirty="0"/>
+              <a:t>d</a:t>
+            </a:r>
+            <a:r>
+              <a:rPr lang="en-US" dirty="0" smtClean="0"/>
+              <a:t>igest cycle </a:t>
+            </a:r>
+            <a:r>
+              <a:rPr lang="en-US" dirty="0" err="1" smtClean="0"/>
+              <a:t>wird</a:t>
+            </a:r>
+            <a:r>
+              <a:rPr lang="en-US" dirty="0" smtClean="0"/>
+              <a:t> </a:t>
+            </a:r>
+            <a:r>
+              <a:rPr lang="en-US" dirty="0" err="1" smtClean="0"/>
+              <a:t>automatisch</a:t>
+            </a:r>
+            <a:r>
+              <a:rPr lang="en-US" dirty="0" smtClean="0"/>
+              <a:t> </a:t>
+            </a:r>
+            <a:r>
+              <a:rPr lang="en-US" dirty="0" err="1" smtClean="0"/>
+              <a:t>gestartet</a:t>
+            </a:r>
+            <a:r>
+              <a:rPr lang="en-US" dirty="0" smtClean="0"/>
+              <a:t> </a:t>
+            </a:r>
+            <a:r>
+              <a:rPr lang="en-US" dirty="0" err="1" smtClean="0"/>
+              <a:t>bei</a:t>
+            </a:r>
+            <a:endParaRPr lang="en-US" dirty="0" smtClean="0"/>
+          </a:p>
+          <a:p>
+            <a:pPr lvl="1"/>
+            <a:r>
+              <a:rPr lang="en-US" dirty="0" smtClean="0"/>
+              <a:t>ng-event </a:t>
+            </a:r>
+            <a:r>
+              <a:rPr lang="en-US" dirty="0" err="1" smtClean="0"/>
+              <a:t>direktiven</a:t>
+            </a:r>
+            <a:r>
+              <a:rPr lang="en-US" dirty="0" smtClean="0"/>
+              <a:t> (e.g. </a:t>
+            </a:r>
+            <a:r>
+              <a:rPr lang="en-US" dirty="0" err="1" smtClean="0"/>
+              <a:t>ngClick</a:t>
+            </a:r>
+            <a:r>
+              <a:rPr lang="en-US" dirty="0" smtClean="0"/>
+              <a:t>)</a:t>
+            </a:r>
+          </a:p>
+          <a:p>
+            <a:pPr lvl="1"/>
+            <a:r>
+              <a:rPr lang="en-US" dirty="0" smtClean="0"/>
+              <a:t>$http </a:t>
+            </a:r>
+            <a:r>
+              <a:rPr lang="en-US" dirty="0" err="1" smtClean="0"/>
+              <a:t>operationen</a:t>
+            </a:r>
+            <a:r>
+              <a:rPr lang="en-US" dirty="0" smtClean="0"/>
+              <a:t> (</a:t>
+            </a:r>
+            <a:r>
+              <a:rPr lang="en-US" dirty="0" err="1" smtClean="0"/>
+              <a:t>im</a:t>
+            </a:r>
+            <a:r>
+              <a:rPr lang="en-US" dirty="0" smtClean="0"/>
+              <a:t> then handler)</a:t>
+            </a:r>
+          </a:p>
+          <a:p>
+            <a:pPr lvl="1"/>
+            <a:r>
+              <a:rPr lang="en-US" dirty="0" smtClean="0"/>
+              <a:t>$timeout, diverse </a:t>
+            </a:r>
+            <a:r>
+              <a:rPr lang="en-US" dirty="0" err="1" smtClean="0"/>
+              <a:t>angularjs</a:t>
+            </a:r>
+            <a:r>
+              <a:rPr lang="en-US" dirty="0" smtClean="0"/>
+              <a:t> </a:t>
+            </a:r>
+          </a:p>
+          <a:p>
+            <a:pPr lvl="1"/>
+            <a:endParaRPr lang="en-US" dirty="0" smtClean="0"/>
+          </a:p>
+          <a:p>
+            <a:pPr lvl="1"/>
+            <a:endParaRPr lang="en-US" dirty="0" smtClean="0"/>
+          </a:p>
+          <a:p>
+            <a:endParaRPr lang="de-AT" dirty="0"/>
+          </a:p>
+        </p:txBody>
+      </p:sp>
+      <p:sp>
+        <p:nvSpPr>
+          <p:cNvPr id="4" name="Text Placeholder 3"/>
+          <p:cNvSpPr>
+            <a:spLocks noGrp="1"/>
+          </p:cNvSpPr>
+          <p:nvPr>
+            <p:ph type="body" sz="quarter" idx="23"/>
+          </p:nvPr>
+        </p:nvSpPr>
+        <p:spPr/>
+        <p:txBody>
+          <a:bodyPr/>
+          <a:lstStyle/>
+          <a:p>
+            <a:endParaRPr lang="de-AT"/>
+          </a:p>
+        </p:txBody>
+      </p:sp>
+    </p:spTree>
+    <p:extLst>
+      <p:ext uri="{BB962C8B-B14F-4D97-AF65-F5344CB8AC3E}">
+        <p14:creationId xmlns:p14="http://schemas.microsoft.com/office/powerpoint/2010/main" val="185943761"/>
+      </p:ext>
+    </p:extLst>
+  </p:cSld>
+  <p:clrMapOvr>
+    <a:masterClrMapping/>
+  </p:clrMapOvr>
+  <p:transition spd="slow">
+    <p:push/>
+  </p:transition>
+  <p:timing>
+    <p:tnLst>
+      <p:par>
+        <p:cTn id="1" dur="indefinite" restart="never" nodeType="tmRoot"/>
+      </p:par>
+    </p:tnLst>
+  </p:timing>
+</p:sld>
+</file>
+
+<file path=ppt/slides/slide17.xml><?xml version="1.0" encoding="utf-8"?>
+<p:sld xmlns:a="http://schemas.openxmlformats.org/drawingml/2006/main" xmlns:r="http://schemas.openxmlformats.org/officeDocument/2006/relationships" xmlns:p="http://schemas.openxmlformats.org/presentationml/2006/main">
+  <p:cSld>
+    <p:spTree>
+      <p:nvGrpSpPr>
+        <p:cNvPr id="1" name=""/>
+        <p:cNvGrpSpPr/>
+        <p:nvPr/>
+      </p:nvGrpSpPr>
+      <p:grpSpPr>
+        <a:xfrm>
+          <a:off x="0" y="0"/>
+          <a:ext cx="0" cy="0"/>
+          <a:chOff x="0" y="0"/>
+          <a:chExt cx="0" cy="0"/>
+        </a:xfrm>
+      </p:grpSpPr>
+      <p:sp>
+        <p:nvSpPr>
           <p:cNvPr id="2" name="Titel 1"/>
           <p:cNvSpPr>
             <a:spLocks noGrp="1"/>
@@ -15879,7 +16237,7 @@
 </p:sld>
 </file>
 
-<file path=ppt/slides/slide17.xml><?xml version="1.0" encoding="utf-8"?>
+<file path=ppt/slides/slide18.xml><?xml version="1.0" encoding="utf-8"?>
 <p:sld xmlns:a="http://schemas.openxmlformats.org/drawingml/2006/main" xmlns:r="http://schemas.openxmlformats.org/officeDocument/2006/relationships" xmlns:p="http://schemas.openxmlformats.org/presentationml/2006/main">
   <p:cSld>
     <p:spTree>
@@ -16796,7 +17154,7 @@
 </p:sld>
 </file>
 
-<file path=ppt/slides/slide18.xml><?xml version="1.0" encoding="utf-8"?>
+<file path=ppt/slides/slide19.xml><?xml version="1.0" encoding="utf-8"?>
 <p:sld xmlns:a="http://schemas.openxmlformats.org/drawingml/2006/main" xmlns:r="http://schemas.openxmlformats.org/officeDocument/2006/relationships" xmlns:p="http://schemas.openxmlformats.org/presentationml/2006/main">
   <p:cSld>
     <p:spTree>
@@ -16949,7 +17307,205 @@
 </p:sld>
 </file>
 
-<file path=ppt/slides/slide19.xml><?xml version="1.0" encoding="utf-8"?>
+<file path=ppt/slides/slide2.xml><?xml version="1.0" encoding="utf-8"?>
+<p:sld xmlns:a="http://schemas.openxmlformats.org/drawingml/2006/main" xmlns:r="http://schemas.openxmlformats.org/officeDocument/2006/relationships" xmlns:p="http://schemas.openxmlformats.org/presentationml/2006/main">
+  <p:cSld>
+    <p:spTree>
+      <p:nvGrpSpPr>
+        <p:cNvPr id="1" name=""/>
+        <p:cNvGrpSpPr/>
+        <p:nvPr/>
+      </p:nvGrpSpPr>
+      <p:grpSpPr>
+        <a:xfrm>
+          <a:off x="0" y="0"/>
+          <a:ext cx="0" cy="0"/>
+          <a:chOff x="0" y="0"/>
+          <a:chExt cx="0" cy="0"/>
+        </a:xfrm>
+      </p:grpSpPr>
+      <p:pic>
+        <p:nvPicPr>
+          <p:cNvPr id="4" name="Grafik 3"/>
+          <p:cNvPicPr>
+            <a:picLocks noChangeAspect="1"/>
+          </p:cNvPicPr>
+          <p:nvPr/>
+        </p:nvPicPr>
+        <p:blipFill>
+          <a:blip r:embed="rId2"/>
+          <a:stretch>
+            <a:fillRect/>
+          </a:stretch>
+        </p:blipFill>
+        <p:spPr>
+          <a:xfrm>
+            <a:off x="4114800" y="4181475"/>
+            <a:ext cx="8077200" cy="2676525"/>
+          </a:xfrm>
+          <a:prstGeom prst="rect">
+            <a:avLst/>
+          </a:prstGeom>
+        </p:spPr>
+      </p:pic>
+      <p:sp>
+        <p:nvSpPr>
+          <p:cNvPr id="2" name="Titel 1"/>
+          <p:cNvSpPr>
+            <a:spLocks noGrp="1"/>
+          </p:cNvSpPr>
+          <p:nvPr>
+            <p:ph type="title"/>
+          </p:nvPr>
+        </p:nvSpPr>
+        <p:spPr/>
+        <p:txBody>
+          <a:bodyPr/>
+          <a:lstStyle/>
+          <a:p>
+            <a:r>
+              <a:rPr lang="de-AT" dirty="0" err="1" smtClean="0"/>
+              <a:t>AngularJS</a:t>
+            </a:r>
+            <a:endParaRPr lang="de-AT" dirty="0"/>
+          </a:p>
+        </p:txBody>
+      </p:sp>
+      <p:sp>
+        <p:nvSpPr>
+          <p:cNvPr id="3" name="Inhaltsplatzhalter 2"/>
+          <p:cNvSpPr>
+            <a:spLocks noGrp="1"/>
+          </p:cNvSpPr>
+          <p:nvPr>
+            <p:ph sz="quarter" idx="12"/>
+          </p:nvPr>
+        </p:nvSpPr>
+        <p:spPr/>
+        <p:txBody>
+          <a:bodyPr>
+            <a:noAutofit/>
+          </a:bodyPr>
+          <a:lstStyle/>
+          <a:p>
+            <a:r>
+              <a:rPr lang="de-AT" sz="2000" dirty="0" smtClean="0"/>
+              <a:t>Framework für Client-seitige Web Applikationen</a:t>
+            </a:r>
+          </a:p>
+          <a:p>
+            <a:pPr lvl="1"/>
+            <a:r>
+              <a:rPr lang="de-AT" sz="1400" dirty="0" smtClean="0"/>
+              <a:t>Aktuelle Version 1.4.7</a:t>
+            </a:r>
+          </a:p>
+          <a:p>
+            <a:pPr lvl="1"/>
+            <a:r>
+              <a:rPr lang="de-AT" sz="1400" dirty="0" smtClean="0"/>
+              <a:t>2.0 mit großen Änderungen in Entwicklung</a:t>
+            </a:r>
+          </a:p>
+          <a:p>
+            <a:r>
+              <a:rPr lang="de-AT" sz="2000" dirty="0" smtClean="0"/>
+              <a:t>Templates</a:t>
+            </a:r>
+          </a:p>
+          <a:p>
+            <a:r>
+              <a:rPr lang="de-AT" sz="2000" dirty="0" smtClean="0"/>
+              <a:t>2-way </a:t>
+            </a:r>
+            <a:r>
+              <a:rPr lang="de-AT" sz="2000" dirty="0" err="1" smtClean="0"/>
+              <a:t>Databinding</a:t>
+            </a:r>
+            <a:endParaRPr lang="de-AT" sz="2000" dirty="0" smtClean="0"/>
+          </a:p>
+          <a:p>
+            <a:r>
+              <a:rPr lang="de-AT" sz="2000" dirty="0" smtClean="0"/>
+              <a:t>Modules</a:t>
+            </a:r>
+          </a:p>
+          <a:p>
+            <a:r>
+              <a:rPr lang="de-AT" sz="2000" dirty="0" err="1" smtClean="0"/>
+              <a:t>Dependency</a:t>
+            </a:r>
+            <a:r>
+              <a:rPr lang="de-AT" sz="2000" dirty="0" smtClean="0"/>
+              <a:t> </a:t>
+            </a:r>
+            <a:r>
+              <a:rPr lang="de-AT" sz="2000" dirty="0" err="1" smtClean="0"/>
+              <a:t>Injection</a:t>
+            </a:r>
+            <a:endParaRPr lang="de-AT" sz="2000" dirty="0" smtClean="0"/>
+          </a:p>
+          <a:p>
+            <a:r>
+              <a:rPr lang="de-AT" sz="2000" dirty="0" err="1" smtClean="0"/>
+              <a:t>Templating</a:t>
+            </a:r>
+            <a:endParaRPr lang="de-AT" sz="2000" dirty="0" smtClean="0"/>
+          </a:p>
+          <a:p>
+            <a:r>
+              <a:rPr lang="de-AT" sz="2000" dirty="0" smtClean="0"/>
+              <a:t>Routing</a:t>
+            </a:r>
+          </a:p>
+          <a:p>
+            <a:endParaRPr lang="de-AT" sz="2000" dirty="0"/>
+          </a:p>
+        </p:txBody>
+      </p:sp>
+      <p:sp>
+        <p:nvSpPr>
+          <p:cNvPr id="5" name="Textplatzhalter 4"/>
+          <p:cNvSpPr>
+            <a:spLocks noGrp="1"/>
+          </p:cNvSpPr>
+          <p:nvPr>
+            <p:ph type="body" sz="quarter" idx="23"/>
+          </p:nvPr>
+        </p:nvSpPr>
+        <p:spPr/>
+        <p:txBody>
+          <a:bodyPr/>
+          <a:lstStyle/>
+          <a:p>
+            <a:endParaRPr lang="de-AT"/>
+          </a:p>
+        </p:txBody>
+      </p:sp>
+    </p:spTree>
+    <p:extLst>
+      <p:ext uri="{BB962C8B-B14F-4D97-AF65-F5344CB8AC3E}">
+        <p14:creationId xmlns:p14="http://schemas.microsoft.com/office/powerpoint/2010/main" val="2702781567"/>
+      </p:ext>
+    </p:extLst>
+  </p:cSld>
+  <p:clrMapOvr>
+    <a:masterClrMapping/>
+  </p:clrMapOvr>
+  <p:transition spd="slow">
+    <p:push/>
+  </p:transition>
+  <p:timing>
+    <p:tnLst>
+      <p:par>
+        <p:cTn id="1" dur="indefinite" restart="never" nodeType="tmRoot"/>
+      </p:par>
+    </p:tnLst>
+  </p:timing>
+</p:sld>
+</file>
+
+<file path=ppt/slides/slide20.xml><?xml version="1.0" encoding="utf-8"?>
 <p:sld xmlns:a="http://schemas.openxmlformats.org/drawingml/2006/main" xmlns:r="http://schemas.openxmlformats.org/officeDocument/2006/relationships" xmlns:p="http://schemas.openxmlformats.org/presentationml/2006/main">
   <p:cSld>
     <p:spTree>
@@ -17641,205 +18197,7 @@
 </p:sld>
 </file>
 
-<file path=ppt/slides/slide2.xml><?xml version="1.0" encoding="utf-8"?>
-<p:sld xmlns:a="http://schemas.openxmlformats.org/drawingml/2006/main" xmlns:r="http://schemas.openxmlformats.org/officeDocument/2006/relationships" xmlns:p="http://schemas.openxmlformats.org/presentationml/2006/main">
-  <p:cSld>
-    <p:spTree>
-      <p:nvGrpSpPr>
-        <p:cNvPr id="1" name=""/>
-        <p:cNvGrpSpPr/>
-        <p:nvPr/>
-      </p:nvGrpSpPr>
-      <p:grpSpPr>
-        <a:xfrm>
-          <a:off x="0" y="0"/>
-          <a:ext cx="0" cy="0"/>
-          <a:chOff x="0" y="0"/>
-          <a:chExt cx="0" cy="0"/>
-        </a:xfrm>
-      </p:grpSpPr>
-      <p:pic>
-        <p:nvPicPr>
-          <p:cNvPr id="4" name="Grafik 3"/>
-          <p:cNvPicPr>
-            <a:picLocks noChangeAspect="1"/>
-          </p:cNvPicPr>
-          <p:nvPr/>
-        </p:nvPicPr>
-        <p:blipFill>
-          <a:blip r:embed="rId2"/>
-          <a:stretch>
-            <a:fillRect/>
-          </a:stretch>
-        </p:blipFill>
-        <p:spPr>
-          <a:xfrm>
-            <a:off x="4114800" y="4181475"/>
-            <a:ext cx="8077200" cy="2676525"/>
-          </a:xfrm>
-          <a:prstGeom prst="rect">
-            <a:avLst/>
-          </a:prstGeom>
-        </p:spPr>
-      </p:pic>
-      <p:sp>
-        <p:nvSpPr>
-          <p:cNvPr id="2" name="Titel 1"/>
-          <p:cNvSpPr>
-            <a:spLocks noGrp="1"/>
-          </p:cNvSpPr>
-          <p:nvPr>
-            <p:ph type="title"/>
-          </p:nvPr>
-        </p:nvSpPr>
-        <p:spPr/>
-        <p:txBody>
-          <a:bodyPr/>
-          <a:lstStyle/>
-          <a:p>
-            <a:r>
-              <a:rPr lang="de-AT" dirty="0" err="1" smtClean="0"/>
-              <a:t>AngularJS</a:t>
-            </a:r>
-            <a:endParaRPr lang="de-AT" dirty="0"/>
-          </a:p>
-        </p:txBody>
-      </p:sp>
-      <p:sp>
-        <p:nvSpPr>
-          <p:cNvPr id="3" name="Inhaltsplatzhalter 2"/>
-          <p:cNvSpPr>
-            <a:spLocks noGrp="1"/>
-          </p:cNvSpPr>
-          <p:nvPr>
-            <p:ph sz="quarter" idx="12"/>
-          </p:nvPr>
-        </p:nvSpPr>
-        <p:spPr/>
-        <p:txBody>
-          <a:bodyPr>
-            <a:noAutofit/>
-          </a:bodyPr>
-          <a:lstStyle/>
-          <a:p>
-            <a:r>
-              <a:rPr lang="de-AT" sz="2000" dirty="0" smtClean="0"/>
-              <a:t>Framework für Client-seitige Web Applikationen</a:t>
-            </a:r>
-          </a:p>
-          <a:p>
-            <a:pPr lvl="1"/>
-            <a:r>
-              <a:rPr lang="de-AT" sz="1400" dirty="0" smtClean="0"/>
-              <a:t>Aktuelle Version 1.4.7</a:t>
-            </a:r>
-          </a:p>
-          <a:p>
-            <a:pPr lvl="1"/>
-            <a:r>
-              <a:rPr lang="de-AT" sz="1400" dirty="0" smtClean="0"/>
-              <a:t>2.0 mit großen Änderungen in Entwicklung</a:t>
-            </a:r>
-          </a:p>
-          <a:p>
-            <a:r>
-              <a:rPr lang="de-AT" sz="2000" dirty="0" smtClean="0"/>
-              <a:t>Templates</a:t>
-            </a:r>
-          </a:p>
-          <a:p>
-            <a:r>
-              <a:rPr lang="de-AT" sz="2000" dirty="0" smtClean="0"/>
-              <a:t>2-way </a:t>
-            </a:r>
-            <a:r>
-              <a:rPr lang="de-AT" sz="2000" dirty="0" err="1" smtClean="0"/>
-              <a:t>Databinding</a:t>
-            </a:r>
-            <a:endParaRPr lang="de-AT" sz="2000" dirty="0" smtClean="0"/>
-          </a:p>
-          <a:p>
-            <a:r>
-              <a:rPr lang="de-AT" sz="2000" dirty="0" smtClean="0"/>
-              <a:t>Modules</a:t>
-            </a:r>
-          </a:p>
-          <a:p>
-            <a:r>
-              <a:rPr lang="de-AT" sz="2000" dirty="0" err="1" smtClean="0"/>
-              <a:t>Dependency</a:t>
-            </a:r>
-            <a:r>
-              <a:rPr lang="de-AT" sz="2000" dirty="0" smtClean="0"/>
-              <a:t> </a:t>
-            </a:r>
-            <a:r>
-              <a:rPr lang="de-AT" sz="2000" dirty="0" err="1" smtClean="0"/>
-              <a:t>Injection</a:t>
-            </a:r>
-            <a:endParaRPr lang="de-AT" sz="2000" dirty="0" smtClean="0"/>
-          </a:p>
-          <a:p>
-            <a:r>
-              <a:rPr lang="de-AT" sz="2000" dirty="0" err="1" smtClean="0"/>
-              <a:t>Templating</a:t>
-            </a:r>
-            <a:endParaRPr lang="de-AT" sz="2000" dirty="0" smtClean="0"/>
-          </a:p>
-          <a:p>
-            <a:r>
-              <a:rPr lang="de-AT" sz="2000" dirty="0" smtClean="0"/>
-              <a:t>Routing</a:t>
-            </a:r>
-          </a:p>
-          <a:p>
-            <a:endParaRPr lang="de-AT" sz="2000" dirty="0"/>
-          </a:p>
-        </p:txBody>
-      </p:sp>
-      <p:sp>
-        <p:nvSpPr>
-          <p:cNvPr id="5" name="Textplatzhalter 4"/>
-          <p:cNvSpPr>
-            <a:spLocks noGrp="1"/>
-          </p:cNvSpPr>
-          <p:nvPr>
-            <p:ph type="body" sz="quarter" idx="23"/>
-          </p:nvPr>
-        </p:nvSpPr>
-        <p:spPr/>
-        <p:txBody>
-          <a:bodyPr/>
-          <a:lstStyle/>
-          <a:p>
-            <a:endParaRPr lang="de-AT"/>
-          </a:p>
-        </p:txBody>
-      </p:sp>
-    </p:spTree>
-    <p:extLst>
-      <p:ext uri="{BB962C8B-B14F-4D97-AF65-F5344CB8AC3E}">
-        <p14:creationId xmlns:p14="http://schemas.microsoft.com/office/powerpoint/2010/main" val="2702781567"/>
-      </p:ext>
-    </p:extLst>
-  </p:cSld>
-  <p:clrMapOvr>
-    <a:masterClrMapping/>
-  </p:clrMapOvr>
-  <p:transition spd="slow">
-    <p:push/>
-  </p:transition>
-  <p:timing>
-    <p:tnLst>
-      <p:par>
-        <p:cTn id="1" dur="indefinite" restart="never" nodeType="tmRoot"/>
-      </p:par>
-    </p:tnLst>
-  </p:timing>
-</p:sld>
-</file>
-
-<file path=ppt/slides/slide20.xml><?xml version="1.0" encoding="utf-8"?>
+<file path=ppt/slides/slide21.xml><?xml version="1.0" encoding="utf-8"?>
 <p:sld xmlns:a="http://schemas.openxmlformats.org/drawingml/2006/main" xmlns:r="http://schemas.openxmlformats.org/officeDocument/2006/relationships" xmlns:p="http://schemas.openxmlformats.org/presentationml/2006/main">
   <p:cSld>
     <p:spTree>
@@ -18073,7 +18431,7 @@
 </p:sld>
 </file>
 
-<file path=ppt/slides/slide21.xml><?xml version="1.0" encoding="utf-8"?>
+<file path=ppt/slides/slide22.xml><?xml version="1.0" encoding="utf-8"?>
 <p:sld xmlns:a="http://schemas.openxmlformats.org/drawingml/2006/main" xmlns:r="http://schemas.openxmlformats.org/officeDocument/2006/relationships" xmlns:p="http://schemas.openxmlformats.org/presentationml/2006/main">
   <p:cSld>
     <p:spTree>
@@ -18226,7 +18584,7 @@
 </p:sld>
 </file>
 
-<file path=ppt/slides/slide22.xml><?xml version="1.0" encoding="utf-8"?>
+<file path=ppt/slides/slide23.xml><?xml version="1.0" encoding="utf-8"?>
 <p:sld xmlns:a="http://schemas.openxmlformats.org/drawingml/2006/main" xmlns:r="http://schemas.openxmlformats.org/officeDocument/2006/relationships" xmlns:p="http://schemas.openxmlformats.org/presentationml/2006/main">
   <p:cSld>
     <p:spTree>
@@ -18803,7 +19161,7 @@
 </p:sld>
 </file>
 
-<file path=ppt/slides/slide23.xml><?xml version="1.0" encoding="utf-8"?>
+<file path=ppt/slides/slide24.xml><?xml version="1.0" encoding="utf-8"?>
 <p:sld xmlns:a="http://schemas.openxmlformats.org/drawingml/2006/main" xmlns:r="http://schemas.openxmlformats.org/officeDocument/2006/relationships" xmlns:p="http://schemas.openxmlformats.org/presentationml/2006/main">
   <p:cSld>
     <p:spTree>
@@ -18965,7 +19323,7 @@
 </p:sld>
 </file>
 
-<file path=ppt/slides/slide24.xml><?xml version="1.0" encoding="utf-8"?>
+<file path=ppt/slides/slide25.xml><?xml version="1.0" encoding="utf-8"?>
 <p:sld xmlns:a="http://schemas.openxmlformats.org/drawingml/2006/main" xmlns:r="http://schemas.openxmlformats.org/officeDocument/2006/relationships" xmlns:p="http://schemas.openxmlformats.org/presentationml/2006/main">
   <p:cSld>
     <p:spTree>
@@ -19560,7 +19918,7 @@
 </p:sld>
 </file>
 
-<file path=ppt/slides/slide25.xml><?xml version="1.0" encoding="utf-8"?>
+<file path=ppt/slides/slide26.xml><?xml version="1.0" encoding="utf-8"?>
 <p:sld xmlns:a="http://schemas.openxmlformats.org/drawingml/2006/main" xmlns:r="http://schemas.openxmlformats.org/officeDocument/2006/relationships" xmlns:p="http://schemas.openxmlformats.org/presentationml/2006/main">
   <p:cSld>
     <p:spTree>
@@ -19881,7 +20239,7 @@
 </p:sld>
 </file>
 
-<file path=ppt/slides/slide26.xml><?xml version="1.0" encoding="utf-8"?>
+<file path=ppt/slides/slide27.xml><?xml version="1.0" encoding="utf-8"?>
 <p:sld xmlns:a="http://schemas.openxmlformats.org/drawingml/2006/main" xmlns:r="http://schemas.openxmlformats.org/officeDocument/2006/relationships" xmlns:p="http://schemas.openxmlformats.org/presentationml/2006/main">
   <p:cSld>
     <p:spTree>
@@ -20087,7 +20445,7 @@
 </p:sld>
 </file>
 
-<file path=ppt/slides/slide27.xml><?xml version="1.0" encoding="utf-8"?>
+<file path=ppt/slides/slide28.xml><?xml version="1.0" encoding="utf-8"?>
 <p:sld xmlns:a="http://schemas.openxmlformats.org/drawingml/2006/main" xmlns:r="http://schemas.openxmlformats.org/officeDocument/2006/relationships" xmlns:p="http://schemas.openxmlformats.org/presentationml/2006/main">
   <p:cSld>
     <p:spTree>
@@ -20389,154 +20747,6 @@
 </p:sld>
 </file>
 
-<file path=ppt/slides/slide28.xml><?xml version="1.0" encoding="utf-8"?>
-<p:sld xmlns:a="http://schemas.openxmlformats.org/drawingml/2006/main" xmlns:r="http://schemas.openxmlformats.org/officeDocument/2006/relationships" xmlns:p="http://schemas.openxmlformats.org/presentationml/2006/main">
-  <p:cSld>
-    <p:spTree>
-      <p:nvGrpSpPr>
-        <p:cNvPr id="1" name=""/>
-        <p:cNvGrpSpPr/>
-        <p:nvPr/>
-      </p:nvGrpSpPr>
-      <p:grpSpPr>
-        <a:xfrm>
-          <a:off x="0" y="0"/>
-          <a:ext cx="0" cy="0"/>
-          <a:chOff x="0" y="0"/>
-          <a:chExt cx="0" cy="0"/>
-        </a:xfrm>
-      </p:grpSpPr>
-      <p:sp>
-        <p:nvSpPr>
-          <p:cNvPr id="2" name="Titel 1"/>
-          <p:cNvSpPr>
-            <a:spLocks noGrp="1"/>
-          </p:cNvSpPr>
-          <p:nvPr>
-            <p:ph type="title"/>
-          </p:nvPr>
-        </p:nvSpPr>
-        <p:spPr/>
-        <p:txBody>
-          <a:bodyPr/>
-          <a:lstStyle/>
-          <a:p>
-            <a:r>
-              <a:rPr lang="de-AT" dirty="0" err="1" smtClean="0"/>
-              <a:t>ng</a:t>
-            </a:r>
-            <a:r>
-              <a:rPr lang="de-AT" dirty="0" smtClean="0"/>
-              <a:t>-show / </a:t>
-            </a:r>
-            <a:r>
-              <a:rPr lang="de-AT" dirty="0" err="1" smtClean="0"/>
-              <a:t>ng-hide</a:t>
-            </a:r>
-            <a:endParaRPr lang="de-AT" dirty="0"/>
-          </a:p>
-        </p:txBody>
-      </p:sp>
-      <p:sp>
-        <p:nvSpPr>
-          <p:cNvPr id="3" name="Inhaltsplatzhalter 2"/>
-          <p:cNvSpPr>
-            <a:spLocks noGrp="1"/>
-          </p:cNvSpPr>
-          <p:nvPr>
-            <p:ph sz="quarter" idx="12"/>
-          </p:nvPr>
-        </p:nvSpPr>
-        <p:spPr/>
-        <p:txBody>
-          <a:bodyPr/>
-          <a:lstStyle/>
-          <a:p>
-            <a:r>
-              <a:rPr lang="de-AT" dirty="0" smtClean="0"/>
-              <a:t>Ausdruck für Sichtbarkeit eines Elementes</a:t>
-            </a:r>
-          </a:p>
-          <a:p>
-            <a:r>
-              <a:rPr lang="de-AT" dirty="0" smtClean="0"/>
-              <a:t>Ausdruck muss </a:t>
-            </a:r>
-            <a:r>
-              <a:rPr lang="de-AT" dirty="0" err="1" smtClean="0"/>
-              <a:t>truthy</a:t>
-            </a:r>
-            <a:r>
-              <a:rPr lang="de-AT" dirty="0" smtClean="0"/>
-              <a:t> oder </a:t>
-            </a:r>
-            <a:r>
-              <a:rPr lang="de-AT" dirty="0" err="1" smtClean="0"/>
-              <a:t>falsy</a:t>
-            </a:r>
-            <a:r>
-              <a:rPr lang="de-AT" dirty="0" smtClean="0"/>
-              <a:t> sein</a:t>
-            </a:r>
-          </a:p>
-          <a:p>
-            <a:r>
-              <a:rPr lang="de-AT" dirty="0" smtClean="0"/>
-              <a:t>Setzt CSS Display Eigenschaft</a:t>
-            </a:r>
-          </a:p>
-          <a:p>
-            <a:pPr lvl="1"/>
-            <a:r>
-              <a:rPr lang="de-AT" dirty="0" smtClean="0"/>
-              <a:t>DOM knoten bleiben erhalten</a:t>
-            </a:r>
-            <a:endParaRPr lang="de-AT" dirty="0"/>
-          </a:p>
-        </p:txBody>
-      </p:sp>
-      <p:sp>
-        <p:nvSpPr>
-          <p:cNvPr id="4" name="Textplatzhalter 3"/>
-          <p:cNvSpPr>
-            <a:spLocks noGrp="1"/>
-          </p:cNvSpPr>
-          <p:nvPr>
-            <p:ph type="body" sz="quarter" idx="23"/>
-          </p:nvPr>
-        </p:nvSpPr>
-        <p:spPr/>
-        <p:txBody>
-          <a:bodyPr/>
-          <a:lstStyle/>
-          <a:p>
-            <a:endParaRPr lang="de-AT"/>
-          </a:p>
-        </p:txBody>
-      </p:sp>
-    </p:spTree>
-    <p:extLst>
-      <p:ext uri="{BB962C8B-B14F-4D97-AF65-F5344CB8AC3E}">
-        <p14:creationId xmlns:p14="http://schemas.microsoft.com/office/powerpoint/2010/main" val="3011819495"/>
-      </p:ext>
-    </p:extLst>
-  </p:cSld>
-  <p:clrMapOvr>
-    <a:masterClrMapping/>
-  </p:clrMapOvr>
-  <p:transition spd="slow">
-    <p:push/>
-  </p:transition>
-  <p:timing>
-    <p:tnLst>
-      <p:par>
-        <p:cTn id="1" dur="indefinite" restart="never" nodeType="tmRoot"/>
-      </p:par>
-    </p:tnLst>
-  </p:timing>
-</p:sld>
-</file>
-
 <file path=ppt/slides/slide29.xml><?xml version="1.0" encoding="utf-8"?>
 <p:sld xmlns:a="http://schemas.openxmlformats.org/drawingml/2006/main" xmlns:r="http://schemas.openxmlformats.org/officeDocument/2006/relationships" xmlns:p="http://schemas.openxmlformats.org/presentationml/2006/main">
   <p:cSld>
@@ -20556,7 +20766,7 @@
       </p:grpSpPr>
       <p:sp>
         <p:nvSpPr>
-          <p:cNvPr id="4" name="Titel 3"/>
+          <p:cNvPr id="2" name="Titel 1"/>
           <p:cNvSpPr>
             <a:spLocks noGrp="1"/>
           </p:cNvSpPr>
@@ -20587,12 +20797,12 @@
       </p:sp>
       <p:sp>
         <p:nvSpPr>
-          <p:cNvPr id="5" name="Inhaltsplatzhalter 4"/>
+          <p:cNvPr id="3" name="Inhaltsplatzhalter 2"/>
           <p:cNvSpPr>
             <a:spLocks noGrp="1"/>
           </p:cNvSpPr>
           <p:nvPr>
-            <p:ph sz="quarter" idx="22"/>
+            <p:ph sz="quarter" idx="12"/>
           </p:nvPr>
         </p:nvSpPr>
         <p:spPr/>
@@ -20600,13 +20810,52 @@
           <a:bodyPr/>
           <a:lstStyle/>
           <a:p>
-            <a:endParaRPr lang="de-AT"/>
-          </a:p>
-        </p:txBody>
-      </p:sp>
-      <p:sp>
-        <p:nvSpPr>
-          <p:cNvPr id="6" name="Textplatzhalter 5"/>
+            <a:r>
+              <a:rPr lang="de-AT" dirty="0" smtClean="0"/>
+              <a:t>Ausdruck für Sichtbarkeit eines Elementes</a:t>
+            </a:r>
+          </a:p>
+          <a:p>
+            <a:r>
+              <a:rPr lang="de-AT" dirty="0" smtClean="0"/>
+              <a:t>Ausdruck muss </a:t>
+            </a:r>
+            <a:r>
+              <a:rPr lang="de-AT" dirty="0" err="1" smtClean="0"/>
+              <a:t>truthy</a:t>
+            </a:r>
+            <a:r>
+              <a:rPr lang="de-AT" dirty="0" smtClean="0"/>
+              <a:t> oder </a:t>
+            </a:r>
+            <a:r>
+              <a:rPr lang="de-AT" dirty="0" err="1" smtClean="0"/>
+              <a:t>falsy</a:t>
+            </a:r>
+            <a:r>
+              <a:rPr lang="de-AT" dirty="0" smtClean="0"/>
+              <a:t> sein</a:t>
+            </a:r>
+          </a:p>
+          <a:p>
+            <a:r>
+              <a:rPr lang="de-AT" dirty="0" smtClean="0"/>
+              <a:t>Setzt CSS Display Eigenschaft</a:t>
+            </a:r>
+          </a:p>
+          <a:p>
+            <a:pPr lvl="1"/>
+            <a:r>
+              <a:rPr lang="de-AT" dirty="0" smtClean="0"/>
+              <a:t>DOM knoten bleiben erhalten</a:t>
+            </a:r>
+            <a:endParaRPr lang="de-AT" dirty="0"/>
+          </a:p>
+        </p:txBody>
+      </p:sp>
+      <p:sp>
+        <p:nvSpPr>
+          <p:cNvPr id="4" name="Textplatzhalter 3"/>
           <p:cNvSpPr>
             <a:spLocks noGrp="1"/>
           </p:cNvSpPr>
@@ -20623,120 +20872,10 @@
           </a:p>
         </p:txBody>
       </p:sp>
-      <p:sp>
-        <p:nvSpPr>
-          <p:cNvPr id="7" name="Textplatzhalter 6"/>
-          <p:cNvSpPr>
-            <a:spLocks noGrp="1"/>
-          </p:cNvSpPr>
-          <p:nvPr>
-            <p:ph type="body" sz="quarter" idx="24"/>
-          </p:nvPr>
-        </p:nvSpPr>
-        <p:spPr/>
-        <p:txBody>
-          <a:bodyPr/>
-          <a:lstStyle/>
-          <a:p>
-            <a:r>
-              <a:rPr lang="de-AT" dirty="0" err="1" smtClean="0"/>
-              <a:t>ng</a:t>
-            </a:r>
-            <a:r>
-              <a:rPr lang="de-AT" dirty="0" smtClean="0"/>
-              <a:t>-show / </a:t>
-            </a:r>
-            <a:r>
-              <a:rPr lang="de-AT" dirty="0" err="1" smtClean="0"/>
-              <a:t>ng-hide</a:t>
-            </a:r>
-            <a:r>
-              <a:rPr lang="de-AT" dirty="0" smtClean="0"/>
-              <a:t> setzen </a:t>
-            </a:r>
-            <a:r>
-              <a:rPr lang="de-AT" dirty="0" err="1" smtClean="0"/>
-              <a:t>display</a:t>
-            </a:r>
-            <a:r>
-              <a:rPr lang="de-AT" dirty="0" smtClean="0"/>
-              <a:t> </a:t>
-            </a:r>
-            <a:r>
-              <a:rPr lang="de-AT" dirty="0" err="1" smtClean="0"/>
-              <a:t>eigenschaft</a:t>
-            </a:r>
-            <a:r>
-              <a:rPr lang="de-AT" dirty="0" smtClean="0"/>
-              <a:t> auf 'None' wenn wert </a:t>
-            </a:r>
-            <a:r>
-              <a:rPr lang="de-AT" dirty="0" err="1" smtClean="0"/>
-              <a:t>true</a:t>
-            </a:r>
-            <a:r>
-              <a:rPr lang="de-AT" dirty="0" smtClean="0"/>
-              <a:t>/</a:t>
-            </a:r>
-            <a:r>
-              <a:rPr lang="de-AT" dirty="0" err="1" smtClean="0"/>
-              <a:t>false</a:t>
-            </a:r>
-            <a:r>
-              <a:rPr lang="de-AT" dirty="0" smtClean="0"/>
-              <a:t> ist</a:t>
-            </a:r>
-            <a:endParaRPr lang="de-AT" dirty="0"/>
-          </a:p>
-        </p:txBody>
-      </p:sp>
-      <p:sp>
-        <p:nvSpPr>
-          <p:cNvPr id="8" name="Textplatzhalter 7"/>
-          <p:cNvSpPr>
-            <a:spLocks noGrp="1"/>
-          </p:cNvSpPr>
-          <p:nvPr>
-            <p:ph type="body" sz="quarter" idx="25"/>
-          </p:nvPr>
-        </p:nvSpPr>
-        <p:spPr/>
-        <p:txBody>
-          <a:bodyPr/>
-          <a:lstStyle/>
-          <a:p>
-            <a:endParaRPr lang="de-AT"/>
-          </a:p>
-        </p:txBody>
-      </p:sp>
-      <p:pic>
-        <p:nvPicPr>
-          <p:cNvPr id="9" name="Grafik 8"/>
-          <p:cNvPicPr>
-            <a:picLocks noChangeAspect="1"/>
-          </p:cNvPicPr>
-          <p:nvPr/>
-        </p:nvPicPr>
-        <p:blipFill>
-          <a:blip r:embed="rId2"/>
-          <a:stretch>
-            <a:fillRect/>
-          </a:stretch>
-        </p:blipFill>
-        <p:spPr>
-          <a:xfrm>
-            <a:off x="623392" y="238172"/>
-            <a:ext cx="7127711" cy="5337005"/>
-          </a:xfrm>
-          <a:prstGeom prst="rect">
-            <a:avLst/>
-          </a:prstGeom>
-        </p:spPr>
-      </p:pic>
     </p:spTree>
     <p:extLst>
       <p:ext uri="{BB962C8B-B14F-4D97-AF65-F5344CB8AC3E}">
-        <p14:creationId xmlns:p14="http://schemas.microsoft.com/office/powerpoint/2010/main" val="1431874601"/>
+        <p14:creationId xmlns:p14="http://schemas.microsoft.com/office/powerpoint/2010/main" val="3011819495"/>
       </p:ext>
     </p:extLst>
   </p:cSld>
@@ -21088,6 +21227,225 @@
       </p:grpSpPr>
       <p:sp>
         <p:nvSpPr>
+          <p:cNvPr id="4" name="Titel 3"/>
+          <p:cNvSpPr>
+            <a:spLocks noGrp="1"/>
+          </p:cNvSpPr>
+          <p:nvPr>
+            <p:ph type="title"/>
+          </p:nvPr>
+        </p:nvSpPr>
+        <p:spPr/>
+        <p:txBody>
+          <a:bodyPr/>
+          <a:lstStyle/>
+          <a:p>
+            <a:r>
+              <a:rPr lang="de-AT" dirty="0" err="1" smtClean="0"/>
+              <a:t>ng</a:t>
+            </a:r>
+            <a:r>
+              <a:rPr lang="de-AT" dirty="0" smtClean="0"/>
+              <a:t>-show / </a:t>
+            </a:r>
+            <a:r>
+              <a:rPr lang="de-AT" dirty="0" err="1" smtClean="0"/>
+              <a:t>ng-hide</a:t>
+            </a:r>
+            <a:endParaRPr lang="de-AT" dirty="0"/>
+          </a:p>
+        </p:txBody>
+      </p:sp>
+      <p:sp>
+        <p:nvSpPr>
+          <p:cNvPr id="5" name="Inhaltsplatzhalter 4"/>
+          <p:cNvSpPr>
+            <a:spLocks noGrp="1"/>
+          </p:cNvSpPr>
+          <p:nvPr>
+            <p:ph sz="quarter" idx="22"/>
+          </p:nvPr>
+        </p:nvSpPr>
+        <p:spPr/>
+        <p:txBody>
+          <a:bodyPr/>
+          <a:lstStyle/>
+          <a:p>
+            <a:endParaRPr lang="de-AT"/>
+          </a:p>
+        </p:txBody>
+      </p:sp>
+      <p:sp>
+        <p:nvSpPr>
+          <p:cNvPr id="6" name="Textplatzhalter 5"/>
+          <p:cNvSpPr>
+            <a:spLocks noGrp="1"/>
+          </p:cNvSpPr>
+          <p:nvPr>
+            <p:ph type="body" sz="quarter" idx="23"/>
+          </p:nvPr>
+        </p:nvSpPr>
+        <p:spPr/>
+        <p:txBody>
+          <a:bodyPr/>
+          <a:lstStyle/>
+          <a:p>
+            <a:endParaRPr lang="de-AT"/>
+          </a:p>
+        </p:txBody>
+      </p:sp>
+      <p:sp>
+        <p:nvSpPr>
+          <p:cNvPr id="7" name="Textplatzhalter 6"/>
+          <p:cNvSpPr>
+            <a:spLocks noGrp="1"/>
+          </p:cNvSpPr>
+          <p:nvPr>
+            <p:ph type="body" sz="quarter" idx="24"/>
+          </p:nvPr>
+        </p:nvSpPr>
+        <p:spPr/>
+        <p:txBody>
+          <a:bodyPr/>
+          <a:lstStyle/>
+          <a:p>
+            <a:r>
+              <a:rPr lang="de-AT" dirty="0" err="1" smtClean="0"/>
+              <a:t>ng</a:t>
+            </a:r>
+            <a:r>
+              <a:rPr lang="de-AT" dirty="0" smtClean="0"/>
+              <a:t>-show / </a:t>
+            </a:r>
+            <a:r>
+              <a:rPr lang="de-AT" dirty="0" err="1" smtClean="0"/>
+              <a:t>ng-hide</a:t>
+            </a:r>
+            <a:r>
+              <a:rPr lang="de-AT" dirty="0" smtClean="0"/>
+              <a:t> setzen </a:t>
+            </a:r>
+            <a:r>
+              <a:rPr lang="de-AT" dirty="0" err="1" smtClean="0"/>
+              <a:t>display</a:t>
+            </a:r>
+            <a:r>
+              <a:rPr lang="de-AT" dirty="0" smtClean="0"/>
+              <a:t> </a:t>
+            </a:r>
+            <a:r>
+              <a:rPr lang="de-AT" dirty="0" err="1" smtClean="0"/>
+              <a:t>eigenschaft</a:t>
+            </a:r>
+            <a:r>
+              <a:rPr lang="de-AT" dirty="0" smtClean="0"/>
+              <a:t> auf 'None' wenn wert </a:t>
+            </a:r>
+            <a:r>
+              <a:rPr lang="de-AT" dirty="0" err="1" smtClean="0"/>
+              <a:t>true</a:t>
+            </a:r>
+            <a:r>
+              <a:rPr lang="de-AT" dirty="0" smtClean="0"/>
+              <a:t>/</a:t>
+            </a:r>
+            <a:r>
+              <a:rPr lang="de-AT" dirty="0" err="1" smtClean="0"/>
+              <a:t>false</a:t>
+            </a:r>
+            <a:r>
+              <a:rPr lang="de-AT" dirty="0" smtClean="0"/>
+              <a:t> ist</a:t>
+            </a:r>
+            <a:endParaRPr lang="de-AT" dirty="0"/>
+          </a:p>
+        </p:txBody>
+      </p:sp>
+      <p:sp>
+        <p:nvSpPr>
+          <p:cNvPr id="8" name="Textplatzhalter 7"/>
+          <p:cNvSpPr>
+            <a:spLocks noGrp="1"/>
+          </p:cNvSpPr>
+          <p:nvPr>
+            <p:ph type="body" sz="quarter" idx="25"/>
+          </p:nvPr>
+        </p:nvSpPr>
+        <p:spPr/>
+        <p:txBody>
+          <a:bodyPr/>
+          <a:lstStyle/>
+          <a:p>
+            <a:endParaRPr lang="de-AT"/>
+          </a:p>
+        </p:txBody>
+      </p:sp>
+      <p:pic>
+        <p:nvPicPr>
+          <p:cNvPr id="9" name="Grafik 8"/>
+          <p:cNvPicPr>
+            <a:picLocks noChangeAspect="1"/>
+          </p:cNvPicPr>
+          <p:nvPr/>
+        </p:nvPicPr>
+        <p:blipFill>
+          <a:blip r:embed="rId2"/>
+          <a:stretch>
+            <a:fillRect/>
+          </a:stretch>
+        </p:blipFill>
+        <p:spPr>
+          <a:xfrm>
+            <a:off x="623392" y="238172"/>
+            <a:ext cx="7127711" cy="5337005"/>
+          </a:xfrm>
+          <a:prstGeom prst="rect">
+            <a:avLst/>
+          </a:prstGeom>
+        </p:spPr>
+      </p:pic>
+    </p:spTree>
+    <p:extLst>
+      <p:ext uri="{BB962C8B-B14F-4D97-AF65-F5344CB8AC3E}">
+        <p14:creationId xmlns:p14="http://schemas.microsoft.com/office/powerpoint/2010/main" val="1431874601"/>
+      </p:ext>
+    </p:extLst>
+  </p:cSld>
+  <p:clrMapOvr>
+    <a:masterClrMapping/>
+  </p:clrMapOvr>
+  <p:transition spd="slow">
+    <p:push/>
+  </p:transition>
+  <p:timing>
+    <p:tnLst>
+      <p:par>
+        <p:cTn id="1" dur="indefinite" restart="never" nodeType="tmRoot"/>
+      </p:par>
+    </p:tnLst>
+  </p:timing>
+</p:sld>
+</file>
+
+<file path=ppt/slides/slide31.xml><?xml version="1.0" encoding="utf-8"?>
+<p:sld xmlns:a="http://schemas.openxmlformats.org/drawingml/2006/main" xmlns:r="http://schemas.openxmlformats.org/officeDocument/2006/relationships" xmlns:p="http://schemas.openxmlformats.org/presentationml/2006/main">
+  <p:cSld>
+    <p:spTree>
+      <p:nvGrpSpPr>
+        <p:cNvPr id="1" name=""/>
+        <p:cNvGrpSpPr/>
+        <p:nvPr/>
+      </p:nvGrpSpPr>
+      <p:grpSpPr>
+        <a:xfrm>
+          <a:off x="0" y="0"/>
+          <a:ext cx="0" cy="0"/>
+          <a:chOff x="0" y="0"/>
+          <a:chExt cx="0" cy="0"/>
+        </a:xfrm>
+      </p:grpSpPr>
+      <p:sp>
+        <p:nvSpPr>
           <p:cNvPr id="2" name="Titel 1"/>
           <p:cNvSpPr>
             <a:spLocks noGrp="1"/>
@@ -21195,7 +21553,7 @@
 </p:sld>
 </file>
 
-<file path=ppt/slides/slide31.xml><?xml version="1.0" encoding="utf-8"?>
+<file path=ppt/slides/slide32.xml><?xml version="1.0" encoding="utf-8"?>
 <p:sld xmlns:a="http://schemas.openxmlformats.org/drawingml/2006/main" xmlns:r="http://schemas.openxmlformats.org/officeDocument/2006/relationships" xmlns:p="http://schemas.openxmlformats.org/presentationml/2006/main">
   <p:cSld>
     <p:spTree>
@@ -21264,7 +21622,7 @@
 </p:sld>
 </file>
 
-<file path=ppt/slides/slide32.xml><?xml version="1.0" encoding="utf-8"?>
+<file path=ppt/slides/slide33.xml><?xml version="1.0" encoding="utf-8"?>
 <p:sld xmlns:a="http://schemas.openxmlformats.org/drawingml/2006/main" xmlns:r="http://schemas.openxmlformats.org/officeDocument/2006/relationships" xmlns:p="http://schemas.openxmlformats.org/presentationml/2006/main">
   <p:cSld>
     <p:spTree>
@@ -21325,7 +21683,7 @@
 </p:sld>
 </file>
 
-<file path=ppt/slides/slide33.xml><?xml version="1.0" encoding="utf-8"?>
+<file path=ppt/slides/slide34.xml><?xml version="1.0" encoding="utf-8"?>
 <p:sld xmlns:a="http://schemas.openxmlformats.org/drawingml/2006/main" xmlns:r="http://schemas.openxmlformats.org/officeDocument/2006/relationships" xmlns:p="http://schemas.openxmlformats.org/presentationml/2006/main">
   <p:cSld>
     <p:spTree>
@@ -21524,7 +21882,7 @@
 </p:sld>
 </file>
 
-<file path=ppt/slides/slide34.xml><?xml version="1.0" encoding="utf-8"?>
+<file path=ppt/slides/slide35.xml><?xml version="1.0" encoding="utf-8"?>
 <p:sld xmlns:a="http://schemas.openxmlformats.org/drawingml/2006/main" xmlns:r="http://schemas.openxmlformats.org/officeDocument/2006/relationships" xmlns:p="http://schemas.openxmlformats.org/presentationml/2006/main">
   <p:cSld>
     <p:spTree>
@@ -21777,7 +22135,7 @@
 </p:sld>
 </file>
 
-<file path=ppt/slides/slide35.xml><?xml version="1.0" encoding="utf-8"?>
+<file path=ppt/slides/slide36.xml><?xml version="1.0" encoding="utf-8"?>
 <p:sld xmlns:a="http://schemas.openxmlformats.org/drawingml/2006/main" xmlns:r="http://schemas.openxmlformats.org/officeDocument/2006/relationships" xmlns:p="http://schemas.openxmlformats.org/presentationml/2006/main">
   <p:cSld>
     <p:spTree>
@@ -21877,7 +22235,7 @@
 </p:sld>
 </file>
 
-<file path=ppt/slides/slide36.xml><?xml version="1.0" encoding="utf-8"?>
+<file path=ppt/slides/slide37.xml><?xml version="1.0" encoding="utf-8"?>
 <p:sld xmlns:a="http://schemas.openxmlformats.org/drawingml/2006/main" xmlns:r="http://schemas.openxmlformats.org/officeDocument/2006/relationships" xmlns:p="http://schemas.openxmlformats.org/presentationml/2006/main">
   <p:cSld>
     <p:spTree>
@@ -22184,7 +22542,7 @@
 </p:sld>
 </file>
 
-<file path=ppt/slides/slide37.xml><?xml version="1.0" encoding="utf-8"?>
+<file path=ppt/slides/slide38.xml><?xml version="1.0" encoding="utf-8"?>
 <p:sld xmlns:a="http://schemas.openxmlformats.org/drawingml/2006/main" xmlns:r="http://schemas.openxmlformats.org/officeDocument/2006/relationships" xmlns:p="http://schemas.openxmlformats.org/presentationml/2006/main">
   <p:cSld>
     <p:spTree>
@@ -23071,148 +23429,6 @@
 </p:sld>
 </file>
 
-<file path=ppt/slides/slide38.xml><?xml version="1.0" encoding="utf-8"?>
-<p:sld xmlns:a="http://schemas.openxmlformats.org/drawingml/2006/main" xmlns:r="http://schemas.openxmlformats.org/officeDocument/2006/relationships" xmlns:p="http://schemas.openxmlformats.org/presentationml/2006/main">
-  <p:cSld>
-    <p:spTree>
-      <p:nvGrpSpPr>
-        <p:cNvPr id="1" name=""/>
-        <p:cNvGrpSpPr/>
-        <p:nvPr/>
-      </p:nvGrpSpPr>
-      <p:grpSpPr>
-        <a:xfrm>
-          <a:off x="0" y="0"/>
-          <a:ext cx="0" cy="0"/>
-          <a:chOff x="0" y="0"/>
-          <a:chExt cx="0" cy="0"/>
-        </a:xfrm>
-      </p:grpSpPr>
-      <p:sp>
-        <p:nvSpPr>
-          <p:cNvPr id="2" name="Titel 1"/>
-          <p:cNvSpPr>
-            <a:spLocks noGrp="1"/>
-          </p:cNvSpPr>
-          <p:nvPr>
-            <p:ph type="title"/>
-          </p:nvPr>
-        </p:nvSpPr>
-        <p:spPr/>
-        <p:txBody>
-          <a:bodyPr/>
-          <a:lstStyle/>
-          <a:p>
-            <a:r>
-              <a:rPr lang="de-AT" smtClean="0"/>
-              <a:t>Building Larger Applications</a:t>
-            </a:r>
-            <a:endParaRPr lang="de-AT" dirty="0"/>
-          </a:p>
-        </p:txBody>
-      </p:sp>
-      <p:sp>
-        <p:nvSpPr>
-          <p:cNvPr id="3" name="Inhaltsplatzhalter 2"/>
-          <p:cNvSpPr>
-            <a:spLocks noGrp="1"/>
-          </p:cNvSpPr>
-          <p:nvPr>
-            <p:ph sz="quarter" idx="12"/>
-          </p:nvPr>
-        </p:nvSpPr>
-        <p:spPr/>
-        <p:txBody>
-          <a:bodyPr/>
-          <a:lstStyle/>
-          <a:p>
-            <a:r>
-              <a:rPr lang="de-AT" smtClean="0"/>
-              <a:t>AngularJS unterstützt Modularisierung</a:t>
-            </a:r>
-          </a:p>
-          <a:p>
-            <a:r>
-              <a:rPr lang="de-AT" smtClean="0"/>
-              <a:t>Module = Ansammlung von Elementen</a:t>
-            </a:r>
-          </a:p>
-          <a:p>
-            <a:pPr lvl="1"/>
-            <a:r>
-              <a:rPr lang="de-AT" smtClean="0"/>
-              <a:t>Values / Constants</a:t>
-            </a:r>
-          </a:p>
-          <a:p>
-            <a:pPr lvl="1"/>
-            <a:r>
-              <a:rPr lang="de-AT" smtClean="0"/>
-              <a:t>Factories / Services / Providers</a:t>
-            </a:r>
-          </a:p>
-          <a:p>
-            <a:pPr lvl="1"/>
-            <a:r>
-              <a:rPr lang="de-AT" smtClean="0"/>
-              <a:t>Directives</a:t>
-            </a:r>
-          </a:p>
-          <a:p>
-            <a:pPr lvl="1"/>
-            <a:r>
-              <a:rPr lang="de-AT" smtClean="0"/>
-              <a:t>Filters</a:t>
-            </a:r>
-          </a:p>
-          <a:p>
-            <a:pPr lvl="1"/>
-            <a:endParaRPr lang="de-AT" dirty="0" smtClean="0"/>
-          </a:p>
-        </p:txBody>
-      </p:sp>
-      <p:sp>
-        <p:nvSpPr>
-          <p:cNvPr id="6" name="Textplatzhalter 5"/>
-          <p:cNvSpPr>
-            <a:spLocks noGrp="1"/>
-          </p:cNvSpPr>
-          <p:nvPr>
-            <p:ph type="body" sz="quarter" idx="23"/>
-          </p:nvPr>
-        </p:nvSpPr>
-        <p:spPr/>
-        <p:txBody>
-          <a:bodyPr/>
-          <a:lstStyle/>
-          <a:p>
-            <a:endParaRPr lang="de-AT"/>
-          </a:p>
-        </p:txBody>
-      </p:sp>
-    </p:spTree>
-    <p:extLst>
-      <p:ext uri="{BB962C8B-B14F-4D97-AF65-F5344CB8AC3E}">
-        <p14:creationId xmlns:p14="http://schemas.microsoft.com/office/powerpoint/2010/main" val="3857917845"/>
-      </p:ext>
-    </p:extLst>
-  </p:cSld>
-  <p:clrMapOvr>
-    <a:masterClrMapping/>
-  </p:clrMapOvr>
-  <p:transition spd="slow">
-    <p:push/>
-  </p:transition>
-  <p:timing>
-    <p:tnLst>
-      <p:par>
-        <p:cTn id="1" dur="indefinite" restart="never" nodeType="tmRoot"/>
-      </p:par>
-    </p:tnLst>
-  </p:timing>
-</p:sld>
-</file>
-
 <file path=ppt/slides/slide39.xml><?xml version="1.0" encoding="utf-8"?>
 <p:sld xmlns:a="http://schemas.openxmlformats.org/drawingml/2006/main" xmlns:r="http://schemas.openxmlformats.org/officeDocument/2006/relationships" xmlns:p="http://schemas.openxmlformats.org/presentationml/2006/main">
   <p:cSld>
@@ -23247,7 +23463,7 @@
           <a:p>
             <a:r>
               <a:rPr lang="de-AT" smtClean="0"/>
-              <a:t>Dependency Injection</a:t>
+              <a:t>Building Larger Applications</a:t>
             </a:r>
             <a:endParaRPr lang="de-AT" dirty="0"/>
           </a:p>
@@ -23269,43 +23485,47 @@
           <a:lstStyle/>
           <a:p>
             <a:r>
-              <a:rPr lang="de-AT" dirty="0" smtClean="0"/>
-              <a:t>Module haben Abhängigkeiten</a:t>
+              <a:rPr lang="de-AT" smtClean="0"/>
+              <a:t>AngularJS unterstützt Modularisierung</a:t>
+            </a:r>
+          </a:p>
+          <a:p>
+            <a:r>
+              <a:rPr lang="de-AT" smtClean="0"/>
+              <a:t>Module = Ansammlung von Elementen</a:t>
             </a:r>
           </a:p>
           <a:p>
             <a:pPr lvl="1"/>
             <a:r>
-              <a:rPr lang="de-AT" dirty="0" smtClean="0"/>
-              <a:t>Austauschbar für Unit-Tests!</a:t>
-            </a:r>
-          </a:p>
-          <a:p>
-            <a:r>
-              <a:rPr lang="de-AT" dirty="0" smtClean="0"/>
-              <a:t>Die Abhängigkeiten werden über "Factory functions" abgebildet</a:t>
-            </a:r>
-          </a:p>
-          <a:p>
-            <a:r>
-              <a:rPr lang="de-AT" dirty="0" smtClean="0"/>
-              <a:t>Factory Function</a:t>
+              <a:rPr lang="de-AT" smtClean="0"/>
+              <a:t>Values / Constants</a:t>
             </a:r>
           </a:p>
           <a:p>
             <a:pPr lvl="1"/>
             <a:r>
-              <a:rPr lang="de-AT" dirty="0" smtClean="0"/>
-              <a:t>Array von strings</a:t>
+              <a:rPr lang="de-AT" smtClean="0"/>
+              <a:t>Factories / Services / Providers</a:t>
             </a:r>
           </a:p>
           <a:p>
             <a:pPr lvl="1"/>
             <a:r>
-              <a:rPr lang="de-AT" dirty="0" smtClean="0"/>
-              <a:t>Letztes Element = Factory Funktion</a:t>
-            </a:r>
-            <a:endParaRPr lang="de-AT" dirty="0"/>
+              <a:rPr lang="de-AT" smtClean="0"/>
+              <a:t>Directives</a:t>
+            </a:r>
+          </a:p>
+          <a:p>
+            <a:pPr lvl="1"/>
+            <a:r>
+              <a:rPr lang="de-AT" smtClean="0"/>
+              <a:t>Filters</a:t>
+            </a:r>
+          </a:p>
+          <a:p>
+            <a:pPr lvl="1"/>
+            <a:endParaRPr lang="de-AT" dirty="0" smtClean="0"/>
           </a:p>
         </p:txBody>
       </p:sp>
@@ -23331,7 +23551,7 @@
     </p:spTree>
     <p:extLst>
       <p:ext uri="{BB962C8B-B14F-4D97-AF65-F5344CB8AC3E}">
-        <p14:creationId xmlns:p14="http://schemas.microsoft.com/office/powerpoint/2010/main" val="1161244718"/>
+        <p14:creationId xmlns:p14="http://schemas.microsoft.com/office/powerpoint/2010/main" val="3857917845"/>
       </p:ext>
     </p:extLst>
   </p:cSld>
@@ -23644,6 +23864,144 @@
 </file>
 
 <file path=ppt/slides/slide40.xml><?xml version="1.0" encoding="utf-8"?>
+<p:sld xmlns:a="http://schemas.openxmlformats.org/drawingml/2006/main" xmlns:r="http://schemas.openxmlformats.org/officeDocument/2006/relationships" xmlns:p="http://schemas.openxmlformats.org/presentationml/2006/main">
+  <p:cSld>
+    <p:spTree>
+      <p:nvGrpSpPr>
+        <p:cNvPr id="1" name=""/>
+        <p:cNvGrpSpPr/>
+        <p:nvPr/>
+      </p:nvGrpSpPr>
+      <p:grpSpPr>
+        <a:xfrm>
+          <a:off x="0" y="0"/>
+          <a:ext cx="0" cy="0"/>
+          <a:chOff x="0" y="0"/>
+          <a:chExt cx="0" cy="0"/>
+        </a:xfrm>
+      </p:grpSpPr>
+      <p:sp>
+        <p:nvSpPr>
+          <p:cNvPr id="2" name="Titel 1"/>
+          <p:cNvSpPr>
+            <a:spLocks noGrp="1"/>
+          </p:cNvSpPr>
+          <p:nvPr>
+            <p:ph type="title"/>
+          </p:nvPr>
+        </p:nvSpPr>
+        <p:spPr/>
+        <p:txBody>
+          <a:bodyPr/>
+          <a:lstStyle/>
+          <a:p>
+            <a:r>
+              <a:rPr lang="de-AT" smtClean="0"/>
+              <a:t>Dependency Injection</a:t>
+            </a:r>
+            <a:endParaRPr lang="de-AT" dirty="0"/>
+          </a:p>
+        </p:txBody>
+      </p:sp>
+      <p:sp>
+        <p:nvSpPr>
+          <p:cNvPr id="3" name="Inhaltsplatzhalter 2"/>
+          <p:cNvSpPr>
+            <a:spLocks noGrp="1"/>
+          </p:cNvSpPr>
+          <p:nvPr>
+            <p:ph sz="quarter" idx="12"/>
+          </p:nvPr>
+        </p:nvSpPr>
+        <p:spPr/>
+        <p:txBody>
+          <a:bodyPr/>
+          <a:lstStyle/>
+          <a:p>
+            <a:r>
+              <a:rPr lang="de-AT" dirty="0" smtClean="0"/>
+              <a:t>Module haben Abhängigkeiten</a:t>
+            </a:r>
+          </a:p>
+          <a:p>
+            <a:pPr lvl="1"/>
+            <a:r>
+              <a:rPr lang="de-AT" dirty="0" smtClean="0"/>
+              <a:t>Austauschbar für Unit-Tests!</a:t>
+            </a:r>
+          </a:p>
+          <a:p>
+            <a:r>
+              <a:rPr lang="de-AT" dirty="0" smtClean="0"/>
+              <a:t>Die Abhängigkeiten werden über "Factory functions" abgebildet</a:t>
+            </a:r>
+          </a:p>
+          <a:p>
+            <a:r>
+              <a:rPr lang="de-AT" dirty="0" smtClean="0"/>
+              <a:t>Factory Function</a:t>
+            </a:r>
+          </a:p>
+          <a:p>
+            <a:pPr lvl="1"/>
+            <a:r>
+              <a:rPr lang="de-AT" dirty="0" smtClean="0"/>
+              <a:t>Array von strings</a:t>
+            </a:r>
+          </a:p>
+          <a:p>
+            <a:pPr lvl="1"/>
+            <a:r>
+              <a:rPr lang="de-AT" dirty="0" smtClean="0"/>
+              <a:t>Letztes Element = Factory Funktion</a:t>
+            </a:r>
+            <a:endParaRPr lang="de-AT" dirty="0"/>
+          </a:p>
+        </p:txBody>
+      </p:sp>
+      <p:sp>
+        <p:nvSpPr>
+          <p:cNvPr id="6" name="Textplatzhalter 5"/>
+          <p:cNvSpPr>
+            <a:spLocks noGrp="1"/>
+          </p:cNvSpPr>
+          <p:nvPr>
+            <p:ph type="body" sz="quarter" idx="23"/>
+          </p:nvPr>
+        </p:nvSpPr>
+        <p:spPr/>
+        <p:txBody>
+          <a:bodyPr/>
+          <a:lstStyle/>
+          <a:p>
+            <a:endParaRPr lang="de-AT"/>
+          </a:p>
+        </p:txBody>
+      </p:sp>
+    </p:spTree>
+    <p:extLst>
+      <p:ext uri="{BB962C8B-B14F-4D97-AF65-F5344CB8AC3E}">
+        <p14:creationId xmlns:p14="http://schemas.microsoft.com/office/powerpoint/2010/main" val="1161244718"/>
+      </p:ext>
+    </p:extLst>
+  </p:cSld>
+  <p:clrMapOvr>
+    <a:masterClrMapping/>
+  </p:clrMapOvr>
+  <p:transition spd="slow">
+    <p:push/>
+  </p:transition>
+  <p:timing>
+    <p:tnLst>
+      <p:par>
+        <p:cTn id="1" dur="indefinite" restart="never" nodeType="tmRoot"/>
+      </p:par>
+    </p:tnLst>
+  </p:timing>
+</p:sld>
+</file>
+
+<file path=ppt/slides/slide41.xml><?xml version="1.0" encoding="utf-8"?>
 <p:sld xmlns:a="http://schemas.openxmlformats.org/drawingml/2006/main" xmlns:r="http://schemas.openxmlformats.org/officeDocument/2006/relationships" xmlns:p="http://schemas.openxmlformats.org/presentationml/2006/main">
   <p:cSld>
     <p:spTree>
@@ -24267,7 +24625,7 @@
 </p:sld>
 </file>
 
-<file path=ppt/slides/slide41.xml><?xml version="1.0" encoding="utf-8"?>
+<file path=ppt/slides/slide42.xml><?xml version="1.0" encoding="utf-8"?>
 <p:sld xmlns:a="http://schemas.openxmlformats.org/drawingml/2006/main" xmlns:r="http://schemas.openxmlformats.org/officeDocument/2006/relationships" xmlns:p="http://schemas.openxmlformats.org/presentationml/2006/main">
   <p:cSld>
     <p:spTree>
@@ -24397,7 +24755,7 @@
 </p:sld>
 </file>
 
-<file path=ppt/slides/slide42.xml><?xml version="1.0" encoding="utf-8"?>
+<file path=ppt/slides/slide43.xml><?xml version="1.0" encoding="utf-8"?>
 <p:sld xmlns:a="http://schemas.openxmlformats.org/drawingml/2006/main" xmlns:r="http://schemas.openxmlformats.org/officeDocument/2006/relationships" xmlns:p="http://schemas.openxmlformats.org/presentationml/2006/main">
   <p:cSld>
     <p:spTree>
@@ -24528,7 +24886,7 @@
 </p:sld>
 </file>
 
-<file path=ppt/slides/slide43.xml><?xml version="1.0" encoding="utf-8"?>
+<file path=ppt/slides/slide44.xml><?xml version="1.0" encoding="utf-8"?>
 <p:sld xmlns:a="http://schemas.openxmlformats.org/drawingml/2006/main" xmlns:r="http://schemas.openxmlformats.org/officeDocument/2006/relationships" xmlns:p="http://schemas.openxmlformats.org/presentationml/2006/main">
   <p:cSld>
     <p:spTree>
@@ -24788,7 +25146,7 @@
 </p:sld>
 </file>
 
-<file path=ppt/slides/slide44.xml><?xml version="1.0" encoding="utf-8"?>
+<file path=ppt/slides/slide45.xml><?xml version="1.0" encoding="utf-8"?>
 <p:sld xmlns:a="http://schemas.openxmlformats.org/drawingml/2006/main" xmlns:r="http://schemas.openxmlformats.org/officeDocument/2006/relationships" xmlns:p="http://schemas.openxmlformats.org/presentationml/2006/main">
   <p:cSld>
     <p:spTree>
@@ -24913,7 +25271,7 @@
 </p:sld>
 </file>
 
-<file path=ppt/slides/slide45.xml><?xml version="1.0" encoding="utf-8"?>
+<file path=ppt/slides/slide46.xml><?xml version="1.0" encoding="utf-8"?>
 <p:sld xmlns:a="http://schemas.openxmlformats.org/drawingml/2006/main" xmlns:r="http://schemas.openxmlformats.org/officeDocument/2006/relationships" xmlns:p="http://schemas.openxmlformats.org/presentationml/2006/main">
   <p:cSld>
     <p:spTree>
@@ -25280,7 +25638,7 @@
 </p:sld>
 </file>
 
-<file path=ppt/slides/slide46.xml><?xml version="1.0" encoding="utf-8"?>
+<file path=ppt/slides/slide47.xml><?xml version="1.0" encoding="utf-8"?>
 <p:sld xmlns:a="http://schemas.openxmlformats.org/drawingml/2006/main" xmlns:r="http://schemas.openxmlformats.org/officeDocument/2006/relationships" xmlns:p="http://schemas.openxmlformats.org/presentationml/2006/main">
   <p:cSld>
     <p:spTree>
@@ -25405,7 +25763,7 @@
 </p:sld>
 </file>
 
-<file path=ppt/slides/slide47.xml><?xml version="1.0" encoding="utf-8"?>
+<file path=ppt/slides/slide48.xml><?xml version="1.0" encoding="utf-8"?>
 <p:sld xmlns:a="http://schemas.openxmlformats.org/drawingml/2006/main" xmlns:r="http://schemas.openxmlformats.org/officeDocument/2006/relationships" xmlns:p="http://schemas.openxmlformats.org/presentationml/2006/main">
   <p:cSld>
     <p:spTree>
@@ -25623,7 +25981,7 @@
 </p:sld>
 </file>
 
-<file path=ppt/slides/slide48.xml><?xml version="1.0" encoding="utf-8"?>
+<file path=ppt/slides/slide49.xml><?xml version="1.0" encoding="utf-8"?>
 <p:sld xmlns:a="http://schemas.openxmlformats.org/drawingml/2006/main" xmlns:r="http://schemas.openxmlformats.org/officeDocument/2006/relationships" xmlns:p="http://schemas.openxmlformats.org/presentationml/2006/main">
   <p:cSld>
     <p:spTree>
@@ -25687,113 +26045,6 @@
     <p:extLst>
       <p:ext uri="{BB962C8B-B14F-4D97-AF65-F5344CB8AC3E}">
         <p14:creationId xmlns:p14="http://schemas.microsoft.com/office/powerpoint/2010/main" val="1479149678"/>
-      </p:ext>
-    </p:extLst>
-  </p:cSld>
-  <p:clrMapOvr>
-    <a:masterClrMapping/>
-  </p:clrMapOvr>
-  <p:transition spd="slow">
-    <p:push/>
-  </p:transition>
-  <p:timing>
-    <p:tnLst>
-      <p:par>
-        <p:cTn id="1" dur="indefinite" restart="never" nodeType="tmRoot"/>
-      </p:par>
-    </p:tnLst>
-  </p:timing>
-</p:sld>
-</file>
-
-<file path=ppt/slides/slide49.xml><?xml version="1.0" encoding="utf-8"?>
-<p:sld xmlns:a="http://schemas.openxmlformats.org/drawingml/2006/main" xmlns:r="http://schemas.openxmlformats.org/officeDocument/2006/relationships" xmlns:p="http://schemas.openxmlformats.org/presentationml/2006/main">
-  <p:cSld>
-    <p:spTree>
-      <p:nvGrpSpPr>
-        <p:cNvPr id="1" name=""/>
-        <p:cNvGrpSpPr/>
-        <p:nvPr/>
-      </p:nvGrpSpPr>
-      <p:grpSpPr>
-        <a:xfrm>
-          <a:off x="0" y="0"/>
-          <a:ext cx="0" cy="0"/>
-          <a:chOff x="0" y="0"/>
-          <a:chExt cx="0" cy="0"/>
-        </a:xfrm>
-      </p:grpSpPr>
-      <p:pic>
-        <p:nvPicPr>
-          <p:cNvPr id="2" name="Grafik 1"/>
-          <p:cNvPicPr>
-            <a:picLocks noChangeAspect="1"/>
-          </p:cNvPicPr>
-          <p:nvPr/>
-        </p:nvPicPr>
-        <p:blipFill>
-          <a:blip r:embed="rId2"/>
-          <a:stretch>
-            <a:fillRect/>
-          </a:stretch>
-        </p:blipFill>
-        <p:spPr>
-          <a:xfrm>
-            <a:off x="1047749" y="587518"/>
-            <a:ext cx="9182100" cy="2981325"/>
-          </a:xfrm>
-          <a:prstGeom prst="rect">
-            <a:avLst/>
-          </a:prstGeom>
-        </p:spPr>
-      </p:pic>
-      <p:pic>
-        <p:nvPicPr>
-          <p:cNvPr id="4" name="Grafik 3"/>
-          <p:cNvPicPr>
-            <a:picLocks noChangeAspect="1"/>
-          </p:cNvPicPr>
-          <p:nvPr/>
-        </p:nvPicPr>
-        <p:blipFill>
-          <a:blip r:embed="rId3"/>
-          <a:stretch>
-            <a:fillRect/>
-          </a:stretch>
-        </p:blipFill>
-        <p:spPr>
-          <a:xfrm>
-            <a:off x="1047749" y="4050289"/>
-            <a:ext cx="6267450" cy="1438275"/>
-          </a:xfrm>
-          <a:prstGeom prst="rect">
-            <a:avLst/>
-          </a:prstGeom>
-        </p:spPr>
-      </p:pic>
-      <p:sp>
-        <p:nvSpPr>
-          <p:cNvPr id="7" name="Text Placeholder 6"/>
-          <p:cNvSpPr>
-            <a:spLocks noGrp="1"/>
-          </p:cNvSpPr>
-          <p:nvPr>
-            <p:ph type="body" sz="quarter" idx="23"/>
-          </p:nvPr>
-        </p:nvSpPr>
-        <p:spPr/>
-        <p:txBody>
-          <a:bodyPr/>
-          <a:lstStyle/>
-          <a:p>
-            <a:endParaRPr lang="de-AT"/>
-          </a:p>
-        </p:txBody>
-      </p:sp>
-    </p:spTree>
-    <p:extLst>
-      <p:ext uri="{BB962C8B-B14F-4D97-AF65-F5344CB8AC3E}">
-        <p14:creationId xmlns:p14="http://schemas.microsoft.com/office/powerpoint/2010/main" val="3730270598"/>
       </p:ext>
     </p:extLst>
   </p:cSld>
@@ -26362,93 +26613,57 @@
           <a:chExt cx="0" cy="0"/>
         </a:xfrm>
       </p:grpSpPr>
-      <p:sp>
-        <p:nvSpPr>
-          <p:cNvPr id="2" name="Titel 1"/>
-          <p:cNvSpPr>
-            <a:spLocks noGrp="1"/>
-          </p:cNvSpPr>
-          <p:nvPr>
-            <p:ph type="title"/>
-          </p:nvPr>
-        </p:nvSpPr>
-        <p:spPr/>
-        <p:txBody>
-          <a:bodyPr/>
-          <a:lstStyle/>
-          <a:p>
-            <a:r>
-              <a:rPr lang="de-AT" dirty="0" smtClean="0"/>
-              <a:t>http </a:t>
-            </a:r>
-            <a:r>
-              <a:rPr lang="de-AT" dirty="0" err="1" smtClean="0"/>
-              <a:t>Put</a:t>
-            </a:r>
-            <a:endParaRPr lang="de-AT" dirty="0"/>
-          </a:p>
-        </p:txBody>
-      </p:sp>
-      <p:sp>
-        <p:nvSpPr>
-          <p:cNvPr id="3" name="Inhaltsplatzhalter 2"/>
-          <p:cNvSpPr>
-            <a:spLocks noGrp="1"/>
-          </p:cNvSpPr>
-          <p:nvPr>
-            <p:ph sz="quarter" idx="12"/>
-          </p:nvPr>
-        </p:nvSpPr>
-        <p:spPr/>
-        <p:txBody>
-          <a:bodyPr/>
-          <a:lstStyle/>
-          <a:p>
-            <a:r>
-              <a:rPr lang="de-AT" dirty="0" smtClean="0"/>
-              <a:t>HTTP Verbs</a:t>
-            </a:r>
-          </a:p>
-          <a:p>
-            <a:pPr lvl="1"/>
-            <a:r>
-              <a:rPr lang="de-AT" dirty="0" smtClean="0"/>
-              <a:t>GET -&gt; Abholen von Dingen</a:t>
-            </a:r>
-          </a:p>
-          <a:p>
-            <a:pPr lvl="1"/>
-            <a:r>
-              <a:rPr lang="de-AT" dirty="0" smtClean="0"/>
-              <a:t>PUT -&gt; Ersetzen </a:t>
-            </a:r>
-          </a:p>
-          <a:p>
-            <a:pPr lvl="1"/>
-            <a:r>
-              <a:rPr lang="de-AT" dirty="0" smtClean="0"/>
-              <a:t>POST -&gt; Anlegen</a:t>
-            </a:r>
-          </a:p>
-          <a:p>
-            <a:pPr lvl="1"/>
-            <a:r>
-              <a:rPr lang="de-AT" dirty="0" smtClean="0"/>
-              <a:t>DELETE -&gt; Löschen</a:t>
-            </a:r>
-          </a:p>
-          <a:p>
-            <a:r>
-              <a:rPr lang="de-AT" dirty="0" smtClean="0"/>
-              <a:t>Komplettes Sample: 015 httpall</a:t>
-            </a:r>
-            <a:endParaRPr lang="de-AT" dirty="0"/>
-          </a:p>
-        </p:txBody>
-      </p:sp>
-      <p:sp>
-        <p:nvSpPr>
-          <p:cNvPr id="4" name="Textplatzhalter 3"/>
+      <p:pic>
+        <p:nvPicPr>
+          <p:cNvPr id="2" name="Grafik 1"/>
+          <p:cNvPicPr>
+            <a:picLocks noChangeAspect="1"/>
+          </p:cNvPicPr>
+          <p:nvPr/>
+        </p:nvPicPr>
+        <p:blipFill>
+          <a:blip r:embed="rId2"/>
+          <a:stretch>
+            <a:fillRect/>
+          </a:stretch>
+        </p:blipFill>
+        <p:spPr>
+          <a:xfrm>
+            <a:off x="1047749" y="587518"/>
+            <a:ext cx="9182100" cy="2981325"/>
+          </a:xfrm>
+          <a:prstGeom prst="rect">
+            <a:avLst/>
+          </a:prstGeom>
+        </p:spPr>
+      </p:pic>
+      <p:pic>
+        <p:nvPicPr>
+          <p:cNvPr id="4" name="Grafik 3"/>
+          <p:cNvPicPr>
+            <a:picLocks noChangeAspect="1"/>
+          </p:cNvPicPr>
+          <p:nvPr/>
+        </p:nvPicPr>
+        <p:blipFill>
+          <a:blip r:embed="rId3"/>
+          <a:stretch>
+            <a:fillRect/>
+          </a:stretch>
+        </p:blipFill>
+        <p:spPr>
+          <a:xfrm>
+            <a:off x="1047749" y="4050289"/>
+            <a:ext cx="6267450" cy="1438275"/>
+          </a:xfrm>
+          <a:prstGeom prst="rect">
+            <a:avLst/>
+          </a:prstGeom>
+        </p:spPr>
+      </p:pic>
+      <p:sp>
+        <p:nvSpPr>
+          <p:cNvPr id="7" name="Text Placeholder 6"/>
           <p:cNvSpPr>
             <a:spLocks noGrp="1"/>
           </p:cNvSpPr>
@@ -26468,7 +26683,7 @@
     </p:spTree>
     <p:extLst>
       <p:ext uri="{BB962C8B-B14F-4D97-AF65-F5344CB8AC3E}">
-        <p14:creationId xmlns:p14="http://schemas.microsoft.com/office/powerpoint/2010/main" val="40087102"/>
+        <p14:creationId xmlns:p14="http://schemas.microsoft.com/office/powerpoint/2010/main" val="3730270598"/>
       </p:ext>
     </p:extLst>
   </p:cSld>
@@ -26521,6 +26736,149 @@
           <a:lstStyle/>
           <a:p>
             <a:r>
+              <a:rPr lang="de-AT" dirty="0" smtClean="0"/>
+              <a:t>http </a:t>
+            </a:r>
+            <a:r>
+              <a:rPr lang="de-AT" dirty="0" err="1" smtClean="0"/>
+              <a:t>Put</a:t>
+            </a:r>
+            <a:endParaRPr lang="de-AT" dirty="0"/>
+          </a:p>
+        </p:txBody>
+      </p:sp>
+      <p:sp>
+        <p:nvSpPr>
+          <p:cNvPr id="3" name="Inhaltsplatzhalter 2"/>
+          <p:cNvSpPr>
+            <a:spLocks noGrp="1"/>
+          </p:cNvSpPr>
+          <p:nvPr>
+            <p:ph sz="quarter" idx="12"/>
+          </p:nvPr>
+        </p:nvSpPr>
+        <p:spPr/>
+        <p:txBody>
+          <a:bodyPr/>
+          <a:lstStyle/>
+          <a:p>
+            <a:r>
+              <a:rPr lang="de-AT" dirty="0" smtClean="0"/>
+              <a:t>HTTP Verbs</a:t>
+            </a:r>
+          </a:p>
+          <a:p>
+            <a:pPr lvl="1"/>
+            <a:r>
+              <a:rPr lang="de-AT" dirty="0" smtClean="0"/>
+              <a:t>GET -&gt; Abholen von Dingen</a:t>
+            </a:r>
+          </a:p>
+          <a:p>
+            <a:pPr lvl="1"/>
+            <a:r>
+              <a:rPr lang="de-AT" dirty="0" smtClean="0"/>
+              <a:t>PUT -&gt; Ersetzen </a:t>
+            </a:r>
+          </a:p>
+          <a:p>
+            <a:pPr lvl="1"/>
+            <a:r>
+              <a:rPr lang="de-AT" dirty="0" smtClean="0"/>
+              <a:t>POST -&gt; Anlegen</a:t>
+            </a:r>
+          </a:p>
+          <a:p>
+            <a:pPr lvl="1"/>
+            <a:r>
+              <a:rPr lang="de-AT" dirty="0" smtClean="0"/>
+              <a:t>DELETE -&gt; Löschen</a:t>
+            </a:r>
+          </a:p>
+          <a:p>
+            <a:r>
+              <a:rPr lang="de-AT" dirty="0" smtClean="0"/>
+              <a:t>Komplettes Sample: 015 httpall</a:t>
+            </a:r>
+            <a:endParaRPr lang="de-AT" dirty="0"/>
+          </a:p>
+        </p:txBody>
+      </p:sp>
+      <p:sp>
+        <p:nvSpPr>
+          <p:cNvPr id="4" name="Textplatzhalter 3"/>
+          <p:cNvSpPr>
+            <a:spLocks noGrp="1"/>
+          </p:cNvSpPr>
+          <p:nvPr>
+            <p:ph type="body" sz="quarter" idx="23"/>
+          </p:nvPr>
+        </p:nvSpPr>
+        <p:spPr/>
+        <p:txBody>
+          <a:bodyPr/>
+          <a:lstStyle/>
+          <a:p>
+            <a:endParaRPr lang="de-AT"/>
+          </a:p>
+        </p:txBody>
+      </p:sp>
+    </p:spTree>
+    <p:extLst>
+      <p:ext uri="{BB962C8B-B14F-4D97-AF65-F5344CB8AC3E}">
+        <p14:creationId xmlns:p14="http://schemas.microsoft.com/office/powerpoint/2010/main" val="40087102"/>
+      </p:ext>
+    </p:extLst>
+  </p:cSld>
+  <p:clrMapOvr>
+    <a:masterClrMapping/>
+  </p:clrMapOvr>
+  <p:transition spd="slow">
+    <p:push/>
+  </p:transition>
+  <p:timing>
+    <p:tnLst>
+      <p:par>
+        <p:cTn id="1" dur="indefinite" restart="never" nodeType="tmRoot"/>
+      </p:par>
+    </p:tnLst>
+  </p:timing>
+</p:sld>
+</file>
+
+<file path=ppt/slides/slide52.xml><?xml version="1.0" encoding="utf-8"?>
+<p:sld xmlns:a="http://schemas.openxmlformats.org/drawingml/2006/main" xmlns:r="http://schemas.openxmlformats.org/officeDocument/2006/relationships" xmlns:p="http://schemas.openxmlformats.org/presentationml/2006/main">
+  <p:cSld>
+    <p:spTree>
+      <p:nvGrpSpPr>
+        <p:cNvPr id="1" name=""/>
+        <p:cNvGrpSpPr/>
+        <p:nvPr/>
+      </p:nvGrpSpPr>
+      <p:grpSpPr>
+        <a:xfrm>
+          <a:off x="0" y="0"/>
+          <a:ext cx="0" cy="0"/>
+          <a:chOff x="0" y="0"/>
+          <a:chExt cx="0" cy="0"/>
+        </a:xfrm>
+      </p:grpSpPr>
+      <p:sp>
+        <p:nvSpPr>
+          <p:cNvPr id="2" name="Titel 1"/>
+          <p:cNvSpPr>
+            <a:spLocks noGrp="1"/>
+          </p:cNvSpPr>
+          <p:nvPr>
+            <p:ph type="title"/>
+          </p:nvPr>
+        </p:nvSpPr>
+        <p:spPr/>
+        <p:txBody>
+          <a:bodyPr/>
+          <a:lstStyle/>
+          <a:p>
+            <a:r>
               <a:rPr lang="de-AT" dirty="0" err="1" smtClean="0"/>
               <a:t>Directives</a:t>
             </a:r>
@@ -26634,7 +26992,7 @@
 </p:sld>
 </file>
 
-<file path=ppt/slides/slide52.xml><?xml version="1.0" encoding="utf-8"?>
+<file path=ppt/slides/slide53.xml><?xml version="1.0" encoding="utf-8"?>
 <p:sld xmlns:a="http://schemas.openxmlformats.org/drawingml/2006/main" xmlns:r="http://schemas.openxmlformats.org/officeDocument/2006/relationships" xmlns:p="http://schemas.openxmlformats.org/presentationml/2006/main">
   <p:cSld>
     <p:spTree>
@@ -27100,7 +27458,7 @@
 </p:sld>
 </file>
 
-<file path=ppt/slides/slide53.xml><?xml version="1.0" encoding="utf-8"?>
+<file path=ppt/slides/slide54.xml><?xml version="1.0" encoding="utf-8"?>
 <p:sld xmlns:a="http://schemas.openxmlformats.org/drawingml/2006/main" xmlns:r="http://schemas.openxmlformats.org/officeDocument/2006/relationships" xmlns:p="http://schemas.openxmlformats.org/presentationml/2006/main">
   <p:cSld>
     <p:spTree>
@@ -27282,7 +27640,7 @@
 </p:sld>
 </file>
 
-<file path=ppt/slides/slide54.xml><?xml version="1.0" encoding="utf-8"?>
+<file path=ppt/slides/slide55.xml><?xml version="1.0" encoding="utf-8"?>
 <p:sld xmlns:a="http://schemas.openxmlformats.org/drawingml/2006/main" xmlns:r="http://schemas.openxmlformats.org/officeDocument/2006/relationships" xmlns:p="http://schemas.openxmlformats.org/presentationml/2006/main">
   <p:cSld>
     <p:spTree>
@@ -27554,7 +27912,7 @@
 </p:sld>
 </file>
 
-<file path=ppt/slides/slide55.xml><?xml version="1.0" encoding="utf-8"?>
+<file path=ppt/slides/slide56.xml><?xml version="1.0" encoding="utf-8"?>
 <p:sld xmlns:a="http://schemas.openxmlformats.org/drawingml/2006/main" xmlns:r="http://schemas.openxmlformats.org/officeDocument/2006/relationships" xmlns:p="http://schemas.openxmlformats.org/presentationml/2006/main">
   <p:cSld>
     <p:spTree>
@@ -27707,7 +28065,7 @@
 </p:sld>
 </file>
 
-<file path=ppt/slides/slide56.xml><?xml version="1.0" encoding="utf-8"?>
+<file path=ppt/slides/slide57.xml><?xml version="1.0" encoding="utf-8"?>
 <p:sld xmlns:a="http://schemas.openxmlformats.org/drawingml/2006/main" xmlns:r="http://schemas.openxmlformats.org/officeDocument/2006/relationships" xmlns:p="http://schemas.openxmlformats.org/presentationml/2006/main">
   <p:cSld>
     <p:spTree>
@@ -27937,7 +28295,7 @@
 </p:sld>
 </file>
 
-<file path=ppt/slides/slide57.xml><?xml version="1.0" encoding="utf-8"?>
+<file path=ppt/slides/slide58.xml><?xml version="1.0" encoding="utf-8"?>
 <p:sld xmlns:a="http://schemas.openxmlformats.org/drawingml/2006/main" xmlns:r="http://schemas.openxmlformats.org/officeDocument/2006/relationships" xmlns:p="http://schemas.openxmlformats.org/presentationml/2006/main">
   <p:cSld>
     <p:spTree>
@@ -27998,7 +28356,7 @@
 </p:sld>
 </file>
 
-<file path=ppt/slides/slide58.xml><?xml version="1.0" encoding="utf-8"?>
+<file path=ppt/slides/slide59.xml><?xml version="1.0" encoding="utf-8"?>
 <p:sld xmlns:a="http://schemas.openxmlformats.org/drawingml/2006/main" xmlns:r="http://schemas.openxmlformats.org/officeDocument/2006/relationships" xmlns:p="http://schemas.openxmlformats.org/presentationml/2006/main">
   <p:cSld>
     <p:spTree>
@@ -28083,243 +28441,6 @@
 </p:sld>
 </file>
 
-<file path=ppt/slides/slide59.xml><?xml version="1.0" encoding="utf-8"?>
-<p:sld xmlns:a="http://schemas.openxmlformats.org/drawingml/2006/main" xmlns:r="http://schemas.openxmlformats.org/officeDocument/2006/relationships" xmlns:p="http://schemas.openxmlformats.org/presentationml/2006/main">
-  <p:cSld>
-    <p:spTree>
-      <p:nvGrpSpPr>
-        <p:cNvPr id="1" name=""/>
-        <p:cNvGrpSpPr/>
-        <p:nvPr/>
-      </p:nvGrpSpPr>
-      <p:grpSpPr>
-        <a:xfrm>
-          <a:off x="0" y="0"/>
-          <a:ext cx="0" cy="0"/>
-          <a:chOff x="0" y="0"/>
-          <a:chExt cx="0" cy="0"/>
-        </a:xfrm>
-      </p:grpSpPr>
-      <p:sp>
-        <p:nvSpPr>
-          <p:cNvPr id="2" name="Titel 1"/>
-          <p:cNvSpPr>
-            <a:spLocks noGrp="1"/>
-          </p:cNvSpPr>
-          <p:nvPr>
-            <p:ph type="title"/>
-          </p:nvPr>
-        </p:nvSpPr>
-        <p:spPr/>
-        <p:txBody>
-          <a:bodyPr/>
-          <a:lstStyle/>
-          <a:p>
-            <a:r>
-              <a:rPr lang="de-AT" smtClean="0"/>
-              <a:t>Client Side Routing</a:t>
-            </a:r>
-            <a:endParaRPr lang="de-AT" dirty="0"/>
-          </a:p>
-        </p:txBody>
-      </p:sp>
-      <p:sp>
-        <p:nvSpPr>
-          <p:cNvPr id="3" name="Inhaltsplatzhalter 2"/>
-          <p:cNvSpPr>
-            <a:spLocks noGrp="1"/>
-          </p:cNvSpPr>
-          <p:nvPr>
-            <p:ph sz="quarter" idx="12"/>
-          </p:nvPr>
-        </p:nvSpPr>
-        <p:spPr/>
-        <p:txBody>
-          <a:bodyPr/>
-          <a:lstStyle/>
-          <a:p>
-            <a:r>
-              <a:rPr lang="de-AT" sz="2800" dirty="0" smtClean="0"/>
-              <a:t>Große Apps haben Teil-Bereiche</a:t>
-            </a:r>
-          </a:p>
-          <a:p>
-            <a:pPr lvl="1"/>
-            <a:r>
-              <a:rPr lang="en-US" sz="2000" dirty="0" err="1" smtClean="0"/>
-              <a:t>Unter</a:t>
-            </a:r>
-            <a:r>
-              <a:rPr lang="en-US" sz="2000" dirty="0" smtClean="0"/>
-              <a:t>-Seiten</a:t>
-            </a:r>
-            <a:endParaRPr lang="de-AT" sz="2000" dirty="0" smtClean="0"/>
-          </a:p>
-          <a:p>
-            <a:r>
-              <a:rPr lang="de-AT" sz="2800" dirty="0"/>
-              <a:t>Ziel: Navigieren in einer App wie im WWW</a:t>
-            </a:r>
-          </a:p>
-          <a:p>
-            <a:pPr lvl="1"/>
-            <a:r>
-              <a:rPr lang="de-AT" sz="2000" dirty="0"/>
-              <a:t>Urls innerhalb der Applikation</a:t>
-            </a:r>
-          </a:p>
-          <a:p>
-            <a:pPr lvl="1"/>
-            <a:r>
-              <a:rPr lang="de-AT" sz="2000" dirty="0"/>
-              <a:t>Ohne ‚Page Refresh‘ </a:t>
-            </a:r>
-          </a:p>
-          <a:p>
-            <a:pPr lvl="2"/>
-            <a:r>
-              <a:rPr lang="de-AT" sz="1800" dirty="0"/>
-              <a:t>(Neuladen der Seite)</a:t>
-            </a:r>
-          </a:p>
-          <a:p>
-            <a:pPr lvl="1"/>
-            <a:r>
-              <a:rPr lang="de-AT" sz="2000" dirty="0"/>
-              <a:t>Single-Page Applikations</a:t>
-            </a:r>
-          </a:p>
-          <a:p>
-            <a:r>
-              <a:rPr lang="en-US" sz="2800" dirty="0" err="1"/>
-              <a:t>Verwendet</a:t>
-            </a:r>
-            <a:r>
-              <a:rPr lang="en-US" sz="2800" dirty="0"/>
-              <a:t> Fragment </a:t>
-            </a:r>
-            <a:r>
-              <a:rPr lang="en-US" sz="2800" dirty="0" err="1"/>
-              <a:t>Teil</a:t>
-            </a:r>
-            <a:r>
-              <a:rPr lang="en-US" sz="2800" dirty="0"/>
-              <a:t> der URL</a:t>
-            </a:r>
-          </a:p>
-          <a:p>
-            <a:pPr lvl="1"/>
-            <a:r>
-              <a:rPr lang="en-US" sz="2000" dirty="0">
-                <a:hlinkClick r:id="rId2"/>
-              </a:rPr>
-              <a:t>http</a:t>
-            </a:r>
-            <a:r>
-              <a:rPr lang="en-US" sz="2000" dirty="0">
-                <a:sym typeface="Wingdings" panose="05000000000000000000" pitchFamily="2" charset="2"/>
-                <a:hlinkClick r:id="rId2"/>
-              </a:rPr>
-              <a:t>://www.mydomain.com/Resource/page.html?#&lt;fragment</a:t>
-            </a:r>
-            <a:r>
-              <a:rPr lang="en-US" sz="2000" dirty="0">
-                <a:sym typeface="Wingdings" panose="05000000000000000000" pitchFamily="2" charset="2"/>
-              </a:rPr>
-              <a:t>&gt;</a:t>
-            </a:r>
-          </a:p>
-          <a:p>
-            <a:pPr lvl="1"/>
-            <a:r>
-              <a:rPr lang="en-US" sz="2000" dirty="0">
-                <a:sym typeface="Wingdings" panose="05000000000000000000" pitchFamily="2" charset="2"/>
-              </a:rPr>
-              <a:t>Client-</a:t>
-            </a:r>
-            <a:r>
-              <a:rPr lang="en-US" sz="2000" dirty="0" err="1">
-                <a:sym typeface="Wingdings" panose="05000000000000000000" pitchFamily="2" charset="2"/>
-              </a:rPr>
-              <a:t>seitige</a:t>
-            </a:r>
-            <a:r>
-              <a:rPr lang="en-US" sz="2000" dirty="0">
-                <a:sym typeface="Wingdings" panose="05000000000000000000" pitchFamily="2" charset="2"/>
-              </a:rPr>
-              <a:t> </a:t>
-            </a:r>
-            <a:r>
-              <a:rPr lang="en-US" sz="2000" dirty="0" smtClean="0">
-                <a:sym typeface="Wingdings" panose="05000000000000000000" pitchFamily="2" charset="2"/>
-              </a:rPr>
-              <a:t>URL</a:t>
-            </a:r>
-            <a:endParaRPr lang="de-AT" sz="2000" dirty="0" smtClean="0"/>
-          </a:p>
-          <a:p>
-            <a:r>
-              <a:rPr lang="en-US" sz="2800" dirty="0" err="1" smtClean="0"/>
-              <a:t>Teil</a:t>
-            </a:r>
-            <a:r>
-              <a:rPr lang="en-US" sz="2800" dirty="0" smtClean="0"/>
-              <a:t> der URL -&gt; Deep Linking </a:t>
-            </a:r>
-            <a:r>
-              <a:rPr lang="en-US" sz="2800" dirty="0" err="1" smtClean="0"/>
-              <a:t>Unterstützung</a:t>
-            </a:r>
-            <a:endParaRPr lang="de-AT" sz="2800" dirty="0" smtClean="0"/>
-          </a:p>
-          <a:p>
-            <a:pPr lvl="1"/>
-            <a:endParaRPr lang="de-AT" sz="2000" dirty="0" smtClean="0"/>
-          </a:p>
-        </p:txBody>
-      </p:sp>
-      <p:sp>
-        <p:nvSpPr>
-          <p:cNvPr id="6" name="Textplatzhalter 5"/>
-          <p:cNvSpPr>
-            <a:spLocks noGrp="1"/>
-          </p:cNvSpPr>
-          <p:nvPr>
-            <p:ph type="body" sz="quarter" idx="23"/>
-          </p:nvPr>
-        </p:nvSpPr>
-        <p:spPr/>
-        <p:txBody>
-          <a:bodyPr/>
-          <a:lstStyle/>
-          <a:p>
-            <a:endParaRPr lang="de-AT" dirty="0"/>
-          </a:p>
-        </p:txBody>
-      </p:sp>
-    </p:spTree>
-    <p:extLst>
-      <p:ext uri="{BB962C8B-B14F-4D97-AF65-F5344CB8AC3E}">
-        <p14:creationId xmlns:p14="http://schemas.microsoft.com/office/powerpoint/2010/main" val="2787090692"/>
-      </p:ext>
-    </p:extLst>
-  </p:cSld>
-  <p:clrMapOvr>
-    <a:masterClrMapping/>
-  </p:clrMapOvr>
-  <p:transition spd="slow">
-    <p:push/>
-  </p:transition>
-  <p:timing>
-    <p:tnLst>
-      <p:par>
-        <p:cTn id="1" dur="indefinite" restart="never" nodeType="tmRoot"/>
-      </p:par>
-    </p:tnLst>
-  </p:timing>
-</p:sld>
-</file>
-
 <file path=ppt/slides/slide6.xml><?xml version="1.0" encoding="utf-8"?>
 <p:sld xmlns:a="http://schemas.openxmlformats.org/drawingml/2006/main" xmlns:r="http://schemas.openxmlformats.org/officeDocument/2006/relationships" xmlns:p="http://schemas.openxmlformats.org/presentationml/2006/main">
   <p:cSld>
@@ -28604,6 +28725,243 @@
 </file>
 
 <file path=ppt/slides/slide60.xml><?xml version="1.0" encoding="utf-8"?>
+<p:sld xmlns:a="http://schemas.openxmlformats.org/drawingml/2006/main" xmlns:r="http://schemas.openxmlformats.org/officeDocument/2006/relationships" xmlns:p="http://schemas.openxmlformats.org/presentationml/2006/main">
+  <p:cSld>
+    <p:spTree>
+      <p:nvGrpSpPr>
+        <p:cNvPr id="1" name=""/>
+        <p:cNvGrpSpPr/>
+        <p:nvPr/>
+      </p:nvGrpSpPr>
+      <p:grpSpPr>
+        <a:xfrm>
+          <a:off x="0" y="0"/>
+          <a:ext cx="0" cy="0"/>
+          <a:chOff x="0" y="0"/>
+          <a:chExt cx="0" cy="0"/>
+        </a:xfrm>
+      </p:grpSpPr>
+      <p:sp>
+        <p:nvSpPr>
+          <p:cNvPr id="2" name="Titel 1"/>
+          <p:cNvSpPr>
+            <a:spLocks noGrp="1"/>
+          </p:cNvSpPr>
+          <p:nvPr>
+            <p:ph type="title"/>
+          </p:nvPr>
+        </p:nvSpPr>
+        <p:spPr/>
+        <p:txBody>
+          <a:bodyPr/>
+          <a:lstStyle/>
+          <a:p>
+            <a:r>
+              <a:rPr lang="de-AT" smtClean="0"/>
+              <a:t>Client Side Routing</a:t>
+            </a:r>
+            <a:endParaRPr lang="de-AT" dirty="0"/>
+          </a:p>
+        </p:txBody>
+      </p:sp>
+      <p:sp>
+        <p:nvSpPr>
+          <p:cNvPr id="3" name="Inhaltsplatzhalter 2"/>
+          <p:cNvSpPr>
+            <a:spLocks noGrp="1"/>
+          </p:cNvSpPr>
+          <p:nvPr>
+            <p:ph sz="quarter" idx="12"/>
+          </p:nvPr>
+        </p:nvSpPr>
+        <p:spPr/>
+        <p:txBody>
+          <a:bodyPr/>
+          <a:lstStyle/>
+          <a:p>
+            <a:r>
+              <a:rPr lang="de-AT" sz="2800" dirty="0" smtClean="0"/>
+              <a:t>Große Apps haben Teil-Bereiche</a:t>
+            </a:r>
+          </a:p>
+          <a:p>
+            <a:pPr lvl="1"/>
+            <a:r>
+              <a:rPr lang="en-US" sz="2000" dirty="0" err="1" smtClean="0"/>
+              <a:t>Unter</a:t>
+            </a:r>
+            <a:r>
+              <a:rPr lang="en-US" sz="2000" dirty="0" smtClean="0"/>
+              <a:t>-Seiten</a:t>
+            </a:r>
+            <a:endParaRPr lang="de-AT" sz="2000" dirty="0" smtClean="0"/>
+          </a:p>
+          <a:p>
+            <a:r>
+              <a:rPr lang="de-AT" sz="2800" dirty="0"/>
+              <a:t>Ziel: Navigieren in einer App wie im WWW</a:t>
+            </a:r>
+          </a:p>
+          <a:p>
+            <a:pPr lvl="1"/>
+            <a:r>
+              <a:rPr lang="de-AT" sz="2000" dirty="0"/>
+              <a:t>Urls innerhalb der Applikation</a:t>
+            </a:r>
+          </a:p>
+          <a:p>
+            <a:pPr lvl="1"/>
+            <a:r>
+              <a:rPr lang="de-AT" sz="2000" dirty="0"/>
+              <a:t>Ohne ‚Page Refresh‘ </a:t>
+            </a:r>
+          </a:p>
+          <a:p>
+            <a:pPr lvl="2"/>
+            <a:r>
+              <a:rPr lang="de-AT" sz="1800" dirty="0"/>
+              <a:t>(Neuladen der Seite)</a:t>
+            </a:r>
+          </a:p>
+          <a:p>
+            <a:pPr lvl="1"/>
+            <a:r>
+              <a:rPr lang="de-AT" sz="2000" dirty="0"/>
+              <a:t>Single-Page Applikations</a:t>
+            </a:r>
+          </a:p>
+          <a:p>
+            <a:r>
+              <a:rPr lang="en-US" sz="2800" dirty="0" err="1"/>
+              <a:t>Verwendet</a:t>
+            </a:r>
+            <a:r>
+              <a:rPr lang="en-US" sz="2800" dirty="0"/>
+              <a:t> Fragment </a:t>
+            </a:r>
+            <a:r>
+              <a:rPr lang="en-US" sz="2800" dirty="0" err="1"/>
+              <a:t>Teil</a:t>
+            </a:r>
+            <a:r>
+              <a:rPr lang="en-US" sz="2800" dirty="0"/>
+              <a:t> der URL</a:t>
+            </a:r>
+          </a:p>
+          <a:p>
+            <a:pPr lvl="1"/>
+            <a:r>
+              <a:rPr lang="en-US" sz="2000" dirty="0">
+                <a:hlinkClick r:id="rId2"/>
+              </a:rPr>
+              <a:t>http</a:t>
+            </a:r>
+            <a:r>
+              <a:rPr lang="en-US" sz="2000" dirty="0">
+                <a:sym typeface="Wingdings" panose="05000000000000000000" pitchFamily="2" charset="2"/>
+                <a:hlinkClick r:id="rId2"/>
+              </a:rPr>
+              <a:t>://www.mydomain.com/Resource/page.html?#&lt;fragment</a:t>
+            </a:r>
+            <a:r>
+              <a:rPr lang="en-US" sz="2000" dirty="0">
+                <a:sym typeface="Wingdings" panose="05000000000000000000" pitchFamily="2" charset="2"/>
+              </a:rPr>
+              <a:t>&gt;</a:t>
+            </a:r>
+          </a:p>
+          <a:p>
+            <a:pPr lvl="1"/>
+            <a:r>
+              <a:rPr lang="en-US" sz="2000" dirty="0">
+                <a:sym typeface="Wingdings" panose="05000000000000000000" pitchFamily="2" charset="2"/>
+              </a:rPr>
+              <a:t>Client-</a:t>
+            </a:r>
+            <a:r>
+              <a:rPr lang="en-US" sz="2000" dirty="0" err="1">
+                <a:sym typeface="Wingdings" panose="05000000000000000000" pitchFamily="2" charset="2"/>
+              </a:rPr>
+              <a:t>seitige</a:t>
+            </a:r>
+            <a:r>
+              <a:rPr lang="en-US" sz="2000" dirty="0">
+                <a:sym typeface="Wingdings" panose="05000000000000000000" pitchFamily="2" charset="2"/>
+              </a:rPr>
+              <a:t> </a:t>
+            </a:r>
+            <a:r>
+              <a:rPr lang="en-US" sz="2000" dirty="0" smtClean="0">
+                <a:sym typeface="Wingdings" panose="05000000000000000000" pitchFamily="2" charset="2"/>
+              </a:rPr>
+              <a:t>URL</a:t>
+            </a:r>
+            <a:endParaRPr lang="de-AT" sz="2000" dirty="0" smtClean="0"/>
+          </a:p>
+          <a:p>
+            <a:r>
+              <a:rPr lang="en-US" sz="2800" dirty="0" err="1" smtClean="0"/>
+              <a:t>Teil</a:t>
+            </a:r>
+            <a:r>
+              <a:rPr lang="en-US" sz="2800" dirty="0" smtClean="0"/>
+              <a:t> der URL -&gt; Deep Linking </a:t>
+            </a:r>
+            <a:r>
+              <a:rPr lang="en-US" sz="2800" dirty="0" err="1" smtClean="0"/>
+              <a:t>Unterstützung</a:t>
+            </a:r>
+            <a:endParaRPr lang="de-AT" sz="2800" dirty="0" smtClean="0"/>
+          </a:p>
+          <a:p>
+            <a:pPr lvl="1"/>
+            <a:endParaRPr lang="de-AT" sz="2000" dirty="0" smtClean="0"/>
+          </a:p>
+        </p:txBody>
+      </p:sp>
+      <p:sp>
+        <p:nvSpPr>
+          <p:cNvPr id="6" name="Textplatzhalter 5"/>
+          <p:cNvSpPr>
+            <a:spLocks noGrp="1"/>
+          </p:cNvSpPr>
+          <p:nvPr>
+            <p:ph type="body" sz="quarter" idx="23"/>
+          </p:nvPr>
+        </p:nvSpPr>
+        <p:spPr/>
+        <p:txBody>
+          <a:bodyPr/>
+          <a:lstStyle/>
+          <a:p>
+            <a:endParaRPr lang="de-AT" dirty="0"/>
+          </a:p>
+        </p:txBody>
+      </p:sp>
+    </p:spTree>
+    <p:extLst>
+      <p:ext uri="{BB962C8B-B14F-4D97-AF65-F5344CB8AC3E}">
+        <p14:creationId xmlns:p14="http://schemas.microsoft.com/office/powerpoint/2010/main" val="2787090692"/>
+      </p:ext>
+    </p:extLst>
+  </p:cSld>
+  <p:clrMapOvr>
+    <a:masterClrMapping/>
+  </p:clrMapOvr>
+  <p:transition spd="slow">
+    <p:push/>
+  </p:transition>
+  <p:timing>
+    <p:tnLst>
+      <p:par>
+        <p:cTn id="1" dur="indefinite" restart="never" nodeType="tmRoot"/>
+      </p:par>
+    </p:tnLst>
+  </p:timing>
+</p:sld>
+</file>
+
+<file path=ppt/slides/slide61.xml><?xml version="1.0" encoding="utf-8"?>
 <p:sld xmlns:a="http://schemas.openxmlformats.org/drawingml/2006/main" xmlns:r="http://schemas.openxmlformats.org/officeDocument/2006/relationships" xmlns:p="http://schemas.openxmlformats.org/presentationml/2006/main">
   <p:cSld>
     <p:spTree>
@@ -28940,7 +29298,7 @@
 </p:sld>
 </file>
 
-<file path=ppt/slides/slide61.xml><?xml version="1.0" encoding="utf-8"?>
+<file path=ppt/slides/slide62.xml><?xml version="1.0" encoding="utf-8"?>
 <p:sld xmlns:a="http://schemas.openxmlformats.org/drawingml/2006/main" xmlns:r="http://schemas.openxmlformats.org/officeDocument/2006/relationships" xmlns:p="http://schemas.openxmlformats.org/presentationml/2006/main">
   <p:cSld>
     <p:spTree>
@@ -29115,7 +29473,7 @@
 </p:sld>
 </file>
 
-<file path=ppt/slides/slide62.xml><?xml version="1.0" encoding="utf-8"?>
+<file path=ppt/slides/slide63.xml><?xml version="1.0" encoding="utf-8"?>
 <p:sld xmlns:a="http://schemas.openxmlformats.org/drawingml/2006/main" xmlns:r="http://schemas.openxmlformats.org/officeDocument/2006/relationships" xmlns:p="http://schemas.openxmlformats.org/presentationml/2006/main">
   <p:cSld>
     <p:spTree>
@@ -29333,7 +29691,7 @@
 </p:sld>
 </file>
 
-<file path=ppt/slides/slide63.xml><?xml version="1.0" encoding="utf-8"?>
+<file path=ppt/slides/slide64.xml><?xml version="1.0" encoding="utf-8"?>
 <p:sld xmlns:a="http://schemas.openxmlformats.org/drawingml/2006/main" xmlns:r="http://schemas.openxmlformats.org/officeDocument/2006/relationships" xmlns:p="http://schemas.openxmlformats.org/presentationml/2006/main">
   <p:cSld>
     <p:spTree>
@@ -29516,7 +29874,7 @@
 </p:sld>
 </file>
 
-<file path=ppt/slides/slide64.xml><?xml version="1.0" encoding="utf-8"?>
+<file path=ppt/slides/slide65.xml><?xml version="1.0" encoding="utf-8"?>
 <p:sld xmlns:a="http://schemas.openxmlformats.org/drawingml/2006/main" xmlns:r="http://schemas.openxmlformats.org/officeDocument/2006/relationships" xmlns:p="http://schemas.openxmlformats.org/presentationml/2006/main">
   <p:cSld>
     <p:spTree>
@@ -29623,7 +29981,7 @@
 </p:sld>
 </file>
 
-<file path=ppt/slides/slide65.xml><?xml version="1.0" encoding="utf-8"?>
+<file path=ppt/slides/slide66.xml><?xml version="1.0" encoding="utf-8"?>
 <p:sld xmlns:a="http://schemas.openxmlformats.org/drawingml/2006/main" xmlns:r="http://schemas.openxmlformats.org/officeDocument/2006/relationships" xmlns:p="http://schemas.openxmlformats.org/presentationml/2006/main">
   <p:cSld>
     <p:spTree>
@@ -29865,7 +30223,7 @@
 </p:sld>
 </file>
 
-<file path=ppt/slides/slide66.xml><?xml version="1.0" encoding="utf-8"?>
+<file path=ppt/slides/slide67.xml><?xml version="1.0" encoding="utf-8"?>
 <p:sld xmlns:a="http://schemas.openxmlformats.org/drawingml/2006/main" xmlns:r="http://schemas.openxmlformats.org/officeDocument/2006/relationships" xmlns:p="http://schemas.openxmlformats.org/presentationml/2006/main">
   <p:cSld>
     <p:spTree>
@@ -30156,7 +30514,7 @@
 </p:sld>
 </file>
 
-<file path=ppt/slides/slide67.xml><?xml version="1.0" encoding="utf-8"?>
+<file path=ppt/slides/slide68.xml><?xml version="1.0" encoding="utf-8"?>
 <p:sld xmlns:a="http://schemas.openxmlformats.org/drawingml/2006/main" xmlns:r="http://schemas.openxmlformats.org/officeDocument/2006/relationships" xmlns:p="http://schemas.openxmlformats.org/presentationml/2006/main">
   <p:cSld>
     <p:spTree>
@@ -30374,7 +30732,7 @@
 </p:sld>
 </file>
 
-<file path=ppt/slides/slide68.xml><?xml version="1.0" encoding="utf-8"?>
+<file path=ppt/slides/slide69.xml><?xml version="1.0" encoding="utf-8"?>
 <p:sld xmlns:a="http://schemas.openxmlformats.org/drawingml/2006/main" xmlns:r="http://schemas.openxmlformats.org/officeDocument/2006/relationships" xmlns:p="http://schemas.openxmlformats.org/presentationml/2006/main">
   <p:cSld>
     <p:spTree>
@@ -30457,149 +30815,6 @@
 </p:sld>
 </file>
 
-<file path=ppt/slides/slide69.xml><?xml version="1.0" encoding="utf-8"?>
-<p:sld xmlns:a="http://schemas.openxmlformats.org/drawingml/2006/main" xmlns:r="http://schemas.openxmlformats.org/officeDocument/2006/relationships" xmlns:p="http://schemas.openxmlformats.org/presentationml/2006/main">
-  <p:cSld>
-    <p:spTree>
-      <p:nvGrpSpPr>
-        <p:cNvPr id="1" name=""/>
-        <p:cNvGrpSpPr/>
-        <p:nvPr/>
-      </p:nvGrpSpPr>
-      <p:grpSpPr>
-        <a:xfrm>
-          <a:off x="0" y="0"/>
-          <a:ext cx="0" cy="0"/>
-          <a:chOff x="0" y="0"/>
-          <a:chExt cx="0" cy="0"/>
-        </a:xfrm>
-      </p:grpSpPr>
-      <p:sp>
-        <p:nvSpPr>
-          <p:cNvPr id="3" name="Title 2"/>
-          <p:cNvSpPr>
-            <a:spLocks noGrp="1"/>
-          </p:cNvSpPr>
-          <p:nvPr>
-            <p:ph type="title"/>
-          </p:nvPr>
-        </p:nvSpPr>
-        <p:spPr/>
-        <p:txBody>
-          <a:bodyPr/>
-          <a:lstStyle/>
-          <a:p>
-            <a:r>
-              <a:rPr lang="en-US" dirty="0" smtClean="0"/>
-              <a:t>$destroy</a:t>
-            </a:r>
-            <a:endParaRPr lang="de-AT" dirty="0"/>
-          </a:p>
-        </p:txBody>
-      </p:sp>
-      <p:sp>
-        <p:nvSpPr>
-          <p:cNvPr id="4" name="Content Placeholder 3"/>
-          <p:cNvSpPr>
-            <a:spLocks noGrp="1"/>
-          </p:cNvSpPr>
-          <p:nvPr>
-            <p:ph sz="quarter" idx="12"/>
-          </p:nvPr>
-        </p:nvSpPr>
-        <p:spPr/>
-        <p:txBody>
-          <a:bodyPr/>
-          <a:lstStyle/>
-          <a:p>
-            <a:r>
-              <a:rPr lang="en-US" dirty="0" smtClean="0"/>
-              <a:t>'$destroy' </a:t>
-            </a:r>
-            <a:r>
-              <a:rPr lang="en-US" dirty="0" err="1" smtClean="0"/>
-              <a:t>wird</a:t>
-            </a:r>
-            <a:r>
-              <a:rPr lang="en-US" dirty="0" smtClean="0"/>
-              <a:t> </a:t>
-            </a:r>
-            <a:r>
-              <a:rPr lang="en-US" dirty="0" err="1" smtClean="0"/>
-              <a:t>vor</a:t>
-            </a:r>
-            <a:r>
-              <a:rPr lang="en-US" dirty="0" smtClean="0"/>
-              <a:t> der </a:t>
-            </a:r>
-            <a:r>
-              <a:rPr lang="en-US" dirty="0" err="1"/>
-              <a:t>Z</a:t>
-            </a:r>
-            <a:r>
-              <a:rPr lang="en-US" dirty="0" err="1" smtClean="0"/>
-              <a:t>erstörung</a:t>
-            </a:r>
-            <a:r>
-              <a:rPr lang="en-US" dirty="0" smtClean="0"/>
-              <a:t> des Scopes </a:t>
-            </a:r>
-            <a:r>
-              <a:rPr lang="en-US" dirty="0" err="1" smtClean="0"/>
-              <a:t>gesendet</a:t>
-            </a:r>
-            <a:endParaRPr lang="en-US" dirty="0" smtClean="0"/>
-          </a:p>
-          <a:p>
-            <a:endParaRPr lang="en-US" dirty="0" smtClean="0"/>
-          </a:p>
-          <a:p>
-            <a:endParaRPr lang="de-AT" dirty="0"/>
-          </a:p>
-        </p:txBody>
-      </p:sp>
-      <p:sp>
-        <p:nvSpPr>
-          <p:cNvPr id="5" name="Text Placeholder 4"/>
-          <p:cNvSpPr>
-            <a:spLocks noGrp="1"/>
-          </p:cNvSpPr>
-          <p:nvPr>
-            <p:ph type="body" sz="quarter" idx="23"/>
-          </p:nvPr>
-        </p:nvSpPr>
-        <p:spPr/>
-        <p:txBody>
-          <a:bodyPr/>
-          <a:lstStyle/>
-          <a:p>
-            <a:endParaRPr lang="de-AT"/>
-          </a:p>
-        </p:txBody>
-      </p:sp>
-    </p:spTree>
-    <p:extLst>
-      <p:ext uri="{BB962C8B-B14F-4D97-AF65-F5344CB8AC3E}">
-        <p14:creationId xmlns:p14="http://schemas.microsoft.com/office/powerpoint/2010/main" val="2806994163"/>
-      </p:ext>
-    </p:extLst>
-  </p:cSld>
-  <p:clrMapOvr>
-    <a:masterClrMapping/>
-  </p:clrMapOvr>
-  <p:transition spd="slow">
-    <p:push/>
-  </p:transition>
-  <p:timing>
-    <p:tnLst>
-      <p:par>
-        <p:cTn id="1" dur="indefinite" restart="never" nodeType="tmRoot"/>
-      </p:par>
-    </p:tnLst>
-  </p:timing>
-</p:sld>
-</file>
-
 <file path=ppt/slides/slide7.xml><?xml version="1.0" encoding="utf-8"?>
 <p:sld xmlns:a="http://schemas.openxmlformats.org/drawingml/2006/main" xmlns:r="http://schemas.openxmlformats.org/officeDocument/2006/relationships" xmlns:p="http://schemas.openxmlformats.org/presentationml/2006/main">
   <p:cSld>
@@ -30758,7 +30973,7 @@
       </p:grpSpPr>
       <p:sp>
         <p:nvSpPr>
-          <p:cNvPr id="2" name="Title 1"/>
+          <p:cNvPr id="3" name="Title 2"/>
           <p:cNvSpPr>
             <a:spLocks noGrp="1"/>
           </p:cNvSpPr>
@@ -30773,7 +30988,7 @@
           <a:p>
             <a:r>
               <a:rPr lang="en-US" dirty="0" smtClean="0"/>
-              <a:t>ng-switch</a:t>
+              <a:t>$destroy</a:t>
             </a:r>
             <a:endParaRPr lang="de-AT" dirty="0"/>
           </a:p>
@@ -30781,7 +30996,7 @@
       </p:sp>
       <p:sp>
         <p:nvSpPr>
-          <p:cNvPr id="3" name="Content Placeholder 2"/>
+          <p:cNvPr id="4" name="Content Placeholder 3"/>
           <p:cNvSpPr>
             <a:spLocks noGrp="1"/>
           </p:cNvSpPr>
@@ -30794,13 +31009,55 @@
           <a:bodyPr/>
           <a:lstStyle/>
           <a:p>
-            <a:endParaRPr lang="de-AT"/>
-          </a:p>
-        </p:txBody>
-      </p:sp>
-      <p:sp>
-        <p:nvSpPr>
-          <p:cNvPr id="4" name="Text Placeholder 3"/>
+            <a:r>
+              <a:rPr lang="en-US" dirty="0" smtClean="0"/>
+              <a:t>'$destroy' </a:t>
+            </a:r>
+            <a:r>
+              <a:rPr lang="en-US" dirty="0" err="1" smtClean="0"/>
+              <a:t>wird</a:t>
+            </a:r>
+            <a:r>
+              <a:rPr lang="en-US" dirty="0" smtClean="0"/>
+              <a:t> </a:t>
+            </a:r>
+            <a:r>
+              <a:rPr lang="en-US" dirty="0" err="1" smtClean="0"/>
+              <a:t>vor</a:t>
+            </a:r>
+            <a:r>
+              <a:rPr lang="en-US" dirty="0" smtClean="0"/>
+              <a:t> der </a:t>
+            </a:r>
+            <a:r>
+              <a:rPr lang="en-US" dirty="0" err="1"/>
+              <a:t>Z</a:t>
+            </a:r>
+            <a:r>
+              <a:rPr lang="en-US" dirty="0" err="1" smtClean="0"/>
+              <a:t>erstörung</a:t>
+            </a:r>
+            <a:r>
+              <a:rPr lang="en-US" dirty="0" smtClean="0"/>
+              <a:t> des Scopes </a:t>
+            </a:r>
+            <a:r>
+              <a:rPr lang="en-US" dirty="0" err="1" smtClean="0"/>
+              <a:t>gesendet</a:t>
+            </a:r>
+            <a:endParaRPr lang="en-US" dirty="0" smtClean="0"/>
+          </a:p>
+          <a:p>
+            <a:endParaRPr lang="en-US" dirty="0" smtClean="0"/>
+          </a:p>
+          <a:p>
+            <a:endParaRPr lang="de-AT" dirty="0"/>
+          </a:p>
+        </p:txBody>
+      </p:sp>
+      <p:sp>
+        <p:nvSpPr>
+          <p:cNvPr id="5" name="Text Placeholder 4"/>
           <p:cNvSpPr>
             <a:spLocks noGrp="1"/>
           </p:cNvSpPr>
@@ -30820,7 +31077,7 @@
     </p:spTree>
     <p:extLst>
       <p:ext uri="{BB962C8B-B14F-4D97-AF65-F5344CB8AC3E}">
-        <p14:creationId xmlns:p14="http://schemas.microsoft.com/office/powerpoint/2010/main" val="2631790615"/>
+        <p14:creationId xmlns:p14="http://schemas.microsoft.com/office/powerpoint/2010/main" val="2806994163"/>
       </p:ext>
     </p:extLst>
   </p:cSld>
@@ -30874,7 +31131,7 @@
           <a:p>
             <a:r>
               <a:rPr lang="en-US" dirty="0" smtClean="0"/>
-              <a:t>ng-include</a:t>
+              <a:t>ng-switch</a:t>
             </a:r>
             <a:endParaRPr lang="de-AT" dirty="0"/>
           </a:p>
@@ -30921,7 +31178,7 @@
     </p:spTree>
     <p:extLst>
       <p:ext uri="{BB962C8B-B14F-4D97-AF65-F5344CB8AC3E}">
-        <p14:creationId xmlns:p14="http://schemas.microsoft.com/office/powerpoint/2010/main" val="1265683198"/>
+        <p14:creationId xmlns:p14="http://schemas.microsoft.com/office/powerpoint/2010/main" val="2631790615"/>
       </p:ext>
     </p:extLst>
   </p:cSld>
@@ -30960,7 +31217,7 @@
       </p:grpSpPr>
       <p:sp>
         <p:nvSpPr>
-          <p:cNvPr id="3" name="Title 2"/>
+          <p:cNvPr id="2" name="Title 1"/>
           <p:cNvSpPr>
             <a:spLocks noGrp="1"/>
           </p:cNvSpPr>
@@ -30975,7 +31232,7 @@
           <a:p>
             <a:r>
               <a:rPr lang="en-US" dirty="0" smtClean="0"/>
-              <a:t>Filter</a:t>
+              <a:t>ng-include</a:t>
             </a:r>
             <a:endParaRPr lang="de-AT" dirty="0"/>
           </a:p>
@@ -30983,7 +31240,7 @@
       </p:sp>
       <p:sp>
         <p:nvSpPr>
-          <p:cNvPr id="4" name="Content Placeholder 3"/>
+          <p:cNvPr id="3" name="Content Placeholder 2"/>
           <p:cNvSpPr>
             <a:spLocks noGrp="1"/>
           </p:cNvSpPr>
@@ -30996,125 +31253,13 @@
           <a:bodyPr/>
           <a:lstStyle/>
           <a:p>
-            <a:r>
-              <a:rPr lang="en-US" dirty="0" smtClean="0"/>
-              <a:t>In {{ }} </a:t>
-            </a:r>
-            <a:r>
-              <a:rPr lang="en-US" dirty="0" err="1" smtClean="0"/>
-              <a:t>Ausdrücken</a:t>
-            </a:r>
-            <a:r>
-              <a:rPr lang="en-US" dirty="0" smtClean="0"/>
-              <a:t> </a:t>
-            </a:r>
-            <a:r>
-              <a:rPr lang="en-US" dirty="0" err="1" smtClean="0"/>
-              <a:t>können</a:t>
-            </a:r>
-            <a:r>
-              <a:rPr lang="en-US" dirty="0" smtClean="0"/>
-              <a:t> Filter </a:t>
-            </a:r>
-            <a:r>
-              <a:rPr lang="en-US" dirty="0" err="1" smtClean="0"/>
-              <a:t>werte</a:t>
-            </a:r>
-            <a:r>
-              <a:rPr lang="en-US" dirty="0" smtClean="0"/>
-              <a:t> “</a:t>
-            </a:r>
-            <a:r>
-              <a:rPr lang="en-US" dirty="0" err="1" smtClean="0"/>
-              <a:t>manipulieren</a:t>
-            </a:r>
-            <a:r>
-              <a:rPr lang="en-US" dirty="0" smtClean="0"/>
-              <a:t>”</a:t>
-            </a:r>
-          </a:p>
-          <a:p>
-            <a:r>
-              <a:rPr lang="en-US" dirty="0" err="1" smtClean="0"/>
-              <a:t>Z.b</a:t>
-            </a:r>
-            <a:r>
-              <a:rPr lang="en-US" dirty="0" smtClean="0"/>
-              <a:t>. number </a:t>
-            </a:r>
-            <a:r>
-              <a:rPr lang="en-US" dirty="0" err="1" smtClean="0"/>
-              <a:t>zum</a:t>
-            </a:r>
-            <a:r>
-              <a:rPr lang="en-US" dirty="0" smtClean="0"/>
-              <a:t> </a:t>
-            </a:r>
-            <a:r>
-              <a:rPr lang="en-US" dirty="0" err="1" smtClean="0"/>
-              <a:t>formatieren</a:t>
-            </a:r>
-            <a:r>
-              <a:rPr lang="en-US" dirty="0" smtClean="0"/>
-              <a:t> von </a:t>
-            </a:r>
-            <a:r>
-              <a:rPr lang="en-US" dirty="0" err="1" smtClean="0"/>
-              <a:t>Zahlen</a:t>
-            </a:r>
-            <a:endParaRPr lang="en-US" dirty="0" smtClean="0"/>
-          </a:p>
-          <a:p>
-            <a:r>
-              <a:rPr lang="en-US" dirty="0" err="1" smtClean="0"/>
-              <a:t>Eigene</a:t>
-            </a:r>
-            <a:r>
-              <a:rPr lang="en-US" dirty="0" smtClean="0"/>
-              <a:t> filter </a:t>
-            </a:r>
-            <a:r>
-              <a:rPr lang="en-US" dirty="0" err="1" smtClean="0"/>
-              <a:t>können</a:t>
-            </a:r>
-            <a:r>
-              <a:rPr lang="en-US" dirty="0" smtClean="0"/>
-              <a:t> </a:t>
-            </a:r>
-            <a:r>
-              <a:rPr lang="en-US" dirty="0" err="1" smtClean="0"/>
-              <a:t>über</a:t>
-            </a:r>
-            <a:r>
-              <a:rPr lang="en-US" dirty="0" smtClean="0"/>
-              <a:t> </a:t>
-            </a:r>
-            <a:r>
-              <a:rPr lang="en-US" dirty="0" smtClean="0">
-                <a:latin typeface="Courier New" panose="02070309020205020404" pitchFamily="49" charset="0"/>
-                <a:cs typeface="Courier New" panose="02070309020205020404" pitchFamily="49" charset="0"/>
-              </a:rPr>
-              <a:t>.filter </a:t>
-            </a:r>
-            <a:r>
-              <a:rPr lang="en-US" dirty="0" err="1" smtClean="0"/>
-              <a:t>definiert</a:t>
-            </a:r>
-            <a:r>
-              <a:rPr lang="en-US" dirty="0" smtClean="0"/>
-              <a:t> </a:t>
-            </a:r>
-            <a:r>
-              <a:rPr lang="en-US" dirty="0" err="1" smtClean="0"/>
-              <a:t>werden</a:t>
-            </a:r>
-            <a:endParaRPr lang="de-AT" dirty="0"/>
-          </a:p>
-        </p:txBody>
-      </p:sp>
-      <p:sp>
-        <p:nvSpPr>
-          <p:cNvPr id="5" name="Text Placeholder 4"/>
+            <a:endParaRPr lang="de-AT"/>
+          </a:p>
+        </p:txBody>
+      </p:sp>
+      <p:sp>
+        <p:nvSpPr>
+          <p:cNvPr id="4" name="Text Placeholder 3"/>
           <p:cNvSpPr>
             <a:spLocks noGrp="1"/>
           </p:cNvSpPr>
@@ -31134,7 +31279,7 @@
     </p:spTree>
     <p:extLst>
       <p:ext uri="{BB962C8B-B14F-4D97-AF65-F5344CB8AC3E}">
-        <p14:creationId xmlns:p14="http://schemas.microsoft.com/office/powerpoint/2010/main" val="2738516323"/>
+        <p14:creationId xmlns:p14="http://schemas.microsoft.com/office/powerpoint/2010/main" val="1265683198"/>
       </p:ext>
     </p:extLst>
   </p:cSld>
@@ -31173,7 +31318,7 @@
       </p:grpSpPr>
       <p:sp>
         <p:nvSpPr>
-          <p:cNvPr id="2" name="Title 1"/>
+          <p:cNvPr id="3" name="Title 2"/>
           <p:cNvSpPr>
             <a:spLocks noGrp="1"/>
           </p:cNvSpPr>
@@ -31188,7 +31333,7 @@
           <a:p>
             <a:r>
               <a:rPr lang="en-US" dirty="0" smtClean="0"/>
-              <a:t>Unit Testing</a:t>
+              <a:t>Filter</a:t>
             </a:r>
             <a:endParaRPr lang="de-AT" dirty="0"/>
           </a:p>
@@ -31196,7 +31341,7 @@
       </p:sp>
       <p:sp>
         <p:nvSpPr>
-          <p:cNvPr id="3" name="Content Placeholder 2"/>
+          <p:cNvPr id="4" name="Content Placeholder 3"/>
           <p:cNvSpPr>
             <a:spLocks noGrp="1"/>
           </p:cNvSpPr>
@@ -31210,58 +31355,12 @@
           <a:lstStyle/>
           <a:p>
             <a:r>
-              <a:rPr lang="en-US" dirty="0"/>
-              <a:t>Testing?</a:t>
-            </a:r>
-          </a:p>
-          <a:p>
-            <a:pPr lvl="1"/>
-            <a:r>
-              <a:rPr lang="en-US" sz="2400" dirty="0" err="1"/>
-              <a:t>Manuell</a:t>
-            </a:r>
-            <a:endParaRPr lang="en-US" sz="2400" dirty="0"/>
-          </a:p>
-          <a:p>
-            <a:pPr lvl="1"/>
-            <a:r>
-              <a:rPr lang="en-US" sz="2400" dirty="0"/>
-              <a:t>Unit</a:t>
-            </a:r>
-          </a:p>
-          <a:p>
-            <a:pPr lvl="1"/>
-            <a:r>
-              <a:rPr lang="en-US" sz="2400" dirty="0"/>
-              <a:t>End-to-End</a:t>
-            </a:r>
-          </a:p>
-          <a:p>
-            <a:pPr lvl="1"/>
-            <a:r>
-              <a:rPr lang="en-US" sz="2400" dirty="0"/>
-              <a:t>In-Production </a:t>
-            </a:r>
-            <a:r>
-              <a:rPr lang="en-US" sz="2400" dirty="0" smtClean="0"/>
-              <a:t>Testing</a:t>
-            </a:r>
-          </a:p>
-          <a:p>
+              <a:rPr lang="en-US" dirty="0" smtClean="0"/>
+              <a:t>In {{ }} </a:t>
+            </a:r>
             <a:r>
               <a:rPr lang="en-US" dirty="0" err="1" smtClean="0"/>
-              <a:t>Automatisierte</a:t>
-            </a:r>
-            <a:r>
-              <a:rPr lang="en-US" dirty="0" smtClean="0"/>
-              <a:t> Tests</a:t>
-            </a:r>
-          </a:p>
-          <a:p>
-            <a:pPr lvl="1"/>
-            <a:r>
-              <a:rPr lang="en-US" dirty="0" err="1" smtClean="0"/>
-              <a:t>ohne</a:t>
+              <a:t>Ausdrücken</a:t>
             </a:r>
             <a:r>
               <a:rPr lang="en-US" dirty="0" smtClean="0"/>
@@ -31269,7 +31368,41 @@
             </a:r>
             <a:r>
               <a:rPr lang="en-US" dirty="0" err="1" smtClean="0"/>
-              <a:t>Aufwand</a:t>
+              <a:t>können</a:t>
+            </a:r>
+            <a:r>
+              <a:rPr lang="en-US" dirty="0" smtClean="0"/>
+              <a:t> Filter </a:t>
+            </a:r>
+            <a:r>
+              <a:rPr lang="en-US" dirty="0" err="1" smtClean="0"/>
+              <a:t>werte</a:t>
+            </a:r>
+            <a:r>
+              <a:rPr lang="en-US" dirty="0" smtClean="0"/>
+              <a:t> “</a:t>
+            </a:r>
+            <a:r>
+              <a:rPr lang="en-US" dirty="0" err="1" smtClean="0"/>
+              <a:t>manipulieren</a:t>
+            </a:r>
+            <a:r>
+              <a:rPr lang="en-US" dirty="0" smtClean="0"/>
+              <a:t>”</a:t>
+            </a:r>
+          </a:p>
+          <a:p>
+            <a:r>
+              <a:rPr lang="en-US" dirty="0" err="1" smtClean="0"/>
+              <a:t>Z.b</a:t>
+            </a:r>
+            <a:r>
+              <a:rPr lang="en-US" dirty="0" smtClean="0"/>
+              <a:t>. number </a:t>
+            </a:r>
+            <a:r>
+              <a:rPr lang="en-US" dirty="0" err="1" smtClean="0"/>
+              <a:t>zum</a:t>
             </a:r>
             <a:r>
               <a:rPr lang="en-US" dirty="0" smtClean="0"/>
@@ -31277,15 +31410,30 @@
             </a:r>
             <a:r>
               <a:rPr lang="en-US" dirty="0" err="1" smtClean="0"/>
-              <a:t>wiederholbar</a:t>
+              <a:t>formatieren</a:t>
+            </a:r>
+            <a:r>
+              <a:rPr lang="en-US" dirty="0" smtClean="0"/>
+              <a:t> von </a:t>
+            </a:r>
+            <a:r>
+              <a:rPr lang="en-US" dirty="0" err="1" smtClean="0"/>
+              <a:t>Zahlen</a:t>
             </a:r>
             <a:endParaRPr lang="en-US" dirty="0" smtClean="0"/>
           </a:p>
           <a:p>
-            <a:pPr lvl="1"/>
             <a:r>
               <a:rPr lang="en-US" dirty="0" err="1" smtClean="0"/>
-              <a:t>Haben</a:t>
+              <a:t>Eigene</a:t>
+            </a:r>
+            <a:r>
+              <a:rPr lang="en-US" dirty="0" smtClean="0"/>
+              <a:t> filter </a:t>
+            </a:r>
+            <a:r>
+              <a:rPr lang="en-US" dirty="0" err="1" smtClean="0"/>
+              <a:t>können</a:t>
             </a:r>
             <a:r>
               <a:rPr lang="en-US" dirty="0" smtClean="0"/>
@@ -31293,122 +31441,38 @@
             </a:r>
             <a:r>
               <a:rPr lang="en-US" dirty="0" err="1" smtClean="0"/>
-              <a:t>Wartungsaufwand</a:t>
+              <a:t>über</a:t>
             </a:r>
             <a:r>
               <a:rPr lang="en-US" dirty="0" smtClean="0"/>
-              <a:t>!</a:t>
-            </a:r>
-          </a:p>
-        </p:txBody>
-      </p:sp>
-      <p:sp>
-        <p:nvSpPr>
-          <p:cNvPr id="5" name="Content Placeholder 4"/>
-          <p:cNvSpPr>
-            <a:spLocks noGrp="1"/>
-          </p:cNvSpPr>
-          <p:nvPr>
-            <p:ph sz="quarter" idx="13"/>
-          </p:nvPr>
-        </p:nvSpPr>
-        <p:spPr/>
-        <p:txBody>
-          <a:bodyPr/>
-          <a:lstStyle/>
-          <a:p>
-            <a:r>
-              <a:rPr lang="en-US" dirty="0"/>
-              <a:t>Unit</a:t>
-            </a:r>
-          </a:p>
-          <a:p>
-            <a:pPr lvl="1"/>
-            <a:r>
-              <a:rPr lang="en-US" sz="2400" dirty="0" err="1"/>
-              <a:t>Testen</a:t>
-            </a:r>
-            <a:r>
-              <a:rPr lang="en-US" sz="2400" dirty="0"/>
-              <a:t> von Code-Units</a:t>
-            </a:r>
-          </a:p>
-          <a:p>
-            <a:pPr lvl="1"/>
-            <a:r>
-              <a:rPr lang="en-US" sz="2400" dirty="0" err="1"/>
-              <a:t>Modularisierung</a:t>
-            </a:r>
-            <a:r>
-              <a:rPr lang="en-US" sz="2400" dirty="0"/>
               <a:t> </a:t>
             </a:r>
-            <a:endParaRPr lang="en-US" dirty="0" smtClean="0"/>
-          </a:p>
-          <a:p>
+            <a:r>
+              <a:rPr lang="en-US" dirty="0" smtClean="0">
+                <a:latin typeface="Courier New" panose="02070309020205020404" pitchFamily="49" charset="0"/>
+                <a:cs typeface="Courier New" panose="02070309020205020404" pitchFamily="49" charset="0"/>
+              </a:rPr>
+              <a:t>.filter </a:t>
+            </a:r>
+            <a:r>
+              <a:rPr lang="en-US" dirty="0" err="1" smtClean="0"/>
+              <a:t>definiert</a:t>
+            </a:r>
             <a:r>
               <a:rPr lang="en-US" dirty="0" smtClean="0"/>
-              <a:t>E2E</a:t>
-            </a:r>
-            <a:endParaRPr lang="en-US" dirty="0"/>
-          </a:p>
-          <a:p>
-            <a:pPr lvl="1"/>
-            <a:r>
-              <a:rPr lang="en-US" sz="2400" dirty="0"/>
-              <a:t>End-to-End Tests</a:t>
-            </a:r>
-          </a:p>
-          <a:p>
-            <a:pPr lvl="1"/>
-            <a:r>
-              <a:rPr lang="en-US" sz="2400" dirty="0" err="1"/>
-              <a:t>Größere</a:t>
-            </a:r>
-            <a:r>
-              <a:rPr lang="en-US" sz="2400" dirty="0"/>
-              <a:t> Flows, </a:t>
-            </a:r>
-            <a:r>
-              <a:rPr lang="en-US" sz="2400" smtClean="0"/>
-              <a:t>meistens</a:t>
-            </a:r>
-            <a:r>
-              <a:rPr lang="en-US" sz="2400" dirty="0" smtClean="0"/>
               <a:t> </a:t>
             </a:r>
             <a:r>
-              <a:rPr lang="en-US" sz="2400" dirty="0" err="1"/>
-              <a:t>mit</a:t>
-            </a:r>
-            <a:r>
-              <a:rPr lang="en-US" sz="2400" dirty="0"/>
-              <a:t> UI</a:t>
-            </a:r>
-          </a:p>
-          <a:p>
-            <a:pPr lvl="1"/>
-            <a:r>
-              <a:rPr lang="en-US" sz="2400" dirty="0"/>
-              <a:t>“</a:t>
-            </a:r>
-            <a:r>
-              <a:rPr lang="en-US" sz="2400" dirty="0" err="1"/>
-              <a:t>Komplett</a:t>
-            </a:r>
-            <a:r>
-              <a:rPr lang="en-US" sz="2400" dirty="0"/>
-              <a:t>” Test</a:t>
-            </a:r>
-          </a:p>
-          <a:p>
-            <a:endParaRPr lang="de-AT" sz="4000" dirty="0"/>
-          </a:p>
-        </p:txBody>
-      </p:sp>
-      <p:sp>
-        <p:nvSpPr>
-          <p:cNvPr id="6" name="Text Placeholder 5"/>
+              <a:rPr lang="en-US" dirty="0" err="1" smtClean="0"/>
+              <a:t>werden</a:t>
+            </a:r>
+            <a:endParaRPr lang="de-AT" dirty="0"/>
+          </a:p>
+        </p:txBody>
+      </p:sp>
+      <p:sp>
+        <p:nvSpPr>
+          <p:cNvPr id="5" name="Text Placeholder 4"/>
           <p:cNvSpPr>
             <a:spLocks noGrp="1"/>
           </p:cNvSpPr>
@@ -31421,25 +31485,6 @@
           <a:bodyPr/>
           <a:lstStyle/>
           <a:p>
-            <a:endParaRPr lang="de-AT" dirty="0"/>
-          </a:p>
-        </p:txBody>
-      </p:sp>
-      <p:sp>
-        <p:nvSpPr>
-          <p:cNvPr id="7" name="Text Placeholder 6"/>
-          <p:cNvSpPr>
-            <a:spLocks noGrp="1"/>
-          </p:cNvSpPr>
-          <p:nvPr>
-            <p:ph type="body" sz="quarter" idx="24"/>
-          </p:nvPr>
-        </p:nvSpPr>
-        <p:spPr/>
-        <p:txBody>
-          <a:bodyPr/>
-          <a:lstStyle/>
-          <a:p>
             <a:endParaRPr lang="de-AT"/>
           </a:p>
         </p:txBody>
@@ -31447,7 +31492,7 @@
     </p:spTree>
     <p:extLst>
       <p:ext uri="{BB962C8B-B14F-4D97-AF65-F5344CB8AC3E}">
-        <p14:creationId xmlns:p14="http://schemas.microsoft.com/office/powerpoint/2010/main" val="3395061568"/>
+        <p14:creationId xmlns:p14="http://schemas.microsoft.com/office/powerpoint/2010/main" val="2738516323"/>
       </p:ext>
     </p:extLst>
   </p:cSld>
@@ -31501,7 +31546,7 @@
           <a:p>
             <a:r>
               <a:rPr lang="en-US" dirty="0" smtClean="0"/>
-              <a:t>Jasmine</a:t>
+              <a:t>Unit Testing</a:t>
             </a:r>
             <a:endParaRPr lang="de-AT" dirty="0"/>
           </a:p>
@@ -31509,7 +31554,7 @@
       </p:sp>
       <p:sp>
         <p:nvSpPr>
-          <p:cNvPr id="7" name="Content Placeholder 6"/>
+          <p:cNvPr id="3" name="Content Placeholder 2"/>
           <p:cNvSpPr>
             <a:spLocks noGrp="1"/>
           </p:cNvSpPr>
@@ -31523,52 +31568,58 @@
           <a:lstStyle/>
           <a:p>
             <a:r>
+              <a:rPr lang="en-US" dirty="0"/>
+              <a:t>Testing?</a:t>
+            </a:r>
+          </a:p>
+          <a:p>
+            <a:pPr lvl="1"/>
+            <a:r>
+              <a:rPr lang="en-US" sz="2400" dirty="0" err="1"/>
+              <a:t>Manuell</a:t>
+            </a:r>
+            <a:endParaRPr lang="en-US" sz="2400" dirty="0"/>
+          </a:p>
+          <a:p>
+            <a:pPr lvl="1"/>
+            <a:r>
+              <a:rPr lang="en-US" sz="2400" dirty="0"/>
+              <a:t>Unit</a:t>
+            </a:r>
+          </a:p>
+          <a:p>
+            <a:pPr lvl="1"/>
+            <a:r>
+              <a:rPr lang="en-US" sz="2400" dirty="0"/>
+              <a:t>End-to-End</a:t>
+            </a:r>
+          </a:p>
+          <a:p>
+            <a:pPr lvl="1"/>
+            <a:r>
+              <a:rPr lang="en-US" sz="2400" dirty="0"/>
+              <a:t>In-Production </a:t>
+            </a:r>
+            <a:r>
+              <a:rPr lang="en-US" sz="2400" dirty="0" smtClean="0"/>
+              <a:t>Testing</a:t>
+            </a:r>
+          </a:p>
+          <a:p>
+            <a:r>
+              <a:rPr lang="en-US" dirty="0" err="1" smtClean="0"/>
+              <a:t>Automatisierte</a:t>
+            </a:r>
+            <a:r>
               <a:rPr lang="en-US" dirty="0" smtClean="0"/>
-              <a:t>Behavior-Driven JavaScript</a:t>
-            </a:r>
-          </a:p>
-          <a:p>
-            <a:r>
-              <a:rPr lang="en-US" dirty="0"/>
-              <a:t>Unit Test Framework </a:t>
-            </a:r>
-            <a:r>
-              <a:rPr lang="en-US" dirty="0" err="1"/>
-              <a:t>für</a:t>
-            </a:r>
-            <a:r>
-              <a:rPr lang="en-US" dirty="0"/>
-              <a:t> JavaScript</a:t>
+              <a:t> Tests</a:t>
             </a:r>
           </a:p>
           <a:p>
             <a:pPr lvl="1"/>
             <a:r>
               <a:rPr lang="en-US" dirty="0" err="1" smtClean="0"/>
-              <a:t>Globales</a:t>
-            </a:r>
-            <a:r>
-              <a:rPr lang="en-US" dirty="0"/>
-              <a:t> </a:t>
-            </a:r>
-            <a:r>
-              <a:rPr lang="en-US" dirty="0" smtClean="0"/>
-              <a:t>jasmine tool: </a:t>
-            </a:r>
-            <a:r>
-              <a:rPr lang="en-US" dirty="0" err="1" smtClean="0"/>
-              <a:t>npm</a:t>
-            </a:r>
-            <a:r>
-              <a:rPr lang="en-US" dirty="0" smtClean="0"/>
-              <a:t> install -g jasmine</a:t>
-            </a:r>
-          </a:p>
-          <a:p>
-            <a:pPr lvl="1"/>
-            <a:r>
-              <a:rPr lang="en-US" dirty="0" err="1" smtClean="0"/>
-              <a:t>Projekt</a:t>
+              <a:t>ohne</a:t>
             </a:r>
             <a:r>
               <a:rPr lang="en-US" dirty="0" smtClean="0"/>
@@ -31576,30 +31627,7 @@
             </a:r>
             <a:r>
               <a:rPr lang="en-US" dirty="0" err="1" smtClean="0"/>
-              <a:t>spezifisch</a:t>
-            </a:r>
-            <a:r>
-              <a:rPr lang="en-US" dirty="0" smtClean="0"/>
-              <a:t>: jasmine </a:t>
-            </a:r>
-            <a:r>
-              <a:rPr lang="en-US" dirty="0" err="1" smtClean="0"/>
-              <a:t>init</a:t>
-            </a:r>
-            <a:endParaRPr lang="en-US" dirty="0" smtClean="0"/>
-          </a:p>
-          <a:p>
-            <a:pPr lvl="1"/>
-            <a:endParaRPr lang="en-US" dirty="0" smtClean="0"/>
-          </a:p>
-          <a:p>
-            <a:r>
-              <a:rPr lang="en-US" dirty="0" smtClean="0"/>
-              <a:t>Tests in /spec/ </a:t>
-            </a:r>
-            <a:r>
-              <a:rPr lang="en-US" dirty="0" err="1" smtClean="0"/>
-              <a:t>Ordner</a:t>
+              <a:t>Aufwand</a:t>
             </a:r>
             <a:r>
               <a:rPr lang="en-US" dirty="0" smtClean="0"/>
@@ -31607,57 +31635,138 @@
             </a:r>
             <a:r>
               <a:rPr lang="en-US" dirty="0" err="1" smtClean="0"/>
+              <a:t>wiederholbar</a:t>
+            </a:r>
+            <a:endParaRPr lang="en-US" dirty="0" smtClean="0"/>
+          </a:p>
+          <a:p>
+            <a:pPr lvl="1"/>
+            <a:r>
+              <a:rPr lang="en-US" dirty="0" err="1" smtClean="0"/>
+              <a:t>Haben</a:t>
+            </a:r>
+            <a:r>
+              <a:rPr lang="en-US" dirty="0" smtClean="0"/>
+              <a:t> </a:t>
+            </a:r>
+            <a:r>
+              <a:rPr lang="en-US" dirty="0" err="1" smtClean="0"/>
+              <a:t>Wartungsaufwand</a:t>
+            </a:r>
+            <a:r>
+              <a:rPr lang="en-US" dirty="0" smtClean="0"/>
+              <a:t>!</a:t>
+            </a:r>
+          </a:p>
+        </p:txBody>
+      </p:sp>
+      <p:sp>
+        <p:nvSpPr>
+          <p:cNvPr id="5" name="Content Placeholder 4"/>
+          <p:cNvSpPr>
+            <a:spLocks noGrp="1"/>
+          </p:cNvSpPr>
+          <p:nvPr>
+            <p:ph sz="quarter" idx="13"/>
+          </p:nvPr>
+        </p:nvSpPr>
+        <p:spPr/>
+        <p:txBody>
+          <a:bodyPr/>
+          <a:lstStyle/>
+          <a:p>
+            <a:r>
+              <a:rPr lang="en-US" dirty="0"/>
+              <a:t>Unit</a:t>
+            </a:r>
+          </a:p>
+          <a:p>
+            <a:pPr lvl="1"/>
+            <a:r>
+              <a:rPr lang="en-US" sz="2400" dirty="0" err="1"/>
+              <a:t>Testen</a:t>
+            </a:r>
+            <a:r>
+              <a:rPr lang="en-US" sz="2400" dirty="0"/>
+              <a:t> von Code-Units</a:t>
+            </a:r>
+          </a:p>
+          <a:p>
+            <a:pPr lvl="1"/>
+            <a:r>
+              <a:rPr lang="en-US" sz="2400" dirty="0" err="1"/>
+              <a:t>Modularisierung</a:t>
+            </a:r>
+            <a:r>
+              <a:rPr lang="en-US" sz="2400" dirty="0"/>
+              <a:t> </a:t>
+            </a:r>
+            <a:endParaRPr lang="en-US" dirty="0" smtClean="0"/>
+          </a:p>
+          <a:p>
+            <a:r>
+              <a:rPr lang="en-US" dirty="0" smtClean="0"/>
+              <a:t>E2E</a:t>
+            </a:r>
+            <a:endParaRPr lang="en-US" dirty="0"/>
+          </a:p>
+          <a:p>
+            <a:pPr lvl="1"/>
+            <a:r>
+              <a:rPr lang="en-US" sz="2400" dirty="0"/>
+              <a:t>End-to-End Tests</a:t>
+            </a:r>
+          </a:p>
+          <a:p>
+            <a:pPr lvl="1"/>
+            <a:r>
+              <a:rPr lang="en-US" sz="2400" dirty="0" err="1"/>
+              <a:t>Größere</a:t>
+            </a:r>
+            <a:r>
+              <a:rPr lang="en-US" sz="2400" dirty="0"/>
+              <a:t> Flows, </a:t>
+            </a:r>
+            <a:r>
+              <a:rPr lang="en-US" sz="2400" smtClean="0"/>
+              <a:t>meistens</a:t>
+            </a:r>
+            <a:r>
+              <a:rPr lang="en-US" sz="2400" dirty="0" smtClean="0"/>
+              <a:t> </a:t>
+            </a:r>
+            <a:r>
+              <a:rPr lang="en-US" sz="2400" dirty="0" err="1"/>
               <a:t>mit</a:t>
             </a:r>
             <a:r>
-              <a:rPr lang="en-US" dirty="0" smtClean="0"/>
-              <a:t> [</a:t>
-            </a:r>
-            <a:r>
-              <a:rPr lang="en-US" dirty="0" err="1" smtClean="0"/>
-              <a:t>s|S</a:t>
-            </a:r>
-            <a:r>
-              <a:rPr lang="en-US" dirty="0" smtClean="0"/>
-              <a:t>]pec.js </a:t>
-            </a:r>
-            <a:r>
-              <a:rPr lang="en-US" dirty="0" err="1" smtClean="0"/>
-              <a:t>Endung</a:t>
-            </a:r>
-            <a:endParaRPr lang="en-US" dirty="0" smtClean="0"/>
+              <a:rPr lang="en-US" sz="2400" dirty="0"/>
+              <a:t> UI</a:t>
+            </a:r>
           </a:p>
           <a:p>
             <a:pPr lvl="1"/>
             <a:r>
-              <a:rPr lang="en-US" dirty="0" err="1" smtClean="0"/>
-              <a:t>Anpassbar</a:t>
-            </a:r>
-            <a:endParaRPr lang="en-US" dirty="0" smtClean="0"/>
-          </a:p>
-          <a:p>
-            <a:r>
-              <a:rPr lang="en-US" dirty="0" err="1" smtClean="0"/>
-              <a:t>Ziel</a:t>
-            </a:r>
-            <a:r>
-              <a:rPr lang="en-US" dirty="0" smtClean="0"/>
-              <a:t>: </a:t>
-            </a:r>
-            <a:r>
-              <a:rPr lang="en-US" dirty="0" err="1" smtClean="0"/>
-              <a:t>Beschreiben</a:t>
-            </a:r>
-            <a:r>
-              <a:rPr lang="en-US" dirty="0" smtClean="0"/>
-              <a:t> des Codes</a:t>
-            </a:r>
-          </a:p>
-        </p:txBody>
-      </p:sp>
-      <p:sp>
-        <p:nvSpPr>
-          <p:cNvPr id="8" name="Text Placeholder 7"/>
+              <a:rPr lang="en-US" sz="2400" dirty="0"/>
+              <a:t>“</a:t>
+            </a:r>
+            <a:r>
+              <a:rPr lang="en-US" sz="2400" dirty="0" err="1"/>
+              <a:t>Komplett</a:t>
+            </a:r>
+            <a:r>
+              <a:rPr lang="en-US" sz="2400" dirty="0"/>
+              <a:t>” Test</a:t>
+            </a:r>
+          </a:p>
+          <a:p>
+            <a:endParaRPr lang="de-AT" sz="4000" dirty="0"/>
+          </a:p>
+        </p:txBody>
+      </p:sp>
+      <p:sp>
+        <p:nvSpPr>
+          <p:cNvPr id="6" name="Text Placeholder 5"/>
           <p:cNvSpPr>
             <a:spLocks noGrp="1"/>
           </p:cNvSpPr>
@@ -31670,6 +31779,25 @@
           <a:bodyPr/>
           <a:lstStyle/>
           <a:p>
+            <a:endParaRPr lang="de-AT" dirty="0"/>
+          </a:p>
+        </p:txBody>
+      </p:sp>
+      <p:sp>
+        <p:nvSpPr>
+          <p:cNvPr id="7" name="Text Placeholder 6"/>
+          <p:cNvSpPr>
+            <a:spLocks noGrp="1"/>
+          </p:cNvSpPr>
+          <p:nvPr>
+            <p:ph type="body" sz="quarter" idx="24"/>
+          </p:nvPr>
+        </p:nvSpPr>
+        <p:spPr/>
+        <p:txBody>
+          <a:bodyPr/>
+          <a:lstStyle/>
+          <a:p>
             <a:endParaRPr lang="de-AT"/>
           </a:p>
         </p:txBody>
@@ -31677,7 +31805,7 @@
     </p:spTree>
     <p:extLst>
       <p:ext uri="{BB962C8B-B14F-4D97-AF65-F5344CB8AC3E}">
-        <p14:creationId xmlns:p14="http://schemas.microsoft.com/office/powerpoint/2010/main" val="2447093693"/>
+        <p14:creationId xmlns:p14="http://schemas.microsoft.com/office/powerpoint/2010/main" val="3395061568"/>
       </p:ext>
     </p:extLst>
   </p:cSld>
@@ -31731,7 +31859,7 @@
           <a:p>
             <a:r>
               <a:rPr lang="en-US" dirty="0" smtClean="0"/>
-              <a:t>Karma</a:t>
+              <a:t>Jasmine</a:t>
             </a:r>
             <a:endParaRPr lang="de-AT" dirty="0"/>
           </a:p>
@@ -31739,7 +31867,7 @@
       </p:sp>
       <p:sp>
         <p:nvSpPr>
-          <p:cNvPr id="3" name="Content Placeholder 2"/>
+          <p:cNvPr id="7" name="Content Placeholder 6"/>
           <p:cNvSpPr>
             <a:spLocks noGrp="1"/>
           </p:cNvSpPr>
@@ -31753,41 +31881,52 @@
           <a:lstStyle/>
           <a:p>
             <a:r>
+              <a:rPr lang="en-US" dirty="0" smtClean="0"/>
+              <a:t>Behavior-Driven JavaScript</a:t>
+            </a:r>
+          </a:p>
+          <a:p>
+            <a:r>
+              <a:rPr lang="en-US" dirty="0"/>
+              <a:t>Unit Test Framework </a:t>
+            </a:r>
+            <a:r>
+              <a:rPr lang="en-US" dirty="0" err="1"/>
+              <a:t>für</a:t>
+            </a:r>
+            <a:r>
+              <a:rPr lang="en-US" dirty="0"/>
+              <a:t> JavaScript</a:t>
+            </a:r>
+          </a:p>
+          <a:p>
+            <a:pPr lvl="1"/>
+            <a:r>
               <a:rPr lang="en-US" dirty="0" err="1" smtClean="0"/>
-              <a:t>Ausführungs</a:t>
+              <a:t>Globales</a:t>
+            </a:r>
+            <a:r>
+              <a:rPr lang="en-US" dirty="0"/>
+              <a:t> </a:t>
             </a:r>
             <a:r>
               <a:rPr lang="en-US" dirty="0" smtClean="0"/>
-              <a:t> Tool</a:t>
-            </a:r>
-          </a:p>
-          <a:p>
+              <a:t>jasmine tool: </a:t>
+            </a:r>
             <a:r>
               <a:rPr lang="en-US" dirty="0" err="1" smtClean="0"/>
-              <a:t>Führt</a:t>
+              <a:t>npm</a:t>
             </a:r>
             <a:r>
               <a:rPr lang="en-US" dirty="0" smtClean="0"/>
-              <a:t> Tests in </a:t>
-            </a:r>
+              <a:t> install -g jasmine</a:t>
+            </a:r>
+          </a:p>
+          <a:p>
+            <a:pPr lvl="1"/>
             <a:r>
               <a:rPr lang="en-US" dirty="0" err="1" smtClean="0"/>
-              <a:t>verschiedenen</a:t>
-            </a:r>
-            <a:r>
-              <a:rPr lang="en-US" dirty="0" smtClean="0"/>
-              <a:t> Browser </a:t>
-            </a:r>
-            <a:r>
-              <a:rPr lang="en-US" dirty="0" err="1" smtClean="0"/>
-              <a:t>aus</a:t>
-            </a:r>
-            <a:endParaRPr lang="en-US" dirty="0" smtClean="0"/>
-          </a:p>
-          <a:p>
-            <a:r>
-              <a:rPr lang="en-US" dirty="0" err="1" smtClean="0"/>
-              <a:t>Einrichten</a:t>
+              <a:t>Projekt</a:t>
             </a:r>
             <a:r>
               <a:rPr lang="en-US" dirty="0" smtClean="0"/>
@@ -31795,11 +31934,11 @@
             </a:r>
             <a:r>
               <a:rPr lang="en-US" dirty="0" err="1" smtClean="0"/>
-              <a:t>mit</a:t>
+              <a:t>spezifisch</a:t>
             </a:r>
             <a:r>
               <a:rPr lang="en-US" dirty="0" smtClean="0"/>
-              <a:t> karma </a:t>
+              <a:t>: jasmine </a:t>
             </a:r>
             <a:r>
               <a:rPr lang="en-US" dirty="0" err="1" smtClean="0"/>
@@ -31809,9 +31948,16 @@
           </a:p>
           <a:p>
             <a:pPr lvl="1"/>
+            <a:endParaRPr lang="en-US" dirty="0" smtClean="0"/>
+          </a:p>
+          <a:p>
+            <a:r>
+              <a:rPr lang="en-US" dirty="0" smtClean="0"/>
+              <a:t>Tests in /spec/ </a:t>
+            </a:r>
             <a:r>
               <a:rPr lang="en-US" dirty="0" err="1" smtClean="0"/>
-              <a:t>Einige</a:t>
+              <a:t>Ordner</a:t>
             </a:r>
             <a:r>
               <a:rPr lang="en-US" dirty="0" smtClean="0"/>
@@ -31819,108 +31965,57 @@
             </a:r>
             <a:r>
               <a:rPr lang="en-US" dirty="0" err="1" smtClean="0"/>
-              <a:t>Fragen</a:t>
+              <a:t>mit</a:t>
             </a:r>
             <a:r>
               <a:rPr lang="en-US" dirty="0" smtClean="0"/>
-              <a:t> </a:t>
+              <a:t> [</a:t>
             </a:r>
             <a:r>
               <a:rPr lang="en-US" dirty="0" err="1" smtClean="0"/>
-              <a:t>zu</a:t>
+              <a:t>s|S</a:t>
             </a:r>
             <a:r>
               <a:rPr lang="en-US" dirty="0" smtClean="0"/>
-              <a:t> </a:t>
+              <a:t>]pec.js </a:t>
             </a:r>
             <a:r>
               <a:rPr lang="en-US" dirty="0" err="1" smtClean="0"/>
-              <a:t>beantworten</a:t>
+              <a:t>Endung</a:t>
+            </a:r>
+            <a:endParaRPr lang="en-US" dirty="0" smtClean="0"/>
+          </a:p>
+          <a:p>
+            <a:pPr lvl="1"/>
+            <a:r>
+              <a:rPr lang="en-US" dirty="0" err="1" smtClean="0"/>
+              <a:t>Anpassbar</a:t>
+            </a:r>
+            <a:endParaRPr lang="en-US" dirty="0" smtClean="0"/>
+          </a:p>
+          <a:p>
+            <a:r>
+              <a:rPr lang="en-US" dirty="0" err="1" smtClean="0"/>
+              <a:t>Ziel</a:t>
             </a:r>
             <a:r>
               <a:rPr lang="en-US" dirty="0" smtClean="0"/>
-              <a:t> -&gt; </a:t>
+              <a:t>: </a:t>
             </a:r>
             <a:r>
               <a:rPr lang="en-US" dirty="0" err="1" smtClean="0"/>
-              <a:t>siehe</a:t>
+              <a:t>Beschreiben</a:t>
             </a:r>
             <a:r>
               <a:rPr lang="en-US" dirty="0" smtClean="0"/>
-              <a:t> </a:t>
-            </a:r>
-            <a:r>
-              <a:rPr lang="en-US" dirty="0" err="1" smtClean="0"/>
-              <a:t>Beispiel</a:t>
-            </a:r>
-            <a:endParaRPr lang="en-US" dirty="0" smtClean="0"/>
-          </a:p>
-          <a:p>
-            <a:r>
-              <a:rPr lang="en-US" dirty="0" smtClean="0"/>
-              <a:t>Optional: ‘Test on Save’</a:t>
-            </a:r>
-          </a:p>
-          <a:p>
-            <a:pPr lvl="1"/>
-            <a:r>
-              <a:rPr lang="en-US" dirty="0" smtClean="0"/>
-              <a:t>Tests </a:t>
-            </a:r>
-            <a:r>
-              <a:rPr lang="en-US" dirty="0" err="1" smtClean="0"/>
-              <a:t>werden</a:t>
-            </a:r>
-            <a:r>
-              <a:rPr lang="en-US" dirty="0" smtClean="0"/>
-              <a:t> </a:t>
-            </a:r>
-            <a:r>
-              <a:rPr lang="en-US" dirty="0" err="1" smtClean="0"/>
-              <a:t>ausgeführt</a:t>
-            </a:r>
-            <a:r>
-              <a:rPr lang="en-US" dirty="0" smtClean="0"/>
-              <a:t> </a:t>
-            </a:r>
-            <a:r>
-              <a:rPr lang="en-US" dirty="0" err="1" smtClean="0"/>
-              <a:t>sobald</a:t>
-            </a:r>
-            <a:r>
-              <a:rPr lang="en-US" dirty="0" smtClean="0"/>
-              <a:t> die </a:t>
-            </a:r>
-            <a:r>
-              <a:rPr lang="en-US" dirty="0" err="1" smtClean="0"/>
-              <a:t>Datei</a:t>
-            </a:r>
-            <a:r>
-              <a:rPr lang="en-US" dirty="0" smtClean="0"/>
-              <a:t> </a:t>
-            </a:r>
-            <a:r>
-              <a:rPr lang="en-US" dirty="0" err="1" smtClean="0"/>
-              <a:t>gespeichert</a:t>
-            </a:r>
-            <a:r>
-              <a:rPr lang="en-US" dirty="0" smtClean="0"/>
-              <a:t> </a:t>
-            </a:r>
-            <a:r>
-              <a:rPr lang="en-US" dirty="0" err="1" smtClean="0"/>
-              <a:t>wird</a:t>
-            </a:r>
-            <a:endParaRPr lang="en-US" dirty="0" smtClean="0"/>
-          </a:p>
-          <a:p>
-            <a:endParaRPr lang="de-AT" dirty="0"/>
-          </a:p>
-        </p:txBody>
-      </p:sp>
-      <p:sp>
-        <p:nvSpPr>
-          <p:cNvPr id="4" name="Text Placeholder 3"/>
+              <a:t> des Codes</a:t>
+            </a:r>
+          </a:p>
+        </p:txBody>
+      </p:sp>
+      <p:sp>
+        <p:nvSpPr>
+          <p:cNvPr id="8" name="Text Placeholder 7"/>
           <p:cNvSpPr>
             <a:spLocks noGrp="1"/>
           </p:cNvSpPr>
@@ -31940,7 +32035,7 @@
     </p:spTree>
     <p:extLst>
       <p:ext uri="{BB962C8B-B14F-4D97-AF65-F5344CB8AC3E}">
-        <p14:creationId xmlns:p14="http://schemas.microsoft.com/office/powerpoint/2010/main" val="1714115106"/>
+        <p14:creationId xmlns:p14="http://schemas.microsoft.com/office/powerpoint/2010/main" val="2447093693"/>
       </p:ext>
     </p:extLst>
   </p:cSld>
@@ -31993,6 +32088,269 @@
           <a:lstStyle/>
           <a:p>
             <a:r>
+              <a:rPr lang="en-US" dirty="0" smtClean="0"/>
+              <a:t>Karma</a:t>
+            </a:r>
+            <a:endParaRPr lang="de-AT" dirty="0"/>
+          </a:p>
+        </p:txBody>
+      </p:sp>
+      <p:sp>
+        <p:nvSpPr>
+          <p:cNvPr id="3" name="Content Placeholder 2"/>
+          <p:cNvSpPr>
+            <a:spLocks noGrp="1"/>
+          </p:cNvSpPr>
+          <p:nvPr>
+            <p:ph sz="quarter" idx="12"/>
+          </p:nvPr>
+        </p:nvSpPr>
+        <p:spPr/>
+        <p:txBody>
+          <a:bodyPr/>
+          <a:lstStyle/>
+          <a:p>
+            <a:r>
+              <a:rPr lang="en-US" dirty="0" err="1" smtClean="0"/>
+              <a:t>Ausführungs</a:t>
+            </a:r>
+            <a:r>
+              <a:rPr lang="en-US" dirty="0" smtClean="0"/>
+              <a:t> Tool</a:t>
+            </a:r>
+          </a:p>
+          <a:p>
+            <a:r>
+              <a:rPr lang="en-US" dirty="0" err="1" smtClean="0"/>
+              <a:t>Führt</a:t>
+            </a:r>
+            <a:r>
+              <a:rPr lang="en-US" dirty="0" smtClean="0"/>
+              <a:t> Tests in </a:t>
+            </a:r>
+            <a:r>
+              <a:rPr lang="en-US" dirty="0" err="1" smtClean="0"/>
+              <a:t>verschiedenen</a:t>
+            </a:r>
+            <a:r>
+              <a:rPr lang="en-US" dirty="0" smtClean="0"/>
+              <a:t> Browser </a:t>
+            </a:r>
+            <a:r>
+              <a:rPr lang="en-US" dirty="0" err="1" smtClean="0"/>
+              <a:t>aus</a:t>
+            </a:r>
+            <a:endParaRPr lang="en-US" dirty="0" smtClean="0"/>
+          </a:p>
+          <a:p>
+            <a:r>
+              <a:rPr lang="en-US" dirty="0" err="1" smtClean="0"/>
+              <a:t>Einrichten</a:t>
+            </a:r>
+            <a:r>
+              <a:rPr lang="en-US" dirty="0" smtClean="0"/>
+              <a:t> </a:t>
+            </a:r>
+            <a:r>
+              <a:rPr lang="en-US" dirty="0" err="1" smtClean="0"/>
+              <a:t>mit</a:t>
+            </a:r>
+            <a:r>
+              <a:rPr lang="en-US" dirty="0" smtClean="0"/>
+              <a:t> karma </a:t>
+            </a:r>
+            <a:r>
+              <a:rPr lang="en-US" dirty="0" err="1" smtClean="0"/>
+              <a:t>init</a:t>
+            </a:r>
+            <a:endParaRPr lang="en-US" dirty="0" smtClean="0"/>
+          </a:p>
+          <a:p>
+            <a:pPr lvl="1"/>
+            <a:r>
+              <a:rPr lang="en-US" dirty="0" err="1" smtClean="0"/>
+              <a:t>Einige</a:t>
+            </a:r>
+            <a:r>
+              <a:rPr lang="en-US" dirty="0" smtClean="0"/>
+              <a:t> </a:t>
+            </a:r>
+            <a:r>
+              <a:rPr lang="en-US" dirty="0" err="1" smtClean="0"/>
+              <a:t>Fragen</a:t>
+            </a:r>
+            <a:r>
+              <a:rPr lang="en-US" dirty="0" smtClean="0"/>
+              <a:t> </a:t>
+            </a:r>
+            <a:r>
+              <a:rPr lang="en-US" dirty="0" err="1" smtClean="0"/>
+              <a:t>zu</a:t>
+            </a:r>
+            <a:r>
+              <a:rPr lang="en-US" dirty="0" smtClean="0"/>
+              <a:t> </a:t>
+            </a:r>
+            <a:r>
+              <a:rPr lang="en-US" dirty="0" err="1" smtClean="0"/>
+              <a:t>beantworten</a:t>
+            </a:r>
+            <a:r>
+              <a:rPr lang="en-US" dirty="0" smtClean="0"/>
+              <a:t> -&gt; </a:t>
+            </a:r>
+            <a:r>
+              <a:rPr lang="en-US" dirty="0" err="1" smtClean="0"/>
+              <a:t>siehe</a:t>
+            </a:r>
+            <a:r>
+              <a:rPr lang="en-US" dirty="0" smtClean="0"/>
+              <a:t> </a:t>
+            </a:r>
+            <a:r>
+              <a:rPr lang="en-US" dirty="0" err="1" smtClean="0"/>
+              <a:t>Beispiel</a:t>
+            </a:r>
+            <a:endParaRPr lang="en-US" dirty="0" smtClean="0"/>
+          </a:p>
+          <a:p>
+            <a:r>
+              <a:rPr lang="en-US" dirty="0" smtClean="0"/>
+              <a:t>Optional: ‘Test on Save’</a:t>
+            </a:r>
+          </a:p>
+          <a:p>
+            <a:pPr lvl="1"/>
+            <a:r>
+              <a:rPr lang="en-US" dirty="0" smtClean="0"/>
+              <a:t>Tests </a:t>
+            </a:r>
+            <a:r>
+              <a:rPr lang="en-US" dirty="0" err="1" smtClean="0"/>
+              <a:t>werden</a:t>
+            </a:r>
+            <a:r>
+              <a:rPr lang="en-US" dirty="0" smtClean="0"/>
+              <a:t> </a:t>
+            </a:r>
+            <a:r>
+              <a:rPr lang="en-US" dirty="0" err="1" smtClean="0"/>
+              <a:t>ausgeführt</a:t>
+            </a:r>
+            <a:r>
+              <a:rPr lang="en-US" dirty="0" smtClean="0"/>
+              <a:t> </a:t>
+            </a:r>
+            <a:r>
+              <a:rPr lang="en-US" dirty="0" err="1" smtClean="0"/>
+              <a:t>sobald</a:t>
+            </a:r>
+            <a:r>
+              <a:rPr lang="en-US" dirty="0" smtClean="0"/>
+              <a:t> die </a:t>
+            </a:r>
+            <a:r>
+              <a:rPr lang="en-US" dirty="0" err="1" smtClean="0"/>
+              <a:t>Datei</a:t>
+            </a:r>
+            <a:r>
+              <a:rPr lang="en-US" dirty="0" smtClean="0"/>
+              <a:t> </a:t>
+            </a:r>
+            <a:r>
+              <a:rPr lang="en-US" dirty="0" err="1" smtClean="0"/>
+              <a:t>gespeichert</a:t>
+            </a:r>
+            <a:r>
+              <a:rPr lang="en-US" dirty="0" smtClean="0"/>
+              <a:t> </a:t>
+            </a:r>
+            <a:r>
+              <a:rPr lang="en-US" dirty="0" err="1" smtClean="0"/>
+              <a:t>wird</a:t>
+            </a:r>
+            <a:endParaRPr lang="en-US" dirty="0" smtClean="0"/>
+          </a:p>
+          <a:p>
+            <a:endParaRPr lang="de-AT" dirty="0"/>
+          </a:p>
+        </p:txBody>
+      </p:sp>
+      <p:sp>
+        <p:nvSpPr>
+          <p:cNvPr id="4" name="Text Placeholder 3"/>
+          <p:cNvSpPr>
+            <a:spLocks noGrp="1"/>
+          </p:cNvSpPr>
+          <p:nvPr>
+            <p:ph type="body" sz="quarter" idx="23"/>
+          </p:nvPr>
+        </p:nvSpPr>
+        <p:spPr/>
+        <p:txBody>
+          <a:bodyPr/>
+          <a:lstStyle/>
+          <a:p>
+            <a:endParaRPr lang="de-AT"/>
+          </a:p>
+        </p:txBody>
+      </p:sp>
+    </p:spTree>
+    <p:extLst>
+      <p:ext uri="{BB962C8B-B14F-4D97-AF65-F5344CB8AC3E}">
+        <p14:creationId xmlns:p14="http://schemas.microsoft.com/office/powerpoint/2010/main" val="1714115106"/>
+      </p:ext>
+    </p:extLst>
+  </p:cSld>
+  <p:clrMapOvr>
+    <a:masterClrMapping/>
+  </p:clrMapOvr>
+  <p:transition spd="slow">
+    <p:push/>
+  </p:transition>
+  <p:timing>
+    <p:tnLst>
+      <p:par>
+        <p:cTn id="1" dur="indefinite" restart="never" nodeType="tmRoot"/>
+      </p:par>
+    </p:tnLst>
+  </p:timing>
+</p:sld>
+</file>
+
+<file path=ppt/slides/slide77.xml><?xml version="1.0" encoding="utf-8"?>
+<p:sld xmlns:a="http://schemas.openxmlformats.org/drawingml/2006/main" xmlns:r="http://schemas.openxmlformats.org/officeDocument/2006/relationships" xmlns:p="http://schemas.openxmlformats.org/presentationml/2006/main">
+  <p:cSld>
+    <p:spTree>
+      <p:nvGrpSpPr>
+        <p:cNvPr id="1" name=""/>
+        <p:cNvGrpSpPr/>
+        <p:nvPr/>
+      </p:nvGrpSpPr>
+      <p:grpSpPr>
+        <a:xfrm>
+          <a:off x="0" y="0"/>
+          <a:ext cx="0" cy="0"/>
+          <a:chOff x="0" y="0"/>
+          <a:chExt cx="0" cy="0"/>
+        </a:xfrm>
+      </p:grpSpPr>
+      <p:sp>
+        <p:nvSpPr>
+          <p:cNvPr id="2" name="Title 1"/>
+          <p:cNvSpPr>
+            <a:spLocks noGrp="1"/>
+          </p:cNvSpPr>
+          <p:nvPr>
+            <p:ph type="title"/>
+          </p:nvPr>
+        </p:nvSpPr>
+        <p:spPr/>
+        <p:txBody>
+          <a:bodyPr/>
+          <a:lstStyle/>
+          <a:p>
+            <a:r>
               <a:rPr lang="en-US" dirty="0"/>
               <a:t>a</a:t>
             </a:r>
@@ -32140,7 +32498,7 @@
 </p:sld>
 </file>
 
-<file path=ppt/slides/slide77.xml><?xml version="1.0" encoding="utf-8"?>
+<file path=ppt/slides/slide78.xml><?xml version="1.0" encoding="utf-8"?>
 <p:sld xmlns:a="http://schemas.openxmlformats.org/drawingml/2006/main" xmlns:r="http://schemas.openxmlformats.org/officeDocument/2006/relationships" xmlns:p="http://schemas.openxmlformats.org/presentationml/2006/main">
   <p:cSld>
     <p:spTree>
@@ -32270,7 +32628,7 @@
 </p:sld>
 </file>
 
-<file path=ppt/slides/slide78.xml><?xml version="1.0" encoding="utf-8"?>
+<file path=ppt/slides/slide79.xml><?xml version="1.0" encoding="utf-8"?>
 <p:sld xmlns:a="http://schemas.openxmlformats.org/drawingml/2006/main" xmlns:r="http://schemas.openxmlformats.org/officeDocument/2006/relationships" xmlns:p="http://schemas.openxmlformats.org/presentationml/2006/main">
   <p:cSld>
     <p:spTree>
@@ -32380,252 +32738,6 @@
     <p:extLst>
       <p:ext uri="{BB962C8B-B14F-4D97-AF65-F5344CB8AC3E}">
         <p14:creationId xmlns:p14="http://schemas.microsoft.com/office/powerpoint/2010/main" val="390136225"/>
-      </p:ext>
-    </p:extLst>
-  </p:cSld>
-  <p:clrMapOvr>
-    <a:masterClrMapping/>
-  </p:clrMapOvr>
-  <p:transition spd="slow">
-    <p:push/>
-  </p:transition>
-  <p:timing>
-    <p:tnLst>
-      <p:par>
-        <p:cTn id="1" dur="indefinite" restart="never" nodeType="tmRoot"/>
-      </p:par>
-    </p:tnLst>
-  </p:timing>
-</p:sld>
-</file>
-
-<file path=ppt/slides/slide79.xml><?xml version="1.0" encoding="utf-8"?>
-<p:sld xmlns:a="http://schemas.openxmlformats.org/drawingml/2006/main" xmlns:r="http://schemas.openxmlformats.org/officeDocument/2006/relationships" xmlns:p="http://schemas.openxmlformats.org/presentationml/2006/main">
-  <p:cSld>
-    <p:spTree>
-      <p:nvGrpSpPr>
-        <p:cNvPr id="1" name=""/>
-        <p:cNvGrpSpPr/>
-        <p:nvPr/>
-      </p:nvGrpSpPr>
-      <p:grpSpPr>
-        <a:xfrm>
-          <a:off x="0" y="0"/>
-          <a:ext cx="0" cy="0"/>
-          <a:chOff x="0" y="0"/>
-          <a:chExt cx="0" cy="0"/>
-        </a:xfrm>
-      </p:grpSpPr>
-      <p:sp>
-        <p:nvSpPr>
-          <p:cNvPr id="2" name="Title 1"/>
-          <p:cNvSpPr>
-            <a:spLocks noGrp="1"/>
-          </p:cNvSpPr>
-          <p:nvPr>
-            <p:ph type="title"/>
-          </p:nvPr>
-        </p:nvSpPr>
-        <p:spPr/>
-        <p:txBody>
-          <a:bodyPr/>
-          <a:lstStyle/>
-          <a:p>
-            <a:r>
-              <a:rPr lang="en-US" dirty="0" smtClean="0"/>
-              <a:t>$http mocking</a:t>
-            </a:r>
-            <a:endParaRPr lang="de-AT" dirty="0"/>
-          </a:p>
-        </p:txBody>
-      </p:sp>
-      <p:sp>
-        <p:nvSpPr>
-          <p:cNvPr id="3" name="Content Placeholder 2"/>
-          <p:cNvSpPr>
-            <a:spLocks noGrp="1"/>
-          </p:cNvSpPr>
-          <p:nvPr>
-            <p:ph sz="quarter" idx="12"/>
-          </p:nvPr>
-        </p:nvSpPr>
-        <p:spPr/>
-        <p:txBody>
-          <a:bodyPr/>
-          <a:lstStyle/>
-          <a:p>
-            <a:r>
-              <a:rPr lang="en-US" dirty="0"/>
-              <a:t>$</a:t>
-            </a:r>
-            <a:r>
-              <a:rPr lang="en-US" dirty="0" err="1"/>
-              <a:t>httpBackend</a:t>
-            </a:r>
-            <a:r>
-              <a:rPr lang="en-US" dirty="0"/>
-              <a:t> service</a:t>
-            </a:r>
-          </a:p>
-          <a:p>
-            <a:pPr lvl="1"/>
-            <a:r>
-              <a:rPr lang="en-US" dirty="0" err="1"/>
-              <a:t>Registrierung</a:t>
-            </a:r>
-            <a:r>
-              <a:rPr lang="en-US" dirty="0"/>
-              <a:t> von request handler </a:t>
-            </a:r>
-            <a:r>
-              <a:rPr lang="en-US" dirty="0" err="1"/>
-              <a:t>für</a:t>
-            </a:r>
-            <a:r>
-              <a:rPr lang="en-US" dirty="0"/>
-              <a:t> </a:t>
-            </a:r>
-            <a:r>
-              <a:rPr lang="en-US" dirty="0" err="1"/>
-              <a:t>gewisse</a:t>
-            </a:r>
-            <a:r>
-              <a:rPr lang="en-US" dirty="0"/>
-              <a:t> requests</a:t>
-            </a:r>
-          </a:p>
-          <a:p>
-            <a:pPr lvl="1"/>
-            <a:r>
-              <a:rPr lang="en-US" dirty="0"/>
-              <a:t>Am </a:t>
-            </a:r>
-            <a:r>
-              <a:rPr lang="en-US" dirty="0" err="1"/>
-              <a:t>besten</a:t>
-            </a:r>
-            <a:r>
-              <a:rPr lang="en-US" dirty="0"/>
-              <a:t> </a:t>
-            </a:r>
-            <a:r>
-              <a:rPr lang="en-US" dirty="0" err="1"/>
-              <a:t>nur</a:t>
-            </a:r>
-            <a:r>
-              <a:rPr lang="en-US" dirty="0"/>
-              <a:t> die </a:t>
-            </a:r>
-            <a:r>
-              <a:rPr lang="en-US" dirty="0" err="1"/>
-              <a:t>im</a:t>
-            </a:r>
-            <a:r>
-              <a:rPr lang="en-US" dirty="0"/>
-              <a:t> Test </a:t>
-            </a:r>
-            <a:r>
-              <a:rPr lang="en-US" dirty="0" err="1"/>
-              <a:t>verwendet</a:t>
-            </a:r>
-            <a:r>
-              <a:rPr lang="en-US" dirty="0"/>
-              <a:t> </a:t>
-            </a:r>
-            <a:r>
-              <a:rPr lang="en-US" dirty="0" err="1"/>
-              <a:t>werden</a:t>
-            </a:r>
-            <a:r>
-              <a:rPr lang="en-US" dirty="0"/>
-              <a:t>!</a:t>
-            </a:r>
-          </a:p>
-          <a:p>
-            <a:pPr lvl="1"/>
-            <a:endParaRPr lang="de-AT" dirty="0"/>
-          </a:p>
-          <a:p>
-            <a:pPr marL="9200" indent="0">
-              <a:buNone/>
-            </a:pPr>
-            <a:endParaRPr lang="en-US" dirty="0" smtClean="0"/>
-          </a:p>
-          <a:p>
-            <a:r>
-              <a:rPr lang="en-US" dirty="0" err="1" smtClean="0"/>
-              <a:t>Kann</a:t>
-            </a:r>
-            <a:r>
-              <a:rPr lang="en-US" dirty="0" smtClean="0"/>
-              <a:t> </a:t>
-            </a:r>
-            <a:r>
-              <a:rPr lang="en-US" dirty="0" err="1" smtClean="0"/>
-              <a:t>auch</a:t>
-            </a:r>
-            <a:r>
-              <a:rPr lang="en-US" dirty="0" smtClean="0"/>
-              <a:t> Regex matching </a:t>
-            </a:r>
-            <a:r>
-              <a:rPr lang="en-US" dirty="0" err="1" smtClean="0"/>
-              <a:t>verwenden</a:t>
-            </a:r>
-            <a:r>
-              <a:rPr lang="en-US" dirty="0" smtClean="0"/>
-              <a:t>:</a:t>
-            </a:r>
-          </a:p>
-        </p:txBody>
-      </p:sp>
-      <p:sp>
-        <p:nvSpPr>
-          <p:cNvPr id="4" name="Text Placeholder 3"/>
-          <p:cNvSpPr>
-            <a:spLocks noGrp="1"/>
-          </p:cNvSpPr>
-          <p:nvPr>
-            <p:ph type="body" sz="quarter" idx="23"/>
-          </p:nvPr>
-        </p:nvSpPr>
-        <p:spPr/>
-        <p:txBody>
-          <a:bodyPr/>
-          <a:lstStyle/>
-          <a:p>
-            <a:endParaRPr lang="de-AT"/>
-          </a:p>
-        </p:txBody>
-      </p:sp>
-      <p:pic>
-        <p:nvPicPr>
-          <p:cNvPr id="5" name="Picture 4"/>
-          <p:cNvPicPr>
-            <a:picLocks noChangeAspect="1"/>
-          </p:cNvPicPr>
-          <p:nvPr/>
-        </p:nvPicPr>
-        <p:blipFill>
-          <a:blip r:embed="rId2"/>
-          <a:stretch>
-            <a:fillRect/>
-          </a:stretch>
-        </p:blipFill>
-        <p:spPr>
-          <a:xfrm>
-            <a:off x="1525587" y="2971812"/>
-            <a:ext cx="8582025" cy="1085850"/>
-          </a:xfrm>
-          <a:prstGeom prst="rect">
-            <a:avLst/>
-          </a:prstGeom>
-        </p:spPr>
-      </p:pic>
-    </p:spTree>
-    <p:extLst>
-      <p:ext uri="{BB962C8B-B14F-4D97-AF65-F5344CB8AC3E}">
-        <p14:creationId xmlns:p14="http://schemas.microsoft.com/office/powerpoint/2010/main" val="8473053"/>
       </p:ext>
     </p:extLst>
   </p:cSld>
@@ -32858,6 +32970,252 @@
 </file>
 
 <file path=ppt/slides/slide80.xml><?xml version="1.0" encoding="utf-8"?>
+<p:sld xmlns:a="http://schemas.openxmlformats.org/drawingml/2006/main" xmlns:r="http://schemas.openxmlformats.org/officeDocument/2006/relationships" xmlns:p="http://schemas.openxmlformats.org/presentationml/2006/main">
+  <p:cSld>
+    <p:spTree>
+      <p:nvGrpSpPr>
+        <p:cNvPr id="1" name=""/>
+        <p:cNvGrpSpPr/>
+        <p:nvPr/>
+      </p:nvGrpSpPr>
+      <p:grpSpPr>
+        <a:xfrm>
+          <a:off x="0" y="0"/>
+          <a:ext cx="0" cy="0"/>
+          <a:chOff x="0" y="0"/>
+          <a:chExt cx="0" cy="0"/>
+        </a:xfrm>
+      </p:grpSpPr>
+      <p:sp>
+        <p:nvSpPr>
+          <p:cNvPr id="2" name="Title 1"/>
+          <p:cNvSpPr>
+            <a:spLocks noGrp="1"/>
+          </p:cNvSpPr>
+          <p:nvPr>
+            <p:ph type="title"/>
+          </p:nvPr>
+        </p:nvSpPr>
+        <p:spPr/>
+        <p:txBody>
+          <a:bodyPr/>
+          <a:lstStyle/>
+          <a:p>
+            <a:r>
+              <a:rPr lang="en-US" dirty="0" smtClean="0"/>
+              <a:t>$http mocking</a:t>
+            </a:r>
+            <a:endParaRPr lang="de-AT" dirty="0"/>
+          </a:p>
+        </p:txBody>
+      </p:sp>
+      <p:sp>
+        <p:nvSpPr>
+          <p:cNvPr id="3" name="Content Placeholder 2"/>
+          <p:cNvSpPr>
+            <a:spLocks noGrp="1"/>
+          </p:cNvSpPr>
+          <p:nvPr>
+            <p:ph sz="quarter" idx="12"/>
+          </p:nvPr>
+        </p:nvSpPr>
+        <p:spPr/>
+        <p:txBody>
+          <a:bodyPr/>
+          <a:lstStyle/>
+          <a:p>
+            <a:r>
+              <a:rPr lang="en-US" dirty="0"/>
+              <a:t>$</a:t>
+            </a:r>
+            <a:r>
+              <a:rPr lang="en-US" dirty="0" err="1"/>
+              <a:t>httpBackend</a:t>
+            </a:r>
+            <a:r>
+              <a:rPr lang="en-US" dirty="0"/>
+              <a:t> service</a:t>
+            </a:r>
+          </a:p>
+          <a:p>
+            <a:pPr lvl="1"/>
+            <a:r>
+              <a:rPr lang="en-US" dirty="0" err="1"/>
+              <a:t>Registrierung</a:t>
+            </a:r>
+            <a:r>
+              <a:rPr lang="en-US" dirty="0"/>
+              <a:t> von request handler </a:t>
+            </a:r>
+            <a:r>
+              <a:rPr lang="en-US" dirty="0" err="1"/>
+              <a:t>für</a:t>
+            </a:r>
+            <a:r>
+              <a:rPr lang="en-US" dirty="0"/>
+              <a:t> </a:t>
+            </a:r>
+            <a:r>
+              <a:rPr lang="en-US" dirty="0" err="1"/>
+              <a:t>gewisse</a:t>
+            </a:r>
+            <a:r>
+              <a:rPr lang="en-US" dirty="0"/>
+              <a:t> requests</a:t>
+            </a:r>
+          </a:p>
+          <a:p>
+            <a:pPr lvl="1"/>
+            <a:r>
+              <a:rPr lang="en-US" dirty="0"/>
+              <a:t>Am </a:t>
+            </a:r>
+            <a:r>
+              <a:rPr lang="en-US" dirty="0" err="1"/>
+              <a:t>besten</a:t>
+            </a:r>
+            <a:r>
+              <a:rPr lang="en-US" dirty="0"/>
+              <a:t> </a:t>
+            </a:r>
+            <a:r>
+              <a:rPr lang="en-US" dirty="0" err="1"/>
+              <a:t>nur</a:t>
+            </a:r>
+            <a:r>
+              <a:rPr lang="en-US" dirty="0"/>
+              <a:t> die </a:t>
+            </a:r>
+            <a:r>
+              <a:rPr lang="en-US" dirty="0" err="1"/>
+              <a:t>im</a:t>
+            </a:r>
+            <a:r>
+              <a:rPr lang="en-US" dirty="0"/>
+              <a:t> Test </a:t>
+            </a:r>
+            <a:r>
+              <a:rPr lang="en-US" dirty="0" err="1"/>
+              <a:t>verwendet</a:t>
+            </a:r>
+            <a:r>
+              <a:rPr lang="en-US" dirty="0"/>
+              <a:t> </a:t>
+            </a:r>
+            <a:r>
+              <a:rPr lang="en-US" dirty="0" err="1"/>
+              <a:t>werden</a:t>
+            </a:r>
+            <a:r>
+              <a:rPr lang="en-US" dirty="0"/>
+              <a:t>!</a:t>
+            </a:r>
+          </a:p>
+          <a:p>
+            <a:pPr lvl="1"/>
+            <a:endParaRPr lang="de-AT" dirty="0"/>
+          </a:p>
+          <a:p>
+            <a:pPr marL="9200" indent="0">
+              <a:buNone/>
+            </a:pPr>
+            <a:endParaRPr lang="en-US" dirty="0" smtClean="0"/>
+          </a:p>
+          <a:p>
+            <a:r>
+              <a:rPr lang="en-US" dirty="0" err="1" smtClean="0"/>
+              <a:t>Kann</a:t>
+            </a:r>
+            <a:r>
+              <a:rPr lang="en-US" dirty="0" smtClean="0"/>
+              <a:t> </a:t>
+            </a:r>
+            <a:r>
+              <a:rPr lang="en-US" dirty="0" err="1" smtClean="0"/>
+              <a:t>auch</a:t>
+            </a:r>
+            <a:r>
+              <a:rPr lang="en-US" dirty="0" smtClean="0"/>
+              <a:t> Regex matching </a:t>
+            </a:r>
+            <a:r>
+              <a:rPr lang="en-US" dirty="0" err="1" smtClean="0"/>
+              <a:t>verwenden</a:t>
+            </a:r>
+            <a:r>
+              <a:rPr lang="en-US" dirty="0" smtClean="0"/>
+              <a:t>:</a:t>
+            </a:r>
+          </a:p>
+        </p:txBody>
+      </p:sp>
+      <p:sp>
+        <p:nvSpPr>
+          <p:cNvPr id="4" name="Text Placeholder 3"/>
+          <p:cNvSpPr>
+            <a:spLocks noGrp="1"/>
+          </p:cNvSpPr>
+          <p:nvPr>
+            <p:ph type="body" sz="quarter" idx="23"/>
+          </p:nvPr>
+        </p:nvSpPr>
+        <p:spPr/>
+        <p:txBody>
+          <a:bodyPr/>
+          <a:lstStyle/>
+          <a:p>
+            <a:endParaRPr lang="de-AT"/>
+          </a:p>
+        </p:txBody>
+      </p:sp>
+      <p:pic>
+        <p:nvPicPr>
+          <p:cNvPr id="5" name="Picture 4"/>
+          <p:cNvPicPr>
+            <a:picLocks noChangeAspect="1"/>
+          </p:cNvPicPr>
+          <p:nvPr/>
+        </p:nvPicPr>
+        <p:blipFill>
+          <a:blip r:embed="rId2"/>
+          <a:stretch>
+            <a:fillRect/>
+          </a:stretch>
+        </p:blipFill>
+        <p:spPr>
+          <a:xfrm>
+            <a:off x="1525587" y="2971812"/>
+            <a:ext cx="8582025" cy="1085850"/>
+          </a:xfrm>
+          <a:prstGeom prst="rect">
+            <a:avLst/>
+          </a:prstGeom>
+        </p:spPr>
+      </p:pic>
+    </p:spTree>
+    <p:extLst>
+      <p:ext uri="{BB962C8B-B14F-4D97-AF65-F5344CB8AC3E}">
+        <p14:creationId xmlns:p14="http://schemas.microsoft.com/office/powerpoint/2010/main" val="8473053"/>
+      </p:ext>
+    </p:extLst>
+  </p:cSld>
+  <p:clrMapOvr>
+    <a:masterClrMapping/>
+  </p:clrMapOvr>
+  <p:transition spd="slow">
+    <p:push/>
+  </p:transition>
+  <p:timing>
+    <p:tnLst>
+      <p:par>
+        <p:cTn id="1" dur="indefinite" restart="never" nodeType="tmRoot"/>
+      </p:par>
+    </p:tnLst>
+  </p:timing>
+</p:sld>
+</file>
+
+<file path=ppt/slides/slide81.xml><?xml version="1.0" encoding="utf-8"?>
 <p:sld xmlns:a="http://schemas.openxmlformats.org/drawingml/2006/main" xmlns:r="http://schemas.openxmlformats.org/officeDocument/2006/relationships" xmlns:p="http://schemas.openxmlformats.org/presentationml/2006/main">
   <p:cSld>
     <p:spTree>
@@ -33016,7 +33374,7 @@
 </p:sld>
 </file>
 
-<file path=ppt/slides/slide81.xml><?xml version="1.0" encoding="utf-8"?>
+<file path=ppt/slides/slide82.xml><?xml version="1.0" encoding="utf-8"?>
 <p:sld xmlns:a="http://schemas.openxmlformats.org/drawingml/2006/main" xmlns:r="http://schemas.openxmlformats.org/officeDocument/2006/relationships" xmlns:p="http://schemas.openxmlformats.org/presentationml/2006/main">
   <p:cSld>
     <p:spTree>

--- a/slides/AngularJS.pptx
+++ b/slides/AngularJS.pptx
@@ -5,7 +5,7 @@
     <p:sldMasterId id="2147483660" r:id="rId1"/>
   </p:sldMasterIdLst>
   <p:notesMasterIdLst>
-    <p:notesMasterId r:id="rId84"/>
+    <p:notesMasterId r:id="rId89"/>
   </p:notesMasterIdLst>
   <p:sldIdLst>
     <p:sldId id="256" r:id="rId2"/>
@@ -90,6 +90,11 @@
     <p:sldId id="337" r:id="rId81"/>
     <p:sldId id="338" r:id="rId82"/>
     <p:sldId id="339" r:id="rId83"/>
+    <p:sldId id="342" r:id="rId84"/>
+    <p:sldId id="343" r:id="rId85"/>
+    <p:sldId id="344" r:id="rId86"/>
+    <p:sldId id="345" r:id="rId87"/>
+    <p:sldId id="346" r:id="rId88"/>
   </p:sldIdLst>
   <p:sldSz cx="12192000" cy="6858000"/>
   <p:notesSz cx="6858000" cy="9144000"/>
@@ -307,6 +312,15 @@
         <p14:section name="Forms" id="{F0C8A9EA-AA9E-49D9-BFA0-80A714B2EB3B}">
           <p14:sldIdLst>
             <p14:sldId id="339"/>
+          </p14:sldIdLst>
+        </p14:section>
+        <p14:section name="Components" id="{565E662D-2E8C-4C04-AA73-E4C21881F502}">
+          <p14:sldIdLst>
+            <p14:sldId id="342"/>
+            <p14:sldId id="343"/>
+            <p14:sldId id="344"/>
+            <p14:sldId id="345"/>
+            <p14:sldId id="346"/>
           </p14:sldIdLst>
         </p14:section>
       </p14:sectionLst>
@@ -33729,6 +33743,1463 @@
 </p:sld>
 </file>
 
+<file path=ppt/slides/slide83.xml><?xml version="1.0" encoding="utf-8"?>
+<p:sld xmlns:a="http://schemas.openxmlformats.org/drawingml/2006/main" xmlns:r="http://schemas.openxmlformats.org/officeDocument/2006/relationships" xmlns:p="http://schemas.openxmlformats.org/presentationml/2006/main">
+  <p:cSld>
+    <p:spTree>
+      <p:nvGrpSpPr>
+        <p:cNvPr id="1" name=""/>
+        <p:cNvGrpSpPr/>
+        <p:nvPr/>
+      </p:nvGrpSpPr>
+      <p:grpSpPr>
+        <a:xfrm>
+          <a:off x="0" y="0"/>
+          <a:ext cx="0" cy="0"/>
+          <a:chOff x="0" y="0"/>
+          <a:chExt cx="0" cy="0"/>
+        </a:xfrm>
+      </p:grpSpPr>
+      <p:sp>
+        <p:nvSpPr>
+          <p:cNvPr id="2" name="Title 1"/>
+          <p:cNvSpPr>
+            <a:spLocks noGrp="1"/>
+          </p:cNvSpPr>
+          <p:nvPr>
+            <p:ph type="title"/>
+          </p:nvPr>
+        </p:nvSpPr>
+        <p:spPr/>
+        <p:txBody>
+          <a:bodyPr/>
+          <a:lstStyle/>
+          <a:p>
+            <a:r>
+              <a:rPr lang="en-US" dirty="0" smtClean="0"/>
+              <a:t>Components</a:t>
+            </a:r>
+            <a:endParaRPr lang="de-AT" dirty="0"/>
+          </a:p>
+        </p:txBody>
+      </p:sp>
+      <p:sp>
+        <p:nvSpPr>
+          <p:cNvPr id="3" name="Content Placeholder 2"/>
+          <p:cNvSpPr>
+            <a:spLocks noGrp="1"/>
+          </p:cNvSpPr>
+          <p:nvPr>
+            <p:ph sz="quarter" idx="12"/>
+          </p:nvPr>
+        </p:nvSpPr>
+        <p:spPr/>
+        <p:txBody>
+          <a:bodyPr/>
+          <a:lstStyle/>
+          <a:p>
+            <a:r>
+              <a:rPr lang="en-US" dirty="0" err="1" smtClean="0"/>
+              <a:t>Neues</a:t>
+            </a:r>
+            <a:r>
+              <a:rPr lang="en-US" dirty="0" smtClean="0"/>
+              <a:t> Feature in 1.5</a:t>
+            </a:r>
+          </a:p>
+          <a:p>
+            <a:r>
+              <a:rPr lang="en-US" dirty="0" err="1" smtClean="0"/>
+              <a:t>Einfachere</a:t>
+            </a:r>
+            <a:r>
+              <a:rPr lang="en-US" dirty="0" smtClean="0"/>
+              <a:t> Syntax</a:t>
+            </a:r>
+          </a:p>
+          <a:p>
+            <a:r>
+              <a:rPr lang="en-US" dirty="0" err="1" smtClean="0"/>
+              <a:t>Anlehnung</a:t>
+            </a:r>
+            <a:r>
+              <a:rPr lang="en-US" dirty="0" smtClean="0"/>
+              <a:t> an Components in Angular 2</a:t>
+            </a:r>
+          </a:p>
+          <a:p>
+            <a:pPr lvl="1"/>
+            <a:r>
+              <a:rPr lang="en-US" dirty="0" err="1" smtClean="0"/>
+              <a:t>Ziel</a:t>
+            </a:r>
+            <a:r>
+              <a:rPr lang="en-US" dirty="0" smtClean="0"/>
+              <a:t>: </a:t>
+            </a:r>
+            <a:r>
+              <a:rPr lang="en-US" dirty="0" err="1" smtClean="0"/>
+              <a:t>Einfacherer</a:t>
+            </a:r>
+            <a:r>
+              <a:rPr lang="en-US" dirty="0" smtClean="0"/>
+              <a:t> </a:t>
+            </a:r>
+            <a:r>
+              <a:rPr lang="en-US" dirty="0" err="1" smtClean="0"/>
+              <a:t>Umstieg</a:t>
+            </a:r>
+            <a:r>
+              <a:rPr lang="en-US" dirty="0" smtClean="0"/>
+              <a:t> auf Angular 2</a:t>
+            </a:r>
+            <a:endParaRPr lang="de-AT" dirty="0"/>
+          </a:p>
+        </p:txBody>
+      </p:sp>
+      <p:sp>
+        <p:nvSpPr>
+          <p:cNvPr id="4" name="Text Placeholder 3"/>
+          <p:cNvSpPr>
+            <a:spLocks noGrp="1"/>
+          </p:cNvSpPr>
+          <p:nvPr>
+            <p:ph type="body" sz="quarter" idx="23"/>
+          </p:nvPr>
+        </p:nvSpPr>
+        <p:spPr/>
+        <p:txBody>
+          <a:bodyPr/>
+          <a:lstStyle/>
+          <a:p>
+            <a:endParaRPr lang="de-AT"/>
+          </a:p>
+        </p:txBody>
+      </p:sp>
+    </p:spTree>
+    <p:extLst>
+      <p:ext uri="{BB962C8B-B14F-4D97-AF65-F5344CB8AC3E}">
+        <p14:creationId xmlns:p14="http://schemas.microsoft.com/office/powerpoint/2010/main" val="4168704142"/>
+      </p:ext>
+    </p:extLst>
+  </p:cSld>
+  <p:clrMapOvr>
+    <a:masterClrMapping/>
+  </p:clrMapOvr>
+  <p:transition spd="slow">
+    <p:push/>
+  </p:transition>
+  <p:timing>
+    <p:tnLst>
+      <p:par>
+        <p:cTn id="1" dur="indefinite" restart="never" nodeType="tmRoot"/>
+      </p:par>
+    </p:tnLst>
+  </p:timing>
+</p:sld>
+</file>
+
+<file path=ppt/slides/slide84.xml><?xml version="1.0" encoding="utf-8"?>
+<p:sld xmlns:a="http://schemas.openxmlformats.org/drawingml/2006/main" xmlns:r="http://schemas.openxmlformats.org/officeDocument/2006/relationships" xmlns:p="http://schemas.openxmlformats.org/presentationml/2006/main">
+  <p:cSld>
+    <p:spTree>
+      <p:nvGrpSpPr>
+        <p:cNvPr id="1" name=""/>
+        <p:cNvGrpSpPr/>
+        <p:nvPr/>
+      </p:nvGrpSpPr>
+      <p:grpSpPr>
+        <a:xfrm>
+          <a:off x="0" y="0"/>
+          <a:ext cx="0" cy="0"/>
+          <a:chOff x="0" y="0"/>
+          <a:chExt cx="0" cy="0"/>
+        </a:xfrm>
+      </p:grpSpPr>
+      <p:pic>
+        <p:nvPicPr>
+          <p:cNvPr id="8" name="Picture 7"/>
+          <p:cNvPicPr>
+            <a:picLocks noChangeAspect="1"/>
+          </p:cNvPicPr>
+          <p:nvPr/>
+        </p:nvPicPr>
+        <p:blipFill>
+          <a:blip r:embed="rId2"/>
+          <a:stretch>
+            <a:fillRect/>
+          </a:stretch>
+        </p:blipFill>
+        <p:spPr>
+          <a:xfrm>
+            <a:off x="1101471" y="1373364"/>
+            <a:ext cx="9696450" cy="5095875"/>
+          </a:xfrm>
+          <a:prstGeom prst="rect">
+            <a:avLst/>
+          </a:prstGeom>
+        </p:spPr>
+      </p:pic>
+      <p:sp>
+        <p:nvSpPr>
+          <p:cNvPr id="2" name="Title 1"/>
+          <p:cNvSpPr>
+            <a:spLocks noGrp="1"/>
+          </p:cNvSpPr>
+          <p:nvPr>
+            <p:ph type="title"/>
+          </p:nvPr>
+        </p:nvSpPr>
+        <p:spPr/>
+        <p:txBody>
+          <a:bodyPr/>
+          <a:lstStyle/>
+          <a:p>
+            <a:r>
+              <a:rPr lang="en-US" dirty="0" smtClean="0"/>
+              <a:t>Components</a:t>
+            </a:r>
+            <a:endParaRPr lang="de-AT" dirty="0"/>
+          </a:p>
+        </p:txBody>
+      </p:sp>
+      <p:sp>
+        <p:nvSpPr>
+          <p:cNvPr id="4" name="Text Placeholder 3"/>
+          <p:cNvSpPr>
+            <a:spLocks noGrp="1"/>
+          </p:cNvSpPr>
+          <p:nvPr>
+            <p:ph type="body" sz="quarter" idx="23"/>
+          </p:nvPr>
+        </p:nvSpPr>
+        <p:spPr/>
+        <p:txBody>
+          <a:bodyPr/>
+          <a:lstStyle/>
+          <a:p>
+            <a:endParaRPr lang="de-AT"/>
+          </a:p>
+        </p:txBody>
+      </p:sp>
+      <p:sp>
+        <p:nvSpPr>
+          <p:cNvPr id="7" name="Rechteck 14"/>
+          <p:cNvSpPr/>
+          <p:nvPr/>
+        </p:nvSpPr>
+        <p:spPr>
+          <a:xfrm>
+            <a:off x="4289606" y="2148724"/>
+            <a:ext cx="3665674" cy="402452"/>
+          </a:xfrm>
+          <a:prstGeom prst="rect">
+            <a:avLst/>
+          </a:prstGeom>
+          <a:noFill/>
+          <a:ln w="38100">
+            <a:solidFill>
+              <a:srgbClr val="FF0000"/>
+            </a:solidFill>
+          </a:ln>
+        </p:spPr>
+        <p:style>
+          <a:lnRef idx="2">
+            <a:schemeClr val="accent4">
+              <a:shade val="50000"/>
+            </a:schemeClr>
+          </a:lnRef>
+          <a:fillRef idx="1">
+            <a:schemeClr val="accent4"/>
+          </a:fillRef>
+          <a:effectRef idx="0">
+            <a:schemeClr val="accent4"/>
+          </a:effectRef>
+          <a:fontRef idx="minor">
+            <a:schemeClr val="lt1"/>
+          </a:fontRef>
+        </p:style>
+        <p:txBody>
+          <a:bodyPr rtlCol="0" anchor="ctr"/>
+          <a:lstStyle/>
+          <a:p>
+            <a:pPr algn="ctr"/>
+            <a:endParaRPr lang="de-AT"/>
+          </a:p>
+        </p:txBody>
+      </p:sp>
+      <p:sp>
+        <p:nvSpPr>
+          <p:cNvPr id="9" name="Rechteck 14"/>
+          <p:cNvSpPr/>
+          <p:nvPr/>
+        </p:nvSpPr>
+        <p:spPr>
+          <a:xfrm>
+            <a:off x="2905814" y="2544331"/>
+            <a:ext cx="2379418" cy="402452"/>
+          </a:xfrm>
+          <a:prstGeom prst="rect">
+            <a:avLst/>
+          </a:prstGeom>
+          <a:noFill/>
+          <a:ln w="38100">
+            <a:solidFill>
+              <a:srgbClr val="FF0000"/>
+            </a:solidFill>
+          </a:ln>
+        </p:spPr>
+        <p:style>
+          <a:lnRef idx="2">
+            <a:schemeClr val="accent4">
+              <a:shade val="50000"/>
+            </a:schemeClr>
+          </a:lnRef>
+          <a:fillRef idx="1">
+            <a:schemeClr val="accent4"/>
+          </a:fillRef>
+          <a:effectRef idx="0">
+            <a:schemeClr val="accent4"/>
+          </a:effectRef>
+          <a:fontRef idx="minor">
+            <a:schemeClr val="lt1"/>
+          </a:fontRef>
+        </p:style>
+        <p:txBody>
+          <a:bodyPr rtlCol="0" anchor="ctr"/>
+          <a:lstStyle/>
+          <a:p>
+            <a:pPr algn="ctr"/>
+            <a:endParaRPr lang="de-AT"/>
+          </a:p>
+        </p:txBody>
+      </p:sp>
+      <p:sp>
+        <p:nvSpPr>
+          <p:cNvPr id="10" name="Rechteck 14"/>
+          <p:cNvSpPr/>
+          <p:nvPr/>
+        </p:nvSpPr>
+        <p:spPr>
+          <a:xfrm>
+            <a:off x="2905814" y="2976398"/>
+            <a:ext cx="2379418" cy="402452"/>
+          </a:xfrm>
+          <a:prstGeom prst="rect">
+            <a:avLst/>
+          </a:prstGeom>
+          <a:noFill/>
+          <a:ln w="38100">
+            <a:solidFill>
+              <a:srgbClr val="FF0000"/>
+            </a:solidFill>
+          </a:ln>
+        </p:spPr>
+        <p:style>
+          <a:lnRef idx="2">
+            <a:schemeClr val="accent4">
+              <a:shade val="50000"/>
+            </a:schemeClr>
+          </a:lnRef>
+          <a:fillRef idx="1">
+            <a:schemeClr val="accent4"/>
+          </a:fillRef>
+          <a:effectRef idx="0">
+            <a:schemeClr val="accent4"/>
+          </a:effectRef>
+          <a:fontRef idx="minor">
+            <a:schemeClr val="lt1"/>
+          </a:fontRef>
+        </p:style>
+        <p:txBody>
+          <a:bodyPr rtlCol="0" anchor="ctr"/>
+          <a:lstStyle/>
+          <a:p>
+            <a:pPr algn="ctr"/>
+            <a:endParaRPr lang="de-AT"/>
+          </a:p>
+        </p:txBody>
+      </p:sp>
+      <p:sp>
+        <p:nvSpPr>
+          <p:cNvPr id="11" name="Rechteck 14"/>
+          <p:cNvSpPr/>
+          <p:nvPr/>
+        </p:nvSpPr>
+        <p:spPr>
+          <a:xfrm>
+            <a:off x="2905814" y="4272917"/>
+            <a:ext cx="2379418" cy="402452"/>
+          </a:xfrm>
+          <a:prstGeom prst="rect">
+            <a:avLst/>
+          </a:prstGeom>
+          <a:noFill/>
+          <a:ln w="38100">
+            <a:solidFill>
+              <a:srgbClr val="FF0000"/>
+            </a:solidFill>
+          </a:ln>
+        </p:spPr>
+        <p:style>
+          <a:lnRef idx="2">
+            <a:schemeClr val="accent4">
+              <a:shade val="50000"/>
+            </a:schemeClr>
+          </a:lnRef>
+          <a:fillRef idx="1">
+            <a:schemeClr val="accent4"/>
+          </a:fillRef>
+          <a:effectRef idx="0">
+            <a:schemeClr val="accent4"/>
+          </a:effectRef>
+          <a:fontRef idx="minor">
+            <a:schemeClr val="lt1"/>
+          </a:fontRef>
+        </p:style>
+        <p:txBody>
+          <a:bodyPr rtlCol="0" anchor="ctr"/>
+          <a:lstStyle/>
+          <a:p>
+            <a:pPr algn="ctr"/>
+            <a:endParaRPr lang="de-AT"/>
+          </a:p>
+        </p:txBody>
+      </p:sp>
+    </p:spTree>
+    <p:extLst>
+      <p:ext uri="{BB962C8B-B14F-4D97-AF65-F5344CB8AC3E}">
+        <p14:creationId xmlns:p14="http://schemas.microsoft.com/office/powerpoint/2010/main" val="2470526478"/>
+      </p:ext>
+    </p:extLst>
+  </p:cSld>
+  <p:clrMapOvr>
+    <a:masterClrMapping/>
+  </p:clrMapOvr>
+  <p:transition spd="slow">
+    <p:push/>
+  </p:transition>
+  <p:timing>
+    <p:tnLst>
+      <p:par>
+        <p:cTn id="1" dur="indefinite" restart="never" nodeType="tmRoot">
+          <p:childTnLst>
+            <p:seq concurrent="1" nextAc="seek">
+              <p:cTn id="2" dur="indefinite" nodeType="mainSeq">
+                <p:childTnLst>
+                  <p:par>
+                    <p:cTn id="3" fill="hold">
+                      <p:stCondLst>
+                        <p:cond delay="indefinite"/>
+                      </p:stCondLst>
+                      <p:childTnLst>
+                        <p:par>
+                          <p:cTn id="4" fill="hold">
+                            <p:stCondLst>
+                              <p:cond delay="0"/>
+                            </p:stCondLst>
+                            <p:childTnLst>
+                              <p:par>
+                                <p:cTn id="5" presetID="10" presetClass="entr" presetSubtype="0" fill="hold" grpId="0" nodeType="clickEffect">
+                                  <p:stCondLst>
+                                    <p:cond delay="0"/>
+                                  </p:stCondLst>
+                                  <p:childTnLst>
+                                    <p:set>
+                                      <p:cBhvr>
+                                        <p:cTn id="6" dur="1" fill="hold">
+                                          <p:stCondLst>
+                                            <p:cond delay="0"/>
+                                          </p:stCondLst>
+                                        </p:cTn>
+                                        <p:tgtEl>
+                                          <p:spTgt spid="7"/>
+                                        </p:tgtEl>
+                                        <p:attrNameLst>
+                                          <p:attrName>style.visibility</p:attrName>
+                                        </p:attrNameLst>
+                                      </p:cBhvr>
+                                      <p:to>
+                                        <p:strVal val="visible"/>
+                                      </p:to>
+                                    </p:set>
+                                    <p:animEffect transition="in" filter="fade">
+                                      <p:cBhvr>
+                                        <p:cTn id="7" dur="500"/>
+                                        <p:tgtEl>
+                                          <p:spTgt spid="7"/>
+                                        </p:tgtEl>
+                                      </p:cBhvr>
+                                    </p:animEffect>
+                                  </p:childTnLst>
+                                </p:cTn>
+                              </p:par>
+                            </p:childTnLst>
+                          </p:cTn>
+                        </p:par>
+                      </p:childTnLst>
+                    </p:cTn>
+                  </p:par>
+                  <p:par>
+                    <p:cTn id="8" fill="hold">
+                      <p:stCondLst>
+                        <p:cond delay="indefinite"/>
+                      </p:stCondLst>
+                      <p:childTnLst>
+                        <p:par>
+                          <p:cTn id="9" fill="hold">
+                            <p:stCondLst>
+                              <p:cond delay="0"/>
+                            </p:stCondLst>
+                            <p:childTnLst>
+                              <p:par>
+                                <p:cTn id="10" presetID="10" presetClass="entr" presetSubtype="0" fill="hold" grpId="0" nodeType="clickEffect">
+                                  <p:stCondLst>
+                                    <p:cond delay="0"/>
+                                  </p:stCondLst>
+                                  <p:childTnLst>
+                                    <p:set>
+                                      <p:cBhvr>
+                                        <p:cTn id="11" dur="1" fill="hold">
+                                          <p:stCondLst>
+                                            <p:cond delay="0"/>
+                                          </p:stCondLst>
+                                        </p:cTn>
+                                        <p:tgtEl>
+                                          <p:spTgt spid="9"/>
+                                        </p:tgtEl>
+                                        <p:attrNameLst>
+                                          <p:attrName>style.visibility</p:attrName>
+                                        </p:attrNameLst>
+                                      </p:cBhvr>
+                                      <p:to>
+                                        <p:strVal val="visible"/>
+                                      </p:to>
+                                    </p:set>
+                                    <p:animEffect transition="in" filter="fade">
+                                      <p:cBhvr>
+                                        <p:cTn id="12" dur="500"/>
+                                        <p:tgtEl>
+                                          <p:spTgt spid="9"/>
+                                        </p:tgtEl>
+                                      </p:cBhvr>
+                                    </p:animEffect>
+                                  </p:childTnLst>
+                                </p:cTn>
+                              </p:par>
+                            </p:childTnLst>
+                          </p:cTn>
+                        </p:par>
+                      </p:childTnLst>
+                    </p:cTn>
+                  </p:par>
+                  <p:par>
+                    <p:cTn id="13" fill="hold">
+                      <p:stCondLst>
+                        <p:cond delay="indefinite"/>
+                      </p:stCondLst>
+                      <p:childTnLst>
+                        <p:par>
+                          <p:cTn id="14" fill="hold">
+                            <p:stCondLst>
+                              <p:cond delay="0"/>
+                            </p:stCondLst>
+                            <p:childTnLst>
+                              <p:par>
+                                <p:cTn id="15" presetID="10" presetClass="entr" presetSubtype="0" fill="hold" grpId="0" nodeType="clickEffect">
+                                  <p:stCondLst>
+                                    <p:cond delay="0"/>
+                                  </p:stCondLst>
+                                  <p:childTnLst>
+                                    <p:set>
+                                      <p:cBhvr>
+                                        <p:cTn id="16" dur="1" fill="hold">
+                                          <p:stCondLst>
+                                            <p:cond delay="0"/>
+                                          </p:stCondLst>
+                                        </p:cTn>
+                                        <p:tgtEl>
+                                          <p:spTgt spid="10"/>
+                                        </p:tgtEl>
+                                        <p:attrNameLst>
+                                          <p:attrName>style.visibility</p:attrName>
+                                        </p:attrNameLst>
+                                      </p:cBhvr>
+                                      <p:to>
+                                        <p:strVal val="visible"/>
+                                      </p:to>
+                                    </p:set>
+                                    <p:animEffect transition="in" filter="fade">
+                                      <p:cBhvr>
+                                        <p:cTn id="17" dur="500"/>
+                                        <p:tgtEl>
+                                          <p:spTgt spid="10"/>
+                                        </p:tgtEl>
+                                      </p:cBhvr>
+                                    </p:animEffect>
+                                  </p:childTnLst>
+                                </p:cTn>
+                              </p:par>
+                            </p:childTnLst>
+                          </p:cTn>
+                        </p:par>
+                      </p:childTnLst>
+                    </p:cTn>
+                  </p:par>
+                  <p:par>
+                    <p:cTn id="18" fill="hold">
+                      <p:stCondLst>
+                        <p:cond delay="indefinite"/>
+                      </p:stCondLst>
+                      <p:childTnLst>
+                        <p:par>
+                          <p:cTn id="19" fill="hold">
+                            <p:stCondLst>
+                              <p:cond delay="0"/>
+                            </p:stCondLst>
+                            <p:childTnLst>
+                              <p:par>
+                                <p:cTn id="20" presetID="10" presetClass="entr" presetSubtype="0" fill="hold" grpId="0" nodeType="clickEffect">
+                                  <p:stCondLst>
+                                    <p:cond delay="0"/>
+                                  </p:stCondLst>
+                                  <p:childTnLst>
+                                    <p:set>
+                                      <p:cBhvr>
+                                        <p:cTn id="21" dur="1" fill="hold">
+                                          <p:stCondLst>
+                                            <p:cond delay="0"/>
+                                          </p:stCondLst>
+                                        </p:cTn>
+                                        <p:tgtEl>
+                                          <p:spTgt spid="11"/>
+                                        </p:tgtEl>
+                                        <p:attrNameLst>
+                                          <p:attrName>style.visibility</p:attrName>
+                                        </p:attrNameLst>
+                                      </p:cBhvr>
+                                      <p:to>
+                                        <p:strVal val="visible"/>
+                                      </p:to>
+                                    </p:set>
+                                    <p:animEffect transition="in" filter="fade">
+                                      <p:cBhvr>
+                                        <p:cTn id="22" dur="500"/>
+                                        <p:tgtEl>
+                                          <p:spTgt spid="11"/>
+                                        </p:tgtEl>
+                                      </p:cBhvr>
+                                    </p:animEffect>
+                                  </p:childTnLst>
+                                </p:cTn>
+                              </p:par>
+                            </p:childTnLst>
+                          </p:cTn>
+                        </p:par>
+                      </p:childTnLst>
+                    </p:cTn>
+                  </p:par>
+                </p:childTnLst>
+              </p:cTn>
+              <p:prevCondLst>
+                <p:cond evt="onPrev" delay="0">
+                  <p:tgtEl>
+                    <p:sldTgt/>
+                  </p:tgtEl>
+                </p:cond>
+              </p:prevCondLst>
+              <p:nextCondLst>
+                <p:cond evt="onNext" delay="0">
+                  <p:tgtEl>
+                    <p:sldTgt/>
+                  </p:tgtEl>
+                </p:cond>
+              </p:nextCondLst>
+            </p:seq>
+          </p:childTnLst>
+        </p:cTn>
+      </p:par>
+    </p:tnLst>
+    <p:bldLst>
+      <p:bldP spid="7" grpId="0" animBg="1"/>
+      <p:bldP spid="9" grpId="0" animBg="1"/>
+      <p:bldP spid="10" grpId="0" animBg="1"/>
+      <p:bldP spid="11" grpId="0" animBg="1"/>
+    </p:bldLst>
+  </p:timing>
+</p:sld>
+</file>
+
+<file path=ppt/slides/slide85.xml><?xml version="1.0" encoding="utf-8"?>
+<p:sld xmlns:a="http://schemas.openxmlformats.org/drawingml/2006/main" xmlns:r="http://schemas.openxmlformats.org/officeDocument/2006/relationships" xmlns:p="http://schemas.openxmlformats.org/presentationml/2006/main">
+  <p:cSld>
+    <p:spTree>
+      <p:nvGrpSpPr>
+        <p:cNvPr id="1" name=""/>
+        <p:cNvGrpSpPr/>
+        <p:nvPr/>
+      </p:nvGrpSpPr>
+      <p:grpSpPr>
+        <a:xfrm>
+          <a:off x="0" y="0"/>
+          <a:ext cx="0" cy="0"/>
+          <a:chOff x="0" y="0"/>
+          <a:chExt cx="0" cy="0"/>
+        </a:xfrm>
+      </p:grpSpPr>
+      <p:sp>
+        <p:nvSpPr>
+          <p:cNvPr id="2" name="Title 1"/>
+          <p:cNvSpPr>
+            <a:spLocks noGrp="1"/>
+          </p:cNvSpPr>
+          <p:nvPr>
+            <p:ph type="title"/>
+          </p:nvPr>
+        </p:nvSpPr>
+        <p:spPr/>
+        <p:txBody>
+          <a:bodyPr/>
+          <a:lstStyle/>
+          <a:p>
+            <a:r>
+              <a:rPr lang="en-US" dirty="0" smtClean="0"/>
+              <a:t>Components Best Practices</a:t>
+            </a:r>
+            <a:endParaRPr lang="de-AT" dirty="0"/>
+          </a:p>
+        </p:txBody>
+      </p:sp>
+      <p:sp>
+        <p:nvSpPr>
+          <p:cNvPr id="3" name="Content Placeholder 2"/>
+          <p:cNvSpPr>
+            <a:spLocks noGrp="1"/>
+          </p:cNvSpPr>
+          <p:nvPr>
+            <p:ph sz="quarter" idx="12"/>
+          </p:nvPr>
+        </p:nvSpPr>
+        <p:spPr/>
+        <p:txBody>
+          <a:bodyPr/>
+          <a:lstStyle/>
+          <a:p>
+            <a:r>
+              <a:rPr lang="en-US" dirty="0"/>
+              <a:t>See </a:t>
+            </a:r>
+            <a:r>
+              <a:rPr lang="en-US" dirty="0">
+                <a:hlinkClick r:id="rId2"/>
+              </a:rPr>
+              <a:t>https://</a:t>
+            </a:r>
+            <a:r>
+              <a:rPr lang="en-US" dirty="0" smtClean="0">
+                <a:hlinkClick r:id="rId2"/>
+              </a:rPr>
+              <a:t>docs.angularjs.org/guide/component</a:t>
+            </a:r>
+            <a:endParaRPr lang="en-US" dirty="0" smtClean="0"/>
+          </a:p>
+          <a:p>
+            <a:r>
+              <a:rPr lang="en-US" dirty="0" smtClean="0"/>
+              <a:t>Inputs: ‘&lt;‘ </a:t>
+            </a:r>
+            <a:r>
+              <a:rPr lang="en-US" dirty="0" err="1" smtClean="0"/>
+              <a:t>oder</a:t>
+            </a:r>
+            <a:r>
+              <a:rPr lang="en-US" dirty="0" smtClean="0"/>
+              <a:t> ‘@’</a:t>
+            </a:r>
+          </a:p>
+          <a:p>
+            <a:r>
+              <a:rPr lang="en-US" dirty="0" smtClean="0"/>
+              <a:t>Outputs: Events + event data</a:t>
+            </a:r>
+          </a:p>
+          <a:p>
+            <a:r>
+              <a:rPr lang="en-US" dirty="0" err="1" smtClean="0"/>
+              <a:t>Objektbäume</a:t>
+            </a:r>
+            <a:r>
+              <a:rPr lang="en-US" dirty="0" smtClean="0"/>
+              <a:t> </a:t>
+            </a:r>
+            <a:r>
+              <a:rPr lang="en-US" dirty="0" err="1" smtClean="0"/>
+              <a:t>nicht</a:t>
+            </a:r>
+            <a:r>
+              <a:rPr lang="en-US" dirty="0" smtClean="0"/>
+              <a:t> </a:t>
+            </a:r>
+            <a:r>
+              <a:rPr lang="en-US" dirty="0" err="1" smtClean="0"/>
+              <a:t>direkt</a:t>
+            </a:r>
+            <a:r>
+              <a:rPr lang="en-US" dirty="0" smtClean="0"/>
+              <a:t> </a:t>
+            </a:r>
+            <a:r>
+              <a:rPr lang="en-US" dirty="0" err="1" smtClean="0"/>
+              <a:t>modifizieren</a:t>
+            </a:r>
+            <a:r>
+              <a:rPr lang="en-US" dirty="0" smtClean="0"/>
+              <a:t>!</a:t>
+            </a:r>
+          </a:p>
+          <a:p>
+            <a:pPr lvl="1"/>
+            <a:r>
+              <a:rPr lang="en-US" dirty="0" err="1" smtClean="0"/>
+              <a:t>Technisch</a:t>
+            </a:r>
+            <a:r>
+              <a:rPr lang="en-US" dirty="0" smtClean="0"/>
+              <a:t> </a:t>
+            </a:r>
+            <a:r>
+              <a:rPr lang="en-US" dirty="0" err="1" smtClean="0"/>
+              <a:t>möglich</a:t>
+            </a:r>
+            <a:r>
+              <a:rPr lang="en-US" dirty="0" smtClean="0"/>
+              <a:t> (in angular 1.5)</a:t>
+            </a:r>
+          </a:p>
+          <a:p>
+            <a:pPr lvl="1"/>
+            <a:r>
+              <a:rPr lang="en-US" dirty="0" err="1" smtClean="0"/>
+              <a:t>Bricht</a:t>
+            </a:r>
+            <a:r>
+              <a:rPr lang="en-US" dirty="0" smtClean="0"/>
+              <a:t> dirty-checking in angular 2</a:t>
+            </a:r>
+          </a:p>
+        </p:txBody>
+      </p:sp>
+      <p:sp>
+        <p:nvSpPr>
+          <p:cNvPr id="4" name="Text Placeholder 3"/>
+          <p:cNvSpPr>
+            <a:spLocks noGrp="1"/>
+          </p:cNvSpPr>
+          <p:nvPr>
+            <p:ph type="body" sz="quarter" idx="23"/>
+          </p:nvPr>
+        </p:nvSpPr>
+        <p:spPr/>
+        <p:txBody>
+          <a:bodyPr/>
+          <a:lstStyle/>
+          <a:p>
+            <a:endParaRPr lang="de-AT"/>
+          </a:p>
+        </p:txBody>
+      </p:sp>
+    </p:spTree>
+    <p:extLst>
+      <p:ext uri="{BB962C8B-B14F-4D97-AF65-F5344CB8AC3E}">
+        <p14:creationId xmlns:p14="http://schemas.microsoft.com/office/powerpoint/2010/main" val="2960012314"/>
+      </p:ext>
+    </p:extLst>
+  </p:cSld>
+  <p:clrMapOvr>
+    <a:masterClrMapping/>
+  </p:clrMapOvr>
+  <p:transition spd="slow">
+    <p:push/>
+  </p:transition>
+  <p:timing>
+    <p:tnLst>
+      <p:par>
+        <p:cTn id="1" dur="indefinite" restart="never" nodeType="tmRoot"/>
+      </p:par>
+    </p:tnLst>
+  </p:timing>
+</p:sld>
+</file>
+
+<file path=ppt/slides/slide86.xml><?xml version="1.0" encoding="utf-8"?>
+<p:sld xmlns:a="http://schemas.openxmlformats.org/drawingml/2006/main" xmlns:r="http://schemas.openxmlformats.org/officeDocument/2006/relationships" xmlns:p="http://schemas.openxmlformats.org/presentationml/2006/main">
+  <p:cSld>
+    <p:spTree>
+      <p:nvGrpSpPr>
+        <p:cNvPr id="1" name=""/>
+        <p:cNvGrpSpPr/>
+        <p:nvPr/>
+      </p:nvGrpSpPr>
+      <p:grpSpPr>
+        <a:xfrm>
+          <a:off x="0" y="0"/>
+          <a:ext cx="0" cy="0"/>
+          <a:chOff x="0" y="0"/>
+          <a:chExt cx="0" cy="0"/>
+        </a:xfrm>
+      </p:grpSpPr>
+      <p:sp>
+        <p:nvSpPr>
+          <p:cNvPr id="2" name="Title 1"/>
+          <p:cNvSpPr>
+            <a:spLocks noGrp="1"/>
+          </p:cNvSpPr>
+          <p:nvPr>
+            <p:ph type="title"/>
+          </p:nvPr>
+        </p:nvSpPr>
+        <p:spPr/>
+        <p:txBody>
+          <a:bodyPr/>
+          <a:lstStyle/>
+          <a:p>
+            <a:r>
+              <a:rPr lang="en-US" dirty="0" smtClean="0"/>
+              <a:t>Lifecycle Hooks</a:t>
+            </a:r>
+            <a:endParaRPr lang="de-AT" dirty="0"/>
+          </a:p>
+        </p:txBody>
+      </p:sp>
+      <p:sp>
+        <p:nvSpPr>
+          <p:cNvPr id="3" name="Content Placeholder 2"/>
+          <p:cNvSpPr>
+            <a:spLocks noGrp="1"/>
+          </p:cNvSpPr>
+          <p:nvPr>
+            <p:ph sz="quarter" idx="12"/>
+          </p:nvPr>
+        </p:nvSpPr>
+        <p:spPr/>
+        <p:txBody>
+          <a:bodyPr/>
+          <a:lstStyle/>
+          <a:p>
+            <a:r>
+              <a:rPr lang="en-US" dirty="0" smtClean="0"/>
+              <a:t>Components </a:t>
+            </a:r>
+            <a:r>
+              <a:rPr lang="en-US" dirty="0" err="1" smtClean="0"/>
+              <a:t>haben</a:t>
+            </a:r>
+            <a:r>
+              <a:rPr lang="en-US" dirty="0" smtClean="0"/>
+              <a:t> </a:t>
+            </a:r>
+            <a:r>
+              <a:rPr lang="en-US" dirty="0" err="1" smtClean="0"/>
+              <a:t>definierten</a:t>
+            </a:r>
+            <a:r>
+              <a:rPr lang="en-US" dirty="0" smtClean="0"/>
+              <a:t> </a:t>
+            </a:r>
+            <a:r>
+              <a:rPr lang="en-US" dirty="0" err="1" smtClean="0"/>
+              <a:t>Lebenszyklus</a:t>
+            </a:r>
+            <a:r>
+              <a:rPr lang="en-US" dirty="0" smtClean="0"/>
+              <a:t>:</a:t>
+            </a:r>
+          </a:p>
+          <a:p>
+            <a:r>
+              <a:rPr lang="en-US" dirty="0" smtClean="0"/>
+              <a:t>$</a:t>
+            </a:r>
+            <a:r>
+              <a:rPr lang="en-US" dirty="0" err="1" smtClean="0"/>
+              <a:t>onInit</a:t>
+            </a:r>
+            <a:r>
+              <a:rPr lang="en-US" dirty="0" smtClean="0"/>
+              <a:t>() </a:t>
+            </a:r>
+          </a:p>
+          <a:p>
+            <a:pPr lvl="1"/>
+            <a:r>
+              <a:rPr lang="en-US" dirty="0" err="1" smtClean="0"/>
+              <a:t>Wird</a:t>
+            </a:r>
+            <a:r>
+              <a:rPr lang="en-US" dirty="0" smtClean="0"/>
+              <a:t> </a:t>
+            </a:r>
+            <a:r>
+              <a:rPr lang="en-US" dirty="0" err="1" smtClean="0"/>
+              <a:t>aufgerufen</a:t>
+            </a:r>
+            <a:r>
+              <a:rPr lang="en-US" dirty="0" smtClean="0"/>
+              <a:t> </a:t>
+            </a:r>
+            <a:r>
+              <a:rPr lang="en-US" dirty="0" err="1" smtClean="0"/>
+              <a:t>nachdem</a:t>
+            </a:r>
+            <a:r>
+              <a:rPr lang="en-US" dirty="0" smtClean="0"/>
+              <a:t> </a:t>
+            </a:r>
+            <a:r>
+              <a:rPr lang="en-US" dirty="0" err="1" smtClean="0"/>
+              <a:t>aller</a:t>
+            </a:r>
+            <a:r>
+              <a:rPr lang="en-US" dirty="0" smtClean="0"/>
+              <a:t> Controller </a:t>
+            </a:r>
+            <a:r>
+              <a:rPr lang="en-US" dirty="0" err="1" smtClean="0"/>
+              <a:t>angelegt</a:t>
+            </a:r>
+            <a:r>
+              <a:rPr lang="en-US" dirty="0" smtClean="0"/>
+              <a:t> </a:t>
+            </a:r>
+            <a:r>
+              <a:rPr lang="en-US" dirty="0" err="1" smtClean="0"/>
+              <a:t>wurden</a:t>
+            </a:r>
+            <a:r>
+              <a:rPr lang="en-US" dirty="0" smtClean="0"/>
+              <a:t> (</a:t>
+            </a:r>
+            <a:r>
+              <a:rPr lang="en-US" dirty="0" err="1" smtClean="0"/>
+              <a:t>auch</a:t>
+            </a:r>
+            <a:r>
+              <a:rPr lang="en-US" dirty="0" smtClean="0"/>
+              <a:t> e.g. nested controller)</a:t>
+            </a:r>
+          </a:p>
+          <a:p>
+            <a:r>
+              <a:rPr lang="en-US" dirty="0" smtClean="0"/>
+              <a:t>$</a:t>
+            </a:r>
+            <a:r>
+              <a:rPr lang="en-US" dirty="0" err="1" smtClean="0"/>
+              <a:t>onChanges</a:t>
+            </a:r>
+            <a:r>
+              <a:rPr lang="en-US" dirty="0" smtClean="0"/>
+              <a:t>(</a:t>
+            </a:r>
+            <a:r>
+              <a:rPr lang="en-US" dirty="0" err="1" smtClean="0"/>
+              <a:t>changesObj</a:t>
+            </a:r>
+            <a:r>
+              <a:rPr lang="en-US" dirty="0" smtClean="0"/>
+              <a:t>)</a:t>
+            </a:r>
+          </a:p>
+          <a:p>
+            <a:pPr lvl="1"/>
+            <a:r>
+              <a:rPr lang="en-US" dirty="0" err="1" smtClean="0"/>
+              <a:t>Wird</a:t>
+            </a:r>
+            <a:r>
+              <a:rPr lang="en-US" dirty="0" smtClean="0"/>
+              <a:t> </a:t>
+            </a:r>
+            <a:r>
+              <a:rPr lang="en-US" dirty="0" err="1" smtClean="0"/>
+              <a:t>aufgerufen</a:t>
+            </a:r>
+            <a:r>
+              <a:rPr lang="en-US" dirty="0" smtClean="0"/>
+              <a:t> </a:t>
+            </a:r>
+            <a:r>
+              <a:rPr lang="en-US" dirty="0" err="1" smtClean="0"/>
+              <a:t>wenn</a:t>
+            </a:r>
+            <a:r>
+              <a:rPr lang="en-US" dirty="0" smtClean="0"/>
+              <a:t> &lt; (read-only) bindings </a:t>
+            </a:r>
+            <a:r>
+              <a:rPr lang="en-US" dirty="0" err="1" smtClean="0"/>
+              <a:t>aktualisiert</a:t>
+            </a:r>
+            <a:r>
+              <a:rPr lang="en-US" dirty="0" smtClean="0"/>
+              <a:t> </a:t>
+            </a:r>
+            <a:r>
+              <a:rPr lang="en-US" dirty="0" err="1" smtClean="0"/>
+              <a:t>werden</a:t>
+            </a:r>
+            <a:endParaRPr lang="en-US" dirty="0" smtClean="0"/>
+          </a:p>
+          <a:p>
+            <a:r>
+              <a:rPr lang="en-US" dirty="0" smtClean="0"/>
+              <a:t>$</a:t>
+            </a:r>
+            <a:r>
+              <a:rPr lang="en-US" dirty="0" err="1" smtClean="0"/>
+              <a:t>onDestroy</a:t>
+            </a:r>
+            <a:r>
+              <a:rPr lang="en-US" dirty="0" smtClean="0"/>
+              <a:t>()</a:t>
+            </a:r>
+          </a:p>
+          <a:p>
+            <a:pPr lvl="1"/>
+            <a:r>
+              <a:rPr lang="en-US" dirty="0" err="1" smtClean="0"/>
+              <a:t>Wird</a:t>
+            </a:r>
+            <a:r>
+              <a:rPr lang="en-US" dirty="0" smtClean="0"/>
+              <a:t> </a:t>
+            </a:r>
+            <a:r>
+              <a:rPr lang="en-US" dirty="0" err="1" smtClean="0"/>
+              <a:t>aufgerufen</a:t>
+            </a:r>
+            <a:r>
+              <a:rPr lang="en-US" dirty="0" smtClean="0"/>
+              <a:t> </a:t>
+            </a:r>
+            <a:r>
+              <a:rPr lang="en-US" dirty="0" err="1" smtClean="0"/>
+              <a:t>wenn</a:t>
+            </a:r>
+            <a:r>
+              <a:rPr lang="en-US" dirty="0" smtClean="0"/>
+              <a:t> der </a:t>
+            </a:r>
+            <a:r>
+              <a:rPr lang="en-US" dirty="0" err="1" smtClean="0"/>
+              <a:t>umgebende</a:t>
+            </a:r>
+            <a:r>
+              <a:rPr lang="en-US" dirty="0" smtClean="0"/>
+              <a:t> Scope </a:t>
+            </a:r>
+            <a:r>
+              <a:rPr lang="en-US" dirty="0" err="1" smtClean="0"/>
+              <a:t>zerstört</a:t>
+            </a:r>
+            <a:r>
+              <a:rPr lang="en-US" dirty="0" smtClean="0"/>
+              <a:t> </a:t>
+            </a:r>
+            <a:r>
+              <a:rPr lang="en-US" dirty="0" err="1" smtClean="0"/>
+              <a:t>wird</a:t>
+            </a:r>
+            <a:endParaRPr lang="en-US" dirty="0" smtClean="0"/>
+          </a:p>
+          <a:p>
+            <a:r>
+              <a:rPr lang="en-US" dirty="0" smtClean="0"/>
+              <a:t>$</a:t>
+            </a:r>
+            <a:r>
+              <a:rPr lang="en-US" dirty="0" err="1" smtClean="0"/>
+              <a:t>postLink</a:t>
+            </a:r>
+            <a:r>
+              <a:rPr lang="en-US" dirty="0" smtClean="0"/>
+              <a:t>()</a:t>
+            </a:r>
+          </a:p>
+          <a:p>
+            <a:pPr lvl="1"/>
+            <a:r>
+              <a:rPr lang="en-US" dirty="0" err="1" smtClean="0"/>
+              <a:t>Aufruf</a:t>
+            </a:r>
+            <a:r>
+              <a:rPr lang="en-US" dirty="0" smtClean="0"/>
+              <a:t> </a:t>
+            </a:r>
+            <a:r>
+              <a:rPr lang="en-US" dirty="0" err="1"/>
+              <a:t>n</a:t>
+            </a:r>
+            <a:r>
+              <a:rPr lang="en-US" dirty="0" err="1" smtClean="0"/>
+              <a:t>ach</a:t>
+            </a:r>
+            <a:r>
+              <a:rPr lang="en-US" dirty="0" smtClean="0"/>
+              <a:t> </a:t>
+            </a:r>
+            <a:r>
+              <a:rPr lang="en-US" dirty="0" err="1" smtClean="0"/>
+              <a:t>dem</a:t>
+            </a:r>
+            <a:r>
+              <a:rPr lang="en-US" dirty="0" smtClean="0"/>
+              <a:t> </a:t>
+            </a:r>
+            <a:r>
+              <a:rPr lang="en-US" dirty="0" err="1" smtClean="0"/>
+              <a:t>Einhängen</a:t>
+            </a:r>
+            <a:r>
+              <a:rPr lang="en-US" dirty="0" smtClean="0"/>
+              <a:t> in den DOM </a:t>
+            </a:r>
+            <a:r>
+              <a:rPr lang="en-US" dirty="0" err="1" smtClean="0"/>
+              <a:t>baum</a:t>
+            </a:r>
+            <a:r>
+              <a:rPr lang="en-US" dirty="0" smtClean="0"/>
+              <a:t> -&gt; </a:t>
+            </a:r>
+            <a:r>
+              <a:rPr lang="en-US" dirty="0" err="1" smtClean="0"/>
+              <a:t>Direkte</a:t>
+            </a:r>
+            <a:r>
+              <a:rPr lang="en-US" dirty="0" smtClean="0"/>
+              <a:t> DOM Manipulation</a:t>
+            </a:r>
+            <a:endParaRPr lang="de-AT" dirty="0"/>
+          </a:p>
+        </p:txBody>
+      </p:sp>
+      <p:sp>
+        <p:nvSpPr>
+          <p:cNvPr id="4" name="Text Placeholder 3"/>
+          <p:cNvSpPr>
+            <a:spLocks noGrp="1"/>
+          </p:cNvSpPr>
+          <p:nvPr>
+            <p:ph type="body" sz="quarter" idx="23"/>
+          </p:nvPr>
+        </p:nvSpPr>
+        <p:spPr/>
+        <p:txBody>
+          <a:bodyPr/>
+          <a:lstStyle/>
+          <a:p>
+            <a:endParaRPr lang="de-AT"/>
+          </a:p>
+        </p:txBody>
+      </p:sp>
+    </p:spTree>
+    <p:extLst>
+      <p:ext uri="{BB962C8B-B14F-4D97-AF65-F5344CB8AC3E}">
+        <p14:creationId xmlns:p14="http://schemas.microsoft.com/office/powerpoint/2010/main" val="2085734283"/>
+      </p:ext>
+    </p:extLst>
+  </p:cSld>
+  <p:clrMapOvr>
+    <a:masterClrMapping/>
+  </p:clrMapOvr>
+  <p:transition spd="slow">
+    <p:push/>
+  </p:transition>
+  <p:timing>
+    <p:tnLst>
+      <p:par>
+        <p:cTn id="1" dur="indefinite" restart="never" nodeType="tmRoot"/>
+      </p:par>
+    </p:tnLst>
+  </p:timing>
+</p:sld>
+</file>
+
+<file path=ppt/slides/slide87.xml><?xml version="1.0" encoding="utf-8"?>
+<p:sld xmlns:a="http://schemas.openxmlformats.org/drawingml/2006/main" xmlns:r="http://schemas.openxmlformats.org/officeDocument/2006/relationships" xmlns:p="http://schemas.openxmlformats.org/presentationml/2006/main">
+  <p:cSld>
+    <p:spTree>
+      <p:nvGrpSpPr>
+        <p:cNvPr id="1" name=""/>
+        <p:cNvGrpSpPr/>
+        <p:nvPr/>
+      </p:nvGrpSpPr>
+      <p:grpSpPr>
+        <a:xfrm>
+          <a:off x="0" y="0"/>
+          <a:ext cx="0" cy="0"/>
+          <a:chOff x="0" y="0"/>
+          <a:chExt cx="0" cy="0"/>
+        </a:xfrm>
+      </p:grpSpPr>
+      <p:sp>
+        <p:nvSpPr>
+          <p:cNvPr id="2" name="Title 1"/>
+          <p:cNvSpPr>
+            <a:spLocks noGrp="1"/>
+          </p:cNvSpPr>
+          <p:nvPr>
+            <p:ph type="title"/>
+          </p:nvPr>
+        </p:nvSpPr>
+        <p:spPr/>
+        <p:txBody>
+          <a:bodyPr/>
+          <a:lstStyle/>
+          <a:p>
+            <a:r>
+              <a:rPr lang="en-US" dirty="0" smtClean="0"/>
+              <a:t>Component Lifecycle</a:t>
+            </a:r>
+            <a:endParaRPr lang="de-AT" dirty="0"/>
+          </a:p>
+        </p:txBody>
+      </p:sp>
+      <p:sp>
+        <p:nvSpPr>
+          <p:cNvPr id="4" name="Text Placeholder 3"/>
+          <p:cNvSpPr>
+            <a:spLocks noGrp="1"/>
+          </p:cNvSpPr>
+          <p:nvPr>
+            <p:ph type="body" sz="quarter" idx="23"/>
+          </p:nvPr>
+        </p:nvSpPr>
+        <p:spPr/>
+        <p:txBody>
+          <a:bodyPr/>
+          <a:lstStyle/>
+          <a:p>
+            <a:endParaRPr lang="de-AT"/>
+          </a:p>
+        </p:txBody>
+      </p:sp>
+      <p:pic>
+        <p:nvPicPr>
+          <p:cNvPr id="5" name="Picture 4"/>
+          <p:cNvPicPr>
+            <a:picLocks noChangeAspect="1"/>
+          </p:cNvPicPr>
+          <p:nvPr/>
+        </p:nvPicPr>
+        <p:blipFill>
+          <a:blip r:embed="rId2"/>
+          <a:stretch>
+            <a:fillRect/>
+          </a:stretch>
+        </p:blipFill>
+        <p:spPr>
+          <a:xfrm>
+            <a:off x="1395038" y="73151"/>
+            <a:ext cx="6386505" cy="6690233"/>
+          </a:xfrm>
+          <a:prstGeom prst="rect">
+            <a:avLst/>
+          </a:prstGeom>
+        </p:spPr>
+      </p:pic>
+    </p:spTree>
+    <p:extLst>
+      <p:ext uri="{BB962C8B-B14F-4D97-AF65-F5344CB8AC3E}">
+        <p14:creationId xmlns:p14="http://schemas.microsoft.com/office/powerpoint/2010/main" val="2788881006"/>
+      </p:ext>
+    </p:extLst>
+  </p:cSld>
+  <p:clrMapOvr>
+    <a:masterClrMapping/>
+  </p:clrMapOvr>
+  <p:transition spd="slow">
+    <p:push/>
+  </p:transition>
+  <p:timing>
+    <p:tnLst>
+      <p:par>
+        <p:cTn id="1" dur="indefinite" restart="never" nodeType="tmRoot">
+          <p:childTnLst>
+            <p:seq concurrent="1" nextAc="seek">
+              <p:cTn id="2" dur="indefinite" nodeType="mainSeq">
+                <p:childTnLst>
+                  <p:par>
+                    <p:cTn id="3" fill="hold">
+                      <p:stCondLst>
+                        <p:cond delay="indefinite"/>
+                      </p:stCondLst>
+                      <p:childTnLst>
+                        <p:par>
+                          <p:cTn id="4" fill="hold">
+                            <p:stCondLst>
+                              <p:cond delay="0"/>
+                            </p:stCondLst>
+                            <p:childTnLst>
+                              <p:par>
+                                <p:cTn id="5" presetID="1" presetClass="entr" presetSubtype="0" fill="hold" nodeType="clickEffect">
+                                  <p:stCondLst>
+                                    <p:cond delay="0"/>
+                                  </p:stCondLst>
+                                  <p:childTnLst>
+                                    <p:set>
+                                      <p:cBhvr>
+                                        <p:cTn id="6" dur="1" fill="hold">
+                                          <p:stCondLst>
+                                            <p:cond delay="0"/>
+                                          </p:stCondLst>
+                                        </p:cTn>
+                                        <p:tgtEl>
+                                          <p:spTgt spid="5"/>
+                                        </p:tgtEl>
+                                        <p:attrNameLst>
+                                          <p:attrName>style.visibility</p:attrName>
+                                        </p:attrNameLst>
+                                      </p:cBhvr>
+                                      <p:to>
+                                        <p:strVal val="visible"/>
+                                      </p:to>
+                                    </p:set>
+                                  </p:childTnLst>
+                                </p:cTn>
+                              </p:par>
+                            </p:childTnLst>
+                          </p:cTn>
+                        </p:par>
+                      </p:childTnLst>
+                    </p:cTn>
+                  </p:par>
+                </p:childTnLst>
+              </p:cTn>
+              <p:prevCondLst>
+                <p:cond evt="onPrev" delay="0">
+                  <p:tgtEl>
+                    <p:sldTgt/>
+                  </p:tgtEl>
+                </p:cond>
+              </p:prevCondLst>
+              <p:nextCondLst>
+                <p:cond evt="onNext" delay="0">
+                  <p:tgtEl>
+                    <p:sldTgt/>
+                  </p:tgtEl>
+                </p:cond>
+              </p:nextCondLst>
+            </p:seq>
+          </p:childTnLst>
+        </p:cTn>
+      </p:par>
+    </p:tnLst>
+  </p:timing>
+</p:sld>
+</file>
+
 <file path=ppt/slides/slide9.xml><?xml version="1.0" encoding="utf-8"?>
 <p:sld xmlns:a="http://schemas.openxmlformats.org/drawingml/2006/main" xmlns:r="http://schemas.openxmlformats.org/officeDocument/2006/relationships" xmlns:p="http://schemas.openxmlformats.org/presentationml/2006/main">
   <p:cSld>

--- a/slides/AngularJS.pptx
+++ b/slides/AngularJS.pptx
@@ -5,7 +5,7 @@
     <p:sldMasterId id="2147483660" r:id="rId1"/>
   </p:sldMasterIdLst>
   <p:notesMasterIdLst>
-    <p:notesMasterId r:id="rId89"/>
+    <p:notesMasterId r:id="rId91"/>
   </p:notesMasterIdLst>
   <p:sldIdLst>
     <p:sldId id="256" r:id="rId2"/>
@@ -95,6 +95,8 @@
     <p:sldId id="344" r:id="rId86"/>
     <p:sldId id="345" r:id="rId87"/>
     <p:sldId id="346" r:id="rId88"/>
+    <p:sldId id="347" r:id="rId89"/>
+    <p:sldId id="348" r:id="rId90"/>
   </p:sldIdLst>
   <p:sldSz cx="12192000" cy="6858000"/>
   <p:notesSz cx="6858000" cy="9144000"/>
@@ -321,6 +323,12 @@
             <p14:sldId id="344"/>
             <p14:sldId id="345"/>
             <p14:sldId id="346"/>
+          </p14:sldIdLst>
+        </p14:section>
+        <p14:section name="Transclusion" id="{6C8C010E-F998-4F69-ACD1-94743B2B9B8A}">
+          <p14:sldIdLst>
+            <p14:sldId id="347"/>
+            <p14:sldId id="348"/>
           </p14:sldIdLst>
         </p14:section>
       </p14:sectionLst>
@@ -35200,6 +35208,395 @@
 </p:sld>
 </file>
 
+<file path=ppt/slides/slide88.xml><?xml version="1.0" encoding="utf-8"?>
+<p:sld xmlns:a="http://schemas.openxmlformats.org/drawingml/2006/main" xmlns:r="http://schemas.openxmlformats.org/officeDocument/2006/relationships" xmlns:p="http://schemas.openxmlformats.org/presentationml/2006/main">
+  <p:cSld>
+    <p:spTree>
+      <p:nvGrpSpPr>
+        <p:cNvPr id="1" name=""/>
+        <p:cNvGrpSpPr/>
+        <p:nvPr/>
+      </p:nvGrpSpPr>
+      <p:grpSpPr>
+        <a:xfrm>
+          <a:off x="0" y="0"/>
+          <a:ext cx="0" cy="0"/>
+          <a:chOff x="0" y="0"/>
+          <a:chExt cx="0" cy="0"/>
+        </a:xfrm>
+      </p:grpSpPr>
+      <p:sp>
+        <p:nvSpPr>
+          <p:cNvPr id="2" name="Title 1"/>
+          <p:cNvSpPr>
+            <a:spLocks noGrp="1"/>
+          </p:cNvSpPr>
+          <p:nvPr>
+            <p:ph type="title"/>
+          </p:nvPr>
+        </p:nvSpPr>
+        <p:spPr/>
+        <p:txBody>
+          <a:bodyPr/>
+          <a:lstStyle/>
+          <a:p>
+            <a:r>
+              <a:rPr lang="en-US" dirty="0" err="1" smtClean="0"/>
+              <a:t>Transclusion</a:t>
+            </a:r>
+            <a:endParaRPr lang="de-AT" dirty="0"/>
+          </a:p>
+        </p:txBody>
+      </p:sp>
+      <p:sp>
+        <p:nvSpPr>
+          <p:cNvPr id="3" name="Content Placeholder 2"/>
+          <p:cNvSpPr>
+            <a:spLocks noGrp="1"/>
+          </p:cNvSpPr>
+          <p:nvPr>
+            <p:ph sz="quarter" idx="12"/>
+          </p:nvPr>
+        </p:nvSpPr>
+        <p:spPr/>
+        <p:txBody>
+          <a:bodyPr/>
+          <a:lstStyle/>
+          <a:p>
+            <a:r>
+              <a:rPr lang="en-US" dirty="0" err="1" smtClean="0"/>
+              <a:t>Direktiven</a:t>
+            </a:r>
+            <a:r>
+              <a:rPr lang="en-US" dirty="0" smtClean="0"/>
+              <a:t>, die </a:t>
+            </a:r>
+            <a:r>
+              <a:rPr lang="en-US" dirty="0" err="1" smtClean="0"/>
+              <a:t>Inhalte</a:t>
+            </a:r>
+            <a:r>
+              <a:rPr lang="en-US" dirty="0" smtClean="0"/>
+              <a:t> </a:t>
+            </a:r>
+            <a:r>
+              <a:rPr lang="en-US" dirty="0" err="1" smtClean="0"/>
+              <a:t>wrappen</a:t>
+            </a:r>
+            <a:endParaRPr lang="en-US" dirty="0" smtClean="0"/>
+          </a:p>
+          <a:p>
+            <a:r>
+              <a:rPr lang="en-US" dirty="0" err="1" smtClean="0"/>
+              <a:t>Beispiel</a:t>
+            </a:r>
+            <a:r>
+              <a:rPr lang="en-US" dirty="0" smtClean="0"/>
+              <a:t>: </a:t>
+            </a:r>
+            <a:r>
+              <a:rPr lang="en-US" dirty="0" err="1" smtClean="0"/>
+              <a:t>Modaler</a:t>
+            </a:r>
+            <a:r>
+              <a:rPr lang="en-US" dirty="0" smtClean="0"/>
+              <a:t> Dialog</a:t>
+            </a:r>
+          </a:p>
+          <a:p>
+            <a:pPr lvl="1"/>
+            <a:r>
+              <a:rPr lang="en-US" dirty="0" err="1" smtClean="0"/>
+              <a:t>Umrandung</a:t>
+            </a:r>
+            <a:r>
+              <a:rPr lang="en-US" dirty="0" smtClean="0"/>
+              <a:t>, </a:t>
+            </a:r>
+            <a:r>
+              <a:rPr lang="en-US" dirty="0" err="1" smtClean="0"/>
+              <a:t>Schließenbutton</a:t>
+            </a:r>
+            <a:r>
+              <a:rPr lang="en-US" dirty="0" smtClean="0"/>
+              <a:t>, </a:t>
+            </a:r>
+            <a:r>
+              <a:rPr lang="en-US" dirty="0" err="1" smtClean="0"/>
+              <a:t>titlebar</a:t>
+            </a:r>
+            <a:r>
+              <a:rPr lang="en-US" dirty="0" smtClean="0"/>
+              <a:t> </a:t>
+            </a:r>
+            <a:r>
+              <a:rPr lang="en-US" dirty="0" err="1" smtClean="0"/>
+              <a:t>etc</a:t>
+            </a:r>
+            <a:r>
+              <a:rPr lang="en-US" dirty="0" smtClean="0"/>
+              <a:t>, </a:t>
+            </a:r>
+            <a:r>
+              <a:rPr lang="en-US" dirty="0" err="1" smtClean="0"/>
+              <a:t>haben</a:t>
+            </a:r>
+            <a:r>
+              <a:rPr lang="en-US" dirty="0" smtClean="0"/>
+              <a:t> </a:t>
+            </a:r>
+            <a:r>
+              <a:rPr lang="en-US" dirty="0" err="1" smtClean="0"/>
+              <a:t>gleiche</a:t>
+            </a:r>
+            <a:r>
+              <a:rPr lang="en-US" dirty="0" smtClean="0"/>
+              <a:t> </a:t>
+            </a:r>
+            <a:r>
+              <a:rPr lang="en-US" dirty="0" err="1" smtClean="0"/>
+              <a:t>Struktur</a:t>
+            </a:r>
+            <a:endParaRPr lang="en-US" dirty="0" smtClean="0"/>
+          </a:p>
+          <a:p>
+            <a:pPr lvl="1"/>
+            <a:r>
+              <a:rPr lang="en-US" dirty="0" err="1" smtClean="0"/>
+              <a:t>Inhalt</a:t>
+            </a:r>
+            <a:r>
+              <a:rPr lang="en-US" dirty="0" smtClean="0"/>
+              <a:t>: </a:t>
+            </a:r>
+            <a:r>
+              <a:rPr lang="en-US" dirty="0" err="1" smtClean="0"/>
+              <a:t>Dynamisch</a:t>
+            </a:r>
+            <a:r>
+              <a:rPr lang="en-US" dirty="0" smtClean="0"/>
+              <a:t>, </a:t>
+            </a:r>
+            <a:r>
+              <a:rPr lang="en-US" dirty="0" err="1" smtClean="0"/>
+              <a:t>bestimmt</a:t>
+            </a:r>
+            <a:r>
+              <a:rPr lang="en-US" dirty="0" smtClean="0"/>
+              <a:t> </a:t>
+            </a:r>
+            <a:r>
+              <a:rPr lang="en-US" dirty="0" err="1" smtClean="0"/>
+              <a:t>durch</a:t>
+            </a:r>
+            <a:r>
+              <a:rPr lang="en-US" dirty="0" smtClean="0"/>
+              <a:t> </a:t>
+            </a:r>
+            <a:r>
+              <a:rPr lang="en-US" dirty="0" err="1" smtClean="0"/>
+              <a:t>Anwendung</a:t>
+            </a:r>
+            <a:r>
+              <a:rPr lang="en-US" dirty="0" smtClean="0"/>
+              <a:t> der </a:t>
+            </a:r>
+            <a:r>
+              <a:rPr lang="en-US" dirty="0" err="1" smtClean="0"/>
+              <a:t>Direktive</a:t>
+            </a:r>
+            <a:endParaRPr lang="de-AT" dirty="0" smtClean="0"/>
+          </a:p>
+          <a:p>
+            <a:pPr lvl="1"/>
+            <a:endParaRPr lang="en-US" dirty="0" smtClean="0"/>
+          </a:p>
+        </p:txBody>
+      </p:sp>
+      <p:sp>
+        <p:nvSpPr>
+          <p:cNvPr id="4" name="Text Placeholder 3"/>
+          <p:cNvSpPr>
+            <a:spLocks noGrp="1"/>
+          </p:cNvSpPr>
+          <p:nvPr>
+            <p:ph type="body" sz="quarter" idx="23"/>
+          </p:nvPr>
+        </p:nvSpPr>
+        <p:spPr/>
+        <p:txBody>
+          <a:bodyPr/>
+          <a:lstStyle/>
+          <a:p>
+            <a:endParaRPr lang="de-AT"/>
+          </a:p>
+        </p:txBody>
+      </p:sp>
+    </p:spTree>
+    <p:extLst>
+      <p:ext uri="{BB962C8B-B14F-4D97-AF65-F5344CB8AC3E}">
+        <p14:creationId xmlns:p14="http://schemas.microsoft.com/office/powerpoint/2010/main" val="3939587667"/>
+      </p:ext>
+    </p:extLst>
+  </p:cSld>
+  <p:clrMapOvr>
+    <a:masterClrMapping/>
+  </p:clrMapOvr>
+  <p:transition spd="slow">
+    <p:push/>
+  </p:transition>
+  <p:timing>
+    <p:tnLst>
+      <p:par>
+        <p:cTn id="1" dur="indefinite" restart="never" nodeType="tmRoot"/>
+      </p:par>
+    </p:tnLst>
+  </p:timing>
+</p:sld>
+</file>
+
+<file path=ppt/slides/slide89.xml><?xml version="1.0" encoding="utf-8"?>
+<p:sld xmlns:a="http://schemas.openxmlformats.org/drawingml/2006/main" xmlns:r="http://schemas.openxmlformats.org/officeDocument/2006/relationships" xmlns:p="http://schemas.openxmlformats.org/presentationml/2006/main">
+  <p:cSld>
+    <p:spTree>
+      <p:nvGrpSpPr>
+        <p:cNvPr id="1" name=""/>
+        <p:cNvGrpSpPr/>
+        <p:nvPr/>
+      </p:nvGrpSpPr>
+      <p:grpSpPr>
+        <a:xfrm>
+          <a:off x="0" y="0"/>
+          <a:ext cx="0" cy="0"/>
+          <a:chOff x="0" y="0"/>
+          <a:chExt cx="0" cy="0"/>
+        </a:xfrm>
+      </p:grpSpPr>
+      <p:sp>
+        <p:nvSpPr>
+          <p:cNvPr id="2" name="Title 1"/>
+          <p:cNvSpPr>
+            <a:spLocks noGrp="1"/>
+          </p:cNvSpPr>
+          <p:nvPr>
+            <p:ph type="title"/>
+          </p:nvPr>
+        </p:nvSpPr>
+        <p:spPr/>
+        <p:txBody>
+          <a:bodyPr/>
+          <a:lstStyle/>
+          <a:p>
+            <a:r>
+              <a:rPr lang="en-US" dirty="0" err="1" smtClean="0"/>
+              <a:t>Transclusion</a:t>
+            </a:r>
+            <a:r>
+              <a:rPr lang="en-US" dirty="0" smtClean="0"/>
+              <a:t> Slots</a:t>
+            </a:r>
+            <a:endParaRPr lang="de-AT" dirty="0"/>
+          </a:p>
+        </p:txBody>
+      </p:sp>
+      <p:sp>
+        <p:nvSpPr>
+          <p:cNvPr id="3" name="Content Placeholder 2"/>
+          <p:cNvSpPr>
+            <a:spLocks noGrp="1"/>
+          </p:cNvSpPr>
+          <p:nvPr>
+            <p:ph sz="quarter" idx="12"/>
+          </p:nvPr>
+        </p:nvSpPr>
+        <p:spPr/>
+        <p:txBody>
+          <a:bodyPr/>
+          <a:lstStyle/>
+          <a:p>
+            <a:r>
+              <a:rPr lang="en-US" dirty="0" err="1" smtClean="0"/>
+              <a:t>Mehrere</a:t>
+            </a:r>
+            <a:r>
+              <a:rPr lang="en-US" dirty="0" smtClean="0"/>
+              <a:t> </a:t>
+            </a:r>
+            <a:r>
+              <a:rPr lang="en-US" dirty="0" err="1" smtClean="0"/>
+              <a:t>Transclusions</a:t>
+            </a:r>
+            <a:r>
+              <a:rPr lang="en-US" dirty="0" smtClean="0"/>
+              <a:t> pro directive</a:t>
+            </a:r>
+          </a:p>
+          <a:p>
+            <a:pPr lvl="1"/>
+            <a:r>
+              <a:rPr lang="en-US" dirty="0" smtClean="0"/>
+              <a:t>E.g. Title content, Body content</a:t>
+            </a:r>
+          </a:p>
+          <a:p>
+            <a:r>
+              <a:rPr lang="en-US" dirty="0" err="1" smtClean="0"/>
+              <a:t>Durch</a:t>
+            </a:r>
+            <a:r>
+              <a:rPr lang="en-US" dirty="0" smtClean="0"/>
+              <a:t> Name </a:t>
+            </a:r>
+            <a:r>
+              <a:rPr lang="en-US" dirty="0" err="1" smtClean="0"/>
+              <a:t>identifiziert</a:t>
+            </a:r>
+            <a:endParaRPr lang="de-AT" dirty="0"/>
+          </a:p>
+        </p:txBody>
+      </p:sp>
+      <p:sp>
+        <p:nvSpPr>
+          <p:cNvPr id="4" name="Text Placeholder 3"/>
+          <p:cNvSpPr>
+            <a:spLocks noGrp="1"/>
+          </p:cNvSpPr>
+          <p:nvPr>
+            <p:ph type="body" sz="quarter" idx="23"/>
+          </p:nvPr>
+        </p:nvSpPr>
+        <p:spPr/>
+        <p:txBody>
+          <a:bodyPr/>
+          <a:lstStyle/>
+          <a:p>
+            <a:endParaRPr lang="de-AT"/>
+          </a:p>
+        </p:txBody>
+      </p:sp>
+    </p:spTree>
+    <p:extLst>
+      <p:ext uri="{BB962C8B-B14F-4D97-AF65-F5344CB8AC3E}">
+        <p14:creationId xmlns:p14="http://schemas.microsoft.com/office/powerpoint/2010/main" val="996991786"/>
+      </p:ext>
+    </p:extLst>
+  </p:cSld>
+  <p:clrMapOvr>
+    <a:masterClrMapping/>
+  </p:clrMapOvr>
+  <p:transition spd="slow">
+    <p:push/>
+  </p:transition>
+  <p:timing>
+    <p:tnLst>
+      <p:par>
+        <p:cTn id="1" dur="indefinite" restart="never" nodeType="tmRoot"/>
+      </p:par>
+    </p:tnLst>
+  </p:timing>
+</p:sld>
+</file>
+
 <file path=ppt/slides/slide9.xml><?xml version="1.0" encoding="utf-8"?>
 <p:sld xmlns:a="http://schemas.openxmlformats.org/drawingml/2006/main" xmlns:r="http://schemas.openxmlformats.org/officeDocument/2006/relationships" xmlns:p="http://schemas.openxmlformats.org/presentationml/2006/main">
   <p:cSld>

--- a/slides/AngularJS.pptx
+++ b/slides/AngularJS.pptx
@@ -5,7 +5,7 @@
     <p:sldMasterId id="2147483660" r:id="rId1"/>
   </p:sldMasterIdLst>
   <p:notesMasterIdLst>
-    <p:notesMasterId r:id="rId91"/>
+    <p:notesMasterId r:id="rId92"/>
   </p:notesMasterIdLst>
   <p:sldIdLst>
     <p:sldId id="256" r:id="rId2"/>
@@ -95,8 +95,9 @@
     <p:sldId id="344" r:id="rId86"/>
     <p:sldId id="345" r:id="rId87"/>
     <p:sldId id="346" r:id="rId88"/>
-    <p:sldId id="347" r:id="rId89"/>
-    <p:sldId id="348" r:id="rId90"/>
+    <p:sldId id="349" r:id="rId89"/>
+    <p:sldId id="347" r:id="rId90"/>
+    <p:sldId id="348" r:id="rId91"/>
   </p:sldIdLst>
   <p:sldSz cx="12192000" cy="6858000"/>
   <p:notesSz cx="6858000" cy="9144000"/>
@@ -323,6 +324,7 @@
             <p14:sldId id="344"/>
             <p14:sldId id="345"/>
             <p14:sldId id="346"/>
+            <p14:sldId id="349"/>
           </p14:sldIdLst>
         </p14:section>
         <p14:section name="Transclusion" id="{6C8C010E-F998-4F69-ACD1-94743B2B9B8A}">
@@ -422,7 +424,7 @@
           <a:p>
             <a:fld id="{4837C6CC-C2FC-4BED-8348-2E96B1BEB824}" type="datetimeFigureOut">
               <a:rPr lang="de-AT" smtClean="0"/>
-              <a:t>29.03.2016</a:t>
+              <a:t>06.06.2016</a:t>
             </a:fld>
             <a:endParaRPr lang="de-AT"/>
           </a:p>
@@ -581,7 +583,7 @@
           <a:p>
             <a:fld id="{3ED8300C-D1FA-477F-A2B8-EC6998E43AEE}" type="slidenum">
               <a:rPr lang="de-AT" smtClean="0"/>
-              <a:t>‹#›</a:t>
+              <a:t>‹Nr.›</a:t>
             </a:fld>
             <a:endParaRPr lang="de-AT"/>
           </a:p>
@@ -6777,7 +6779,7 @@
           <a:p>
             <a:fld id="{3ECD1B6F-0B74-438A-A710-326310E0C2AE}" type="datetimeFigureOut">
               <a:rPr lang="de-AT" smtClean="0"/>
-              <a:t>29.03.2016</a:t>
+              <a:t>06.06.2016</a:t>
             </a:fld>
             <a:endParaRPr lang="de-AT"/>
           </a:p>
@@ -6835,7 +6837,7 @@
           <a:p>
             <a:fld id="{3DD3D01F-5FDD-41FB-97F7-A0C5433A3280}" type="slidenum">
               <a:rPr lang="de-AT" smtClean="0"/>
-              <a:t>‹#›</a:t>
+              <a:t>‹Nr.›</a:t>
             </a:fld>
             <a:endParaRPr lang="de-AT"/>
           </a:p>
@@ -6987,7 +6989,7 @@
           <a:p>
             <a:fld id="{3ECD1B6F-0B74-438A-A710-326310E0C2AE}" type="datetimeFigureOut">
               <a:rPr lang="de-AT" smtClean="0"/>
-              <a:t>29.03.2016</a:t>
+              <a:t>06.06.2016</a:t>
             </a:fld>
             <a:endParaRPr lang="de-AT"/>
           </a:p>
@@ -7045,7 +7047,7 @@
           <a:p>
             <a:fld id="{3DD3D01F-5FDD-41FB-97F7-A0C5433A3280}" type="slidenum">
               <a:rPr lang="de-AT" smtClean="0"/>
-              <a:t>‹#›</a:t>
+              <a:t>‹Nr.›</a:t>
             </a:fld>
             <a:endParaRPr lang="de-AT"/>
           </a:p>
@@ -7325,7 +7327,7 @@
           <a:p>
             <a:fld id="{3ECD1B6F-0B74-438A-A710-326310E0C2AE}" type="datetimeFigureOut">
               <a:rPr lang="de-AT" smtClean="0"/>
-              <a:t>29.03.2016</a:t>
+              <a:t>06.06.2016</a:t>
             </a:fld>
             <a:endParaRPr lang="de-AT"/>
           </a:p>
@@ -7383,7 +7385,7 @@
           <a:p>
             <a:fld id="{3DD3D01F-5FDD-41FB-97F7-A0C5433A3280}" type="slidenum">
               <a:rPr lang="de-AT" smtClean="0"/>
-              <a:t>‹#›</a:t>
+              <a:t>‹Nr.›</a:t>
             </a:fld>
             <a:endParaRPr lang="de-AT"/>
           </a:p>
@@ -33822,7 +33824,63 @@
             </a:r>
             <a:r>
               <a:rPr lang="en-US" dirty="0" smtClean="0"/>
-              <a:t> Syntax</a:t>
+              <a:t> </a:t>
+            </a:r>
+            <a:r>
+              <a:rPr lang="en-US" dirty="0" smtClean="0"/>
+              <a:t>Syntax</a:t>
+            </a:r>
+          </a:p>
+          <a:p>
+            <a:r>
+              <a:rPr lang="en-US" dirty="0" err="1" smtClean="0"/>
+              <a:t>Strikter</a:t>
+            </a:r>
+            <a:r>
+              <a:rPr lang="en-US" dirty="0" smtClean="0"/>
+              <a:t> </a:t>
+            </a:r>
+            <a:r>
+              <a:rPr lang="en-US" dirty="0" err="1" smtClean="0"/>
+              <a:t>als</a:t>
+            </a:r>
+            <a:r>
+              <a:rPr lang="en-US" dirty="0" smtClean="0"/>
+              <a:t> </a:t>
+            </a:r>
+            <a:r>
+              <a:rPr lang="en-US" dirty="0" err="1" smtClean="0"/>
+              <a:t>Direktiven</a:t>
+            </a:r>
+            <a:endParaRPr lang="en-US" dirty="0"/>
+          </a:p>
+          <a:p>
+            <a:pPr lvl="1"/>
+            <a:r>
+              <a:rPr lang="en-US" dirty="0" err="1" smtClean="0"/>
+              <a:t>Keine</a:t>
+            </a:r>
+            <a:r>
+              <a:rPr lang="en-US" dirty="0" smtClean="0"/>
+              <a:t> </a:t>
+            </a:r>
+            <a:r>
+              <a:rPr lang="en-US" dirty="0" err="1" smtClean="0"/>
+              <a:t>direkte</a:t>
+            </a:r>
+            <a:r>
+              <a:rPr lang="en-US" dirty="0" smtClean="0"/>
+              <a:t> DOM Manipulation</a:t>
+            </a:r>
+          </a:p>
+          <a:p>
+            <a:r>
+              <a:rPr lang="en-US" dirty="0" err="1" smtClean="0"/>
+              <a:t>Mehr</a:t>
+            </a:r>
+            <a:r>
+              <a:rPr lang="en-US" dirty="0" smtClean="0"/>
+              <a:t> Lifecycle Hooks</a:t>
             </a:r>
           </a:p>
           <a:p>
@@ -35227,7 +35285,7 @@
       </p:grpSpPr>
       <p:sp>
         <p:nvSpPr>
-          <p:cNvPr id="2" name="Title 1"/>
+          <p:cNvPr id="2" name="Titel 1"/>
           <p:cNvSpPr>
             <a:spLocks noGrp="1"/>
           </p:cNvSpPr>
@@ -35241,8 +35299,8 @@
           <a:lstStyle/>
           <a:p>
             <a:r>
-              <a:rPr lang="en-US" dirty="0" err="1" smtClean="0"/>
-              <a:t>Transclusion</a:t>
+              <a:rPr lang="de-AT" dirty="0" smtClean="0"/>
+              <a:t>Components - Conclusio</a:t>
             </a:r>
             <a:endParaRPr lang="de-AT" dirty="0"/>
           </a:p>
@@ -35250,7 +35308,7 @@
       </p:sp>
       <p:sp>
         <p:nvSpPr>
-          <p:cNvPr id="3" name="Content Placeholder 2"/>
+          <p:cNvPr id="3" name="Inhaltsplatzhalter 2"/>
           <p:cNvSpPr>
             <a:spLocks noGrp="1"/>
           </p:cNvSpPr>
@@ -35264,158 +35322,28 @@
           <a:lstStyle/>
           <a:p>
             <a:r>
-              <a:rPr lang="en-US" dirty="0" err="1" smtClean="0"/>
-              <a:t>Direktiven</a:t>
-            </a:r>
-            <a:r>
-              <a:rPr lang="en-US" dirty="0" smtClean="0"/>
-              <a:t>, die </a:t>
-            </a:r>
-            <a:r>
-              <a:rPr lang="en-US" dirty="0" err="1" smtClean="0"/>
-              <a:t>Inhalte</a:t>
-            </a:r>
-            <a:r>
-              <a:rPr lang="en-US" dirty="0" smtClean="0"/>
-              <a:t> </a:t>
-            </a:r>
-            <a:r>
-              <a:rPr lang="en-US" dirty="0" err="1" smtClean="0"/>
-              <a:t>wrappen</a:t>
-            </a:r>
-            <a:endParaRPr lang="en-US" dirty="0" smtClean="0"/>
-          </a:p>
-          <a:p>
-            <a:r>
-              <a:rPr lang="en-US" dirty="0" err="1" smtClean="0"/>
-              <a:t>Beispiel</a:t>
-            </a:r>
-            <a:r>
-              <a:rPr lang="en-US" dirty="0" smtClean="0"/>
-              <a:t>: </a:t>
-            </a:r>
-            <a:r>
-              <a:rPr lang="en-US" dirty="0" err="1" smtClean="0"/>
-              <a:t>Modaler</a:t>
-            </a:r>
-            <a:r>
-              <a:rPr lang="en-US" dirty="0" smtClean="0"/>
-              <a:t> Dialog</a:t>
-            </a:r>
-          </a:p>
-          <a:p>
-            <a:pPr lvl="1"/>
-            <a:r>
-              <a:rPr lang="en-US" dirty="0" err="1" smtClean="0"/>
-              <a:t>Umrandung</a:t>
-            </a:r>
-            <a:r>
-              <a:rPr lang="en-US" dirty="0" smtClean="0"/>
-              <a:t>, </a:t>
-            </a:r>
-            <a:r>
-              <a:rPr lang="en-US" dirty="0" err="1" smtClean="0"/>
-              <a:t>Schließenbutton</a:t>
-            </a:r>
-            <a:r>
-              <a:rPr lang="en-US" dirty="0" smtClean="0"/>
-              <a:t>, </a:t>
-            </a:r>
-            <a:r>
-              <a:rPr lang="en-US" dirty="0" err="1" smtClean="0"/>
-              <a:t>titlebar</a:t>
-            </a:r>
-            <a:r>
-              <a:rPr lang="en-US" dirty="0" smtClean="0"/>
-              <a:t> </a:t>
-            </a:r>
-            <a:r>
-              <a:rPr lang="en-US" dirty="0" err="1" smtClean="0"/>
-              <a:t>etc</a:t>
-            </a:r>
-            <a:r>
-              <a:rPr lang="en-US" dirty="0" smtClean="0"/>
-              <a:t>, </a:t>
-            </a:r>
-            <a:r>
-              <a:rPr lang="en-US" dirty="0" err="1" smtClean="0"/>
-              <a:t>haben</a:t>
-            </a:r>
-            <a:r>
-              <a:rPr lang="en-US" dirty="0" smtClean="0"/>
-              <a:t> </a:t>
-            </a:r>
-            <a:r>
-              <a:rPr lang="en-US" dirty="0" err="1" smtClean="0"/>
-              <a:t>gleiche</a:t>
-            </a:r>
-            <a:r>
-              <a:rPr lang="en-US" dirty="0" smtClean="0"/>
-              <a:t> </a:t>
-            </a:r>
-            <a:r>
-              <a:rPr lang="en-US" dirty="0" err="1" smtClean="0"/>
-              <a:t>Struktur</a:t>
-            </a:r>
-            <a:endParaRPr lang="en-US" dirty="0" smtClean="0"/>
-          </a:p>
-          <a:p>
-            <a:pPr lvl="1"/>
-            <a:r>
-              <a:rPr lang="en-US" dirty="0" err="1" smtClean="0"/>
-              <a:t>Inhalt</a:t>
-            </a:r>
-            <a:r>
-              <a:rPr lang="en-US" dirty="0" smtClean="0"/>
-              <a:t>: </a:t>
-            </a:r>
-            <a:r>
-              <a:rPr lang="en-US" dirty="0" err="1" smtClean="0"/>
-              <a:t>Dynamisch</a:t>
-            </a:r>
-            <a:r>
-              <a:rPr lang="en-US" dirty="0" smtClean="0"/>
-              <a:t>, </a:t>
-            </a:r>
-            <a:r>
-              <a:rPr lang="en-US" dirty="0" err="1" smtClean="0"/>
-              <a:t>bestimmt</a:t>
-            </a:r>
-            <a:r>
-              <a:rPr lang="en-US" dirty="0" smtClean="0"/>
-              <a:t> </a:t>
-            </a:r>
-            <a:r>
-              <a:rPr lang="en-US" dirty="0" err="1" smtClean="0"/>
-              <a:t>durch</a:t>
-            </a:r>
-            <a:r>
-              <a:rPr lang="en-US" dirty="0" smtClean="0"/>
-              <a:t> </a:t>
-            </a:r>
-            <a:r>
-              <a:rPr lang="en-US" dirty="0" err="1" smtClean="0"/>
-              <a:t>Anwendung</a:t>
-            </a:r>
-            <a:r>
-              <a:rPr lang="en-US" dirty="0" smtClean="0"/>
-              <a:t> der </a:t>
-            </a:r>
-            <a:r>
-              <a:rPr lang="en-US" dirty="0" err="1" smtClean="0"/>
-              <a:t>Direktive</a:t>
-            </a:r>
-            <a:endParaRPr lang="de-AT" dirty="0" smtClean="0"/>
-          </a:p>
-          <a:p>
-            <a:pPr lvl="1"/>
-            <a:endParaRPr lang="en-US" dirty="0" smtClean="0"/>
-          </a:p>
-        </p:txBody>
-      </p:sp>
-      <p:sp>
-        <p:nvSpPr>
-          <p:cNvPr id="4" name="Text Placeholder 3"/>
+              <a:rPr lang="de-AT" dirty="0" smtClean="0"/>
+              <a:t>Eine Applikation besteht aus einem Baum von Komponenten</a:t>
+            </a:r>
+          </a:p>
+          <a:p>
+            <a:r>
+              <a:rPr lang="de-AT" dirty="0" smtClean="0"/>
+              <a:t>Bessere Strukturierung der Applikation</a:t>
+            </a:r>
+          </a:p>
+          <a:p>
+            <a:r>
+              <a:rPr lang="de-AT" dirty="0" smtClean="0"/>
+              <a:t>Expliziter als Controller + Template</a:t>
+            </a:r>
+            <a:endParaRPr lang="de-AT" dirty="0"/>
+          </a:p>
+        </p:txBody>
+      </p:sp>
+      <p:sp>
+        <p:nvSpPr>
+          <p:cNvPr id="4" name="Textplatzhalter 3"/>
           <p:cNvSpPr>
             <a:spLocks noGrp="1"/>
           </p:cNvSpPr>
@@ -35435,7 +35363,7 @@
     </p:spTree>
     <p:extLst>
       <p:ext uri="{BB962C8B-B14F-4D97-AF65-F5344CB8AC3E}">
-        <p14:creationId xmlns:p14="http://schemas.microsoft.com/office/powerpoint/2010/main" val="3939587667"/>
+        <p14:creationId xmlns:p14="http://schemas.microsoft.com/office/powerpoint/2010/main" val="2707164960"/>
       </p:ext>
     </p:extLst>
   </p:cSld>
@@ -35445,13 +35373,6 @@
   <p:transition spd="slow">
     <p:push/>
   </p:transition>
-  <p:timing>
-    <p:tnLst>
-      <p:par>
-        <p:cTn id="1" dur="indefinite" restart="never" nodeType="tmRoot"/>
-      </p:par>
-    </p:tnLst>
-  </p:timing>
 </p:sld>
 </file>
 
@@ -35491,10 +35412,6 @@
               <a:rPr lang="en-US" dirty="0" err="1" smtClean="0"/>
               <a:t>Transclusion</a:t>
             </a:r>
-            <a:r>
-              <a:rPr lang="en-US" dirty="0" smtClean="0"/>
-              <a:t> Slots</a:t>
-            </a:r>
             <a:endParaRPr lang="de-AT" dirty="0"/>
           </a:p>
         </p:txBody>
@@ -35516,7 +35433,15 @@
           <a:p>
             <a:r>
               <a:rPr lang="en-US" dirty="0" err="1" smtClean="0"/>
-              <a:t>Mehrere</a:t>
+              <a:t>Direktiven</a:t>
+            </a:r>
+            <a:r>
+              <a:rPr lang="en-US" dirty="0" smtClean="0"/>
+              <a:t>, die </a:t>
+            </a:r>
+            <a:r>
+              <a:rPr lang="en-US" dirty="0" err="1" smtClean="0"/>
+              <a:t>Inhalte</a:t>
             </a:r>
             <a:r>
               <a:rPr lang="en-US" dirty="0" smtClean="0"/>
@@ -35524,34 +35449,135 @@
             </a:r>
             <a:r>
               <a:rPr lang="en-US" dirty="0" err="1" smtClean="0"/>
-              <a:t>Transclusions</a:t>
+              <a:t>wrappen</a:t>
+            </a:r>
+            <a:endParaRPr lang="en-US" dirty="0" smtClean="0"/>
+          </a:p>
+          <a:p>
+            <a:r>
+              <a:rPr lang="en-US" dirty="0" err="1" smtClean="0"/>
+              <a:t>Beispiel</a:t>
             </a:r>
             <a:r>
               <a:rPr lang="en-US" dirty="0" smtClean="0"/>
-              <a:t> pro directive</a:t>
+              <a:t>: </a:t>
+            </a:r>
+            <a:r>
+              <a:rPr lang="en-US" dirty="0" err="1" smtClean="0"/>
+              <a:t>Modaler</a:t>
+            </a:r>
+            <a:r>
+              <a:rPr lang="en-US" dirty="0" smtClean="0"/>
+              <a:t> Dialog</a:t>
             </a:r>
           </a:p>
           <a:p>
             <a:pPr lvl="1"/>
             <a:r>
+              <a:rPr lang="en-US" dirty="0" err="1" smtClean="0"/>
+              <a:t>Umrandung</a:t>
+            </a:r>
+            <a:r>
               <a:rPr lang="en-US" dirty="0" smtClean="0"/>
-              <a:t>E.g. Title content, Body content</a:t>
-            </a:r>
-          </a:p>
-          <a:p>
+              <a:t>, </a:t>
+            </a:r>
             <a:r>
               <a:rPr lang="en-US" dirty="0" err="1" smtClean="0"/>
-              <a:t>Durch</a:t>
+              <a:t>Schließenbutton</a:t>
             </a:r>
             <a:r>
               <a:rPr lang="en-US" dirty="0" smtClean="0"/>
-              <a:t> Name </a:t>
+              <a:t>, </a:t>
             </a:r>
             <a:r>
               <a:rPr lang="en-US" dirty="0" err="1" smtClean="0"/>
-              <a:t>identifiziert</a:t>
-            </a:r>
-            <a:endParaRPr lang="de-AT" dirty="0"/>
+              <a:t>titlebar</a:t>
+            </a:r>
+            <a:r>
+              <a:rPr lang="en-US" dirty="0" smtClean="0"/>
+              <a:t> </a:t>
+            </a:r>
+            <a:r>
+              <a:rPr lang="en-US" dirty="0" err="1" smtClean="0"/>
+              <a:t>etc</a:t>
+            </a:r>
+            <a:r>
+              <a:rPr lang="en-US" dirty="0" smtClean="0"/>
+              <a:t>, </a:t>
+            </a:r>
+            <a:r>
+              <a:rPr lang="en-US" dirty="0" err="1" smtClean="0"/>
+              <a:t>haben</a:t>
+            </a:r>
+            <a:r>
+              <a:rPr lang="en-US" dirty="0" smtClean="0"/>
+              <a:t> </a:t>
+            </a:r>
+            <a:r>
+              <a:rPr lang="en-US" dirty="0" err="1" smtClean="0"/>
+              <a:t>gleiche</a:t>
+            </a:r>
+            <a:r>
+              <a:rPr lang="en-US" dirty="0" smtClean="0"/>
+              <a:t> </a:t>
+            </a:r>
+            <a:r>
+              <a:rPr lang="en-US" dirty="0" err="1" smtClean="0"/>
+              <a:t>Struktur</a:t>
+            </a:r>
+            <a:endParaRPr lang="en-US" dirty="0" smtClean="0"/>
+          </a:p>
+          <a:p>
+            <a:pPr lvl="1"/>
+            <a:r>
+              <a:rPr lang="en-US" dirty="0" err="1" smtClean="0"/>
+              <a:t>Inhalt</a:t>
+            </a:r>
+            <a:r>
+              <a:rPr lang="en-US" dirty="0" smtClean="0"/>
+              <a:t>: </a:t>
+            </a:r>
+            <a:r>
+              <a:rPr lang="en-US" dirty="0" err="1" smtClean="0"/>
+              <a:t>Dynamisch</a:t>
+            </a:r>
+            <a:r>
+              <a:rPr lang="en-US" dirty="0" smtClean="0"/>
+              <a:t>, </a:t>
+            </a:r>
+            <a:r>
+              <a:rPr lang="en-US" dirty="0" err="1" smtClean="0"/>
+              <a:t>bestimmt</a:t>
+            </a:r>
+            <a:r>
+              <a:rPr lang="en-US" dirty="0" smtClean="0"/>
+              <a:t> </a:t>
+            </a:r>
+            <a:r>
+              <a:rPr lang="en-US" dirty="0" err="1" smtClean="0"/>
+              <a:t>durch</a:t>
+            </a:r>
+            <a:r>
+              <a:rPr lang="en-US" dirty="0" smtClean="0"/>
+              <a:t> </a:t>
+            </a:r>
+            <a:r>
+              <a:rPr lang="en-US" dirty="0" err="1" smtClean="0"/>
+              <a:t>Anwendung</a:t>
+            </a:r>
+            <a:r>
+              <a:rPr lang="en-US" dirty="0" smtClean="0"/>
+              <a:t> der </a:t>
+            </a:r>
+            <a:r>
+              <a:rPr lang="en-US" dirty="0" err="1" smtClean="0"/>
+              <a:t>Direktive</a:t>
+            </a:r>
+            <a:endParaRPr lang="de-AT" dirty="0" smtClean="0"/>
+          </a:p>
+          <a:p>
+            <a:pPr lvl="1"/>
+            <a:endParaRPr lang="en-US" dirty="0" smtClean="0"/>
           </a:p>
         </p:txBody>
       </p:sp>
@@ -35577,7 +35603,7 @@
     </p:spTree>
     <p:extLst>
       <p:ext uri="{BB962C8B-B14F-4D97-AF65-F5344CB8AC3E}">
-        <p14:creationId xmlns:p14="http://schemas.microsoft.com/office/powerpoint/2010/main" val="996991786"/>
+        <p14:creationId xmlns:p14="http://schemas.microsoft.com/office/powerpoint/2010/main" val="3939587667"/>
       </p:ext>
     </p:extLst>
   </p:cSld>
@@ -36456,6 +36482,148 @@
       <p:bldP spid="10" grpId="0" animBg="1"/>
       <p:bldP spid="11" grpId="0" animBg="1"/>
     </p:bldLst>
+  </p:timing>
+</p:sld>
+</file>
+
+<file path=ppt/slides/slide90.xml><?xml version="1.0" encoding="utf-8"?>
+<p:sld xmlns:a="http://schemas.openxmlformats.org/drawingml/2006/main" xmlns:r="http://schemas.openxmlformats.org/officeDocument/2006/relationships" xmlns:p="http://schemas.openxmlformats.org/presentationml/2006/main">
+  <p:cSld>
+    <p:spTree>
+      <p:nvGrpSpPr>
+        <p:cNvPr id="1" name=""/>
+        <p:cNvGrpSpPr/>
+        <p:nvPr/>
+      </p:nvGrpSpPr>
+      <p:grpSpPr>
+        <a:xfrm>
+          <a:off x="0" y="0"/>
+          <a:ext cx="0" cy="0"/>
+          <a:chOff x="0" y="0"/>
+          <a:chExt cx="0" cy="0"/>
+        </a:xfrm>
+      </p:grpSpPr>
+      <p:sp>
+        <p:nvSpPr>
+          <p:cNvPr id="2" name="Title 1"/>
+          <p:cNvSpPr>
+            <a:spLocks noGrp="1"/>
+          </p:cNvSpPr>
+          <p:nvPr>
+            <p:ph type="title"/>
+          </p:nvPr>
+        </p:nvSpPr>
+        <p:spPr/>
+        <p:txBody>
+          <a:bodyPr/>
+          <a:lstStyle/>
+          <a:p>
+            <a:r>
+              <a:rPr lang="en-US" dirty="0" err="1" smtClean="0"/>
+              <a:t>Transclusion</a:t>
+            </a:r>
+            <a:r>
+              <a:rPr lang="en-US" dirty="0" smtClean="0"/>
+              <a:t> Slots</a:t>
+            </a:r>
+            <a:endParaRPr lang="de-AT" dirty="0"/>
+          </a:p>
+        </p:txBody>
+      </p:sp>
+      <p:sp>
+        <p:nvSpPr>
+          <p:cNvPr id="3" name="Content Placeholder 2"/>
+          <p:cNvSpPr>
+            <a:spLocks noGrp="1"/>
+          </p:cNvSpPr>
+          <p:nvPr>
+            <p:ph sz="quarter" idx="12"/>
+          </p:nvPr>
+        </p:nvSpPr>
+        <p:spPr/>
+        <p:txBody>
+          <a:bodyPr/>
+          <a:lstStyle/>
+          <a:p>
+            <a:r>
+              <a:rPr lang="en-US" dirty="0" err="1" smtClean="0"/>
+              <a:t>Mehrere</a:t>
+            </a:r>
+            <a:r>
+              <a:rPr lang="en-US" dirty="0" smtClean="0"/>
+              <a:t> </a:t>
+            </a:r>
+            <a:r>
+              <a:rPr lang="en-US" dirty="0" err="1" smtClean="0"/>
+              <a:t>Transclusions</a:t>
+            </a:r>
+            <a:r>
+              <a:rPr lang="en-US" dirty="0" smtClean="0"/>
+              <a:t> pro directive</a:t>
+            </a:r>
+          </a:p>
+          <a:p>
+            <a:pPr lvl="1"/>
+            <a:r>
+              <a:rPr lang="en-US" dirty="0" smtClean="0"/>
+              <a:t>E.g. Title content, Body content</a:t>
+            </a:r>
+          </a:p>
+          <a:p>
+            <a:r>
+              <a:rPr lang="en-US" dirty="0" err="1" smtClean="0"/>
+              <a:t>Durch</a:t>
+            </a:r>
+            <a:r>
+              <a:rPr lang="en-US" dirty="0" smtClean="0"/>
+              <a:t> Name </a:t>
+            </a:r>
+            <a:r>
+              <a:rPr lang="en-US" dirty="0" err="1" smtClean="0"/>
+              <a:t>identifiziert</a:t>
+            </a:r>
+            <a:endParaRPr lang="de-AT" dirty="0"/>
+          </a:p>
+        </p:txBody>
+      </p:sp>
+      <p:sp>
+        <p:nvSpPr>
+          <p:cNvPr id="4" name="Text Placeholder 3"/>
+          <p:cNvSpPr>
+            <a:spLocks noGrp="1"/>
+          </p:cNvSpPr>
+          <p:nvPr>
+            <p:ph type="body" sz="quarter" idx="23"/>
+          </p:nvPr>
+        </p:nvSpPr>
+        <p:spPr/>
+        <p:txBody>
+          <a:bodyPr/>
+          <a:lstStyle/>
+          <a:p>
+            <a:endParaRPr lang="de-AT"/>
+          </a:p>
+        </p:txBody>
+      </p:sp>
+    </p:spTree>
+    <p:extLst>
+      <p:ext uri="{BB962C8B-B14F-4D97-AF65-F5344CB8AC3E}">
+        <p14:creationId xmlns:p14="http://schemas.microsoft.com/office/powerpoint/2010/main" val="996991786"/>
+      </p:ext>
+    </p:extLst>
+  </p:cSld>
+  <p:clrMapOvr>
+    <a:masterClrMapping/>
+  </p:clrMapOvr>
+  <p:transition spd="slow">
+    <p:push/>
+  </p:transition>
+  <p:timing>
+    <p:tnLst>
+      <p:par>
+        <p:cTn id="1" dur="indefinite" restart="never" nodeType="tmRoot"/>
+      </p:par>
+    </p:tnLst>
   </p:timing>
 </p:sld>
 </file>

--- a/slides/AngularJS.pptx
+++ b/slides/AngularJS.pptx
@@ -422,7 +422,7 @@
           <a:p>
             <a:fld id="{4837C6CC-C2FC-4BED-8348-2E96B1BEB824}" type="datetimeFigureOut">
               <a:rPr lang="de-AT" smtClean="0"/>
-              <a:t>29.03.2016</a:t>
+              <a:t>31.03.2016</a:t>
             </a:fld>
             <a:endParaRPr lang="de-AT"/>
           </a:p>
@@ -6777,7 +6777,7 @@
           <a:p>
             <a:fld id="{3ECD1B6F-0B74-438A-A710-326310E0C2AE}" type="datetimeFigureOut">
               <a:rPr lang="de-AT" smtClean="0"/>
-              <a:t>29.03.2016</a:t>
+              <a:t>31.03.2016</a:t>
             </a:fld>
             <a:endParaRPr lang="de-AT"/>
           </a:p>
@@ -6987,7 +6987,7 @@
           <a:p>
             <a:fld id="{3ECD1B6F-0B74-438A-A710-326310E0C2AE}" type="datetimeFigureOut">
               <a:rPr lang="de-AT" smtClean="0"/>
-              <a:t>29.03.2016</a:t>
+              <a:t>31.03.2016</a:t>
             </a:fld>
             <a:endParaRPr lang="de-AT"/>
           </a:p>
@@ -7325,7 +7325,7 @@
           <a:p>
             <a:fld id="{3ECD1B6F-0B74-438A-A710-326310E0C2AE}" type="datetimeFigureOut">
               <a:rPr lang="de-AT" smtClean="0"/>
-              <a:t>29.03.2016</a:t>
+              <a:t>31.03.2016</a:t>
             </a:fld>
             <a:endParaRPr lang="de-AT"/>
           </a:p>
@@ -14786,27 +14786,11 @@
           <a:p>
             <a:r>
               <a:rPr lang="de-AT" sz="1600" dirty="0" smtClean="0"/>
-              <a:t>&lt;</a:t>
-            </a:r>
-            <a:r>
-              <a:rPr lang="de-AT" sz="1600" dirty="0" err="1" smtClean="0"/>
-              <a:t>body</a:t>
+              <a:t>&lt;body </a:t>
             </a:r>
             <a:r>
               <a:rPr lang="de-AT" sz="1600" dirty="0" smtClean="0"/>
-              <a:t> </a:t>
-            </a:r>
-            <a:r>
-              <a:rPr lang="de-AT" sz="1600" dirty="0" err="1" smtClean="0"/>
-              <a:t>ng</a:t>
-            </a:r>
-            <a:r>
-              <a:rPr lang="de-AT" sz="1600" dirty="0" smtClean="0"/>
-              <a:t>-controller=„</a:t>
-            </a:r>
-            <a:r>
-              <a:rPr lang="de-AT" sz="1600" dirty="0" err="1" smtClean="0"/>
-              <a:t>MainPageController</a:t>
+              <a:t>ng-controller="MainPageController</a:t>
             </a:r>
             <a:r>
               <a:rPr lang="de-AT" sz="1600" dirty="0" smtClean="0"/>

--- a/slides/AngularJS.pptx
+++ b/slides/AngularJS.pptx
@@ -5,7 +5,7 @@
     <p:sldMasterId id="2147483660" r:id="rId1"/>
   </p:sldMasterIdLst>
   <p:notesMasterIdLst>
-    <p:notesMasterId r:id="rId91"/>
+    <p:notesMasterId r:id="rId92"/>
   </p:notesMasterIdLst>
   <p:sldIdLst>
     <p:sldId id="256" r:id="rId2"/>
@@ -89,14 +89,15 @@
     <p:sldId id="334" r:id="rId80"/>
     <p:sldId id="337" r:id="rId81"/>
     <p:sldId id="338" r:id="rId82"/>
-    <p:sldId id="339" r:id="rId83"/>
-    <p:sldId id="342" r:id="rId84"/>
-    <p:sldId id="343" r:id="rId85"/>
-    <p:sldId id="344" r:id="rId86"/>
-    <p:sldId id="345" r:id="rId87"/>
-    <p:sldId id="346" r:id="rId88"/>
-    <p:sldId id="347" r:id="rId89"/>
-    <p:sldId id="348" r:id="rId90"/>
+    <p:sldId id="349" r:id="rId83"/>
+    <p:sldId id="339" r:id="rId84"/>
+    <p:sldId id="342" r:id="rId85"/>
+    <p:sldId id="343" r:id="rId86"/>
+    <p:sldId id="344" r:id="rId87"/>
+    <p:sldId id="345" r:id="rId88"/>
+    <p:sldId id="346" r:id="rId89"/>
+    <p:sldId id="347" r:id="rId90"/>
+    <p:sldId id="348" r:id="rId91"/>
   </p:sldIdLst>
   <p:sldSz cx="12192000" cy="6858000"/>
   <p:notesSz cx="6858000" cy="9144000"/>
@@ -313,6 +314,7 @@
         </p14:section>
         <p14:section name="Forms" id="{F0C8A9EA-AA9E-49D9-BFA0-80A714B2EB3B}">
           <p14:sldIdLst>
+            <p14:sldId id="349"/>
             <p14:sldId id="339"/>
           </p14:sldIdLst>
         </p14:section>
@@ -422,7 +424,7 @@
           <a:p>
             <a:fld id="{4837C6CC-C2FC-4BED-8348-2E96B1BEB824}" type="datetimeFigureOut">
               <a:rPr lang="de-AT" smtClean="0"/>
-              <a:t>31.03.2016</a:t>
+              <a:t>09.06.2016</a:t>
             </a:fld>
             <a:endParaRPr lang="de-AT"/>
           </a:p>
@@ -6777,7 +6779,7 @@
           <a:p>
             <a:fld id="{3ECD1B6F-0B74-438A-A710-326310E0C2AE}" type="datetimeFigureOut">
               <a:rPr lang="de-AT" smtClean="0"/>
-              <a:t>31.03.2016</a:t>
+              <a:t>09.06.2016</a:t>
             </a:fld>
             <a:endParaRPr lang="de-AT"/>
           </a:p>
@@ -6987,7 +6989,7 @@
           <a:p>
             <a:fld id="{3ECD1B6F-0B74-438A-A710-326310E0C2AE}" type="datetimeFigureOut">
               <a:rPr lang="de-AT" smtClean="0"/>
-              <a:t>31.03.2016</a:t>
+              <a:t>09.06.2016</a:t>
             </a:fld>
             <a:endParaRPr lang="de-AT"/>
           </a:p>
@@ -7325,7 +7327,7 @@
           <a:p>
             <a:fld id="{3ECD1B6F-0B74-438A-A710-326310E0C2AE}" type="datetimeFigureOut">
               <a:rPr lang="de-AT" smtClean="0"/>
-              <a:t>31.03.2016</a:t>
+              <a:t>09.06.2016</a:t>
             </a:fld>
             <a:endParaRPr lang="de-AT"/>
           </a:p>
@@ -14786,15 +14788,7 @@
           <a:p>
             <a:r>
               <a:rPr lang="de-AT" sz="1600" dirty="0" smtClean="0"/>
-              <a:t>&lt;body </a:t>
-            </a:r>
-            <a:r>
-              <a:rPr lang="de-AT" sz="1600" dirty="0" smtClean="0"/>
-              <a:t>ng-controller="MainPageController</a:t>
-            </a:r>
-            <a:r>
-              <a:rPr lang="de-AT" sz="1600" dirty="0" smtClean="0"/>
-              <a:t>"&gt;</a:t>
+              <a:t>&lt;body ng-controller="MainPageController"&gt;</a:t>
             </a:r>
           </a:p>
           <a:p>
@@ -33477,6 +33471,218 @@
           </a:p>
           <a:p>
             <a:r>
+              <a:rPr lang="en-US" dirty="0" smtClean="0"/>
+              <a:t>&lt;form&gt; </a:t>
+            </a:r>
+            <a:r>
+              <a:rPr lang="en-US" dirty="0" err="1" smtClean="0"/>
+              <a:t>legt</a:t>
+            </a:r>
+            <a:r>
+              <a:rPr lang="en-US" dirty="0" smtClean="0"/>
+              <a:t> </a:t>
+            </a:r>
+            <a:r>
+              <a:rPr lang="en-US" dirty="0" err="1" smtClean="0"/>
+              <a:t>einen</a:t>
+            </a:r>
+            <a:r>
+              <a:rPr lang="en-US" dirty="0" smtClean="0"/>
+              <a:t> </a:t>
+            </a:r>
+            <a:r>
+              <a:rPr lang="en-US" dirty="0" err="1" smtClean="0"/>
+              <a:t>eigenen</a:t>
+            </a:r>
+            <a:r>
+              <a:rPr lang="en-US" dirty="0" smtClean="0"/>
+              <a:t> Scope an</a:t>
+            </a:r>
+            <a:endParaRPr lang="en-US" dirty="0"/>
+          </a:p>
+          <a:p>
+            <a:pPr lvl="1"/>
+            <a:r>
+              <a:rPr lang="en-US" dirty="0" smtClean="0"/>
+              <a:t>$</a:t>
+            </a:r>
+            <a:r>
+              <a:rPr lang="en-US" dirty="0" err="1" smtClean="0"/>
+              <a:t>FormController</a:t>
+            </a:r>
+            <a:endParaRPr lang="en-US" dirty="0" smtClean="0"/>
+          </a:p>
+        </p:txBody>
+      </p:sp>
+      <p:sp>
+        <p:nvSpPr>
+          <p:cNvPr id="5" name="Text Placeholder 4"/>
+          <p:cNvSpPr>
+            <a:spLocks noGrp="1"/>
+          </p:cNvSpPr>
+          <p:nvPr>
+            <p:ph type="body" sz="quarter" idx="23"/>
+          </p:nvPr>
+        </p:nvSpPr>
+        <p:spPr/>
+        <p:txBody>
+          <a:bodyPr/>
+          <a:lstStyle/>
+          <a:p>
+            <a:endParaRPr lang="de-AT"/>
+          </a:p>
+        </p:txBody>
+      </p:sp>
+    </p:spTree>
+    <p:extLst>
+      <p:ext uri="{BB962C8B-B14F-4D97-AF65-F5344CB8AC3E}">
+        <p14:creationId xmlns:p14="http://schemas.microsoft.com/office/powerpoint/2010/main" val="333952217"/>
+      </p:ext>
+    </p:extLst>
+  </p:cSld>
+  <p:clrMapOvr>
+    <a:masterClrMapping/>
+  </p:clrMapOvr>
+  <p:transition spd="slow">
+    <p:push/>
+  </p:transition>
+  <p:timing>
+    <p:tnLst>
+      <p:par>
+        <p:cTn id="1" dur="indefinite" restart="never" nodeType="tmRoot"/>
+      </p:par>
+    </p:tnLst>
+  </p:timing>
+</p:sld>
+</file>
+
+<file path=ppt/slides/slide83.xml><?xml version="1.0" encoding="utf-8"?>
+<p:sld xmlns:a="http://schemas.openxmlformats.org/drawingml/2006/main" xmlns:r="http://schemas.openxmlformats.org/officeDocument/2006/relationships" xmlns:p="http://schemas.openxmlformats.org/presentationml/2006/main">
+  <p:cSld>
+    <p:spTree>
+      <p:nvGrpSpPr>
+        <p:cNvPr id="1" name=""/>
+        <p:cNvGrpSpPr/>
+        <p:nvPr/>
+      </p:nvGrpSpPr>
+      <p:grpSpPr>
+        <a:xfrm>
+          <a:off x="0" y="0"/>
+          <a:ext cx="0" cy="0"/>
+          <a:chOff x="0" y="0"/>
+          <a:chExt cx="0" cy="0"/>
+        </a:xfrm>
+      </p:grpSpPr>
+      <p:sp>
+        <p:nvSpPr>
+          <p:cNvPr id="3" name="Title 2"/>
+          <p:cNvSpPr>
+            <a:spLocks noGrp="1"/>
+          </p:cNvSpPr>
+          <p:nvPr>
+            <p:ph type="title"/>
+          </p:nvPr>
+        </p:nvSpPr>
+        <p:spPr/>
+        <p:txBody>
+          <a:bodyPr/>
+          <a:lstStyle/>
+          <a:p>
+            <a:r>
+              <a:rPr lang="en-US" dirty="0" smtClean="0"/>
+              <a:t>Forms</a:t>
+            </a:r>
+            <a:endParaRPr lang="de-AT" dirty="0"/>
+          </a:p>
+        </p:txBody>
+      </p:sp>
+      <p:sp>
+        <p:nvSpPr>
+          <p:cNvPr id="4" name="Content Placeholder 3"/>
+          <p:cNvSpPr>
+            <a:spLocks noGrp="1"/>
+          </p:cNvSpPr>
+          <p:nvPr>
+            <p:ph sz="quarter" idx="12"/>
+          </p:nvPr>
+        </p:nvSpPr>
+        <p:spPr/>
+        <p:txBody>
+          <a:bodyPr/>
+          <a:lstStyle/>
+          <a:p>
+            <a:r>
+              <a:rPr lang="en-US" dirty="0" err="1" smtClean="0"/>
+              <a:t>FormController</a:t>
+            </a:r>
+            <a:r>
+              <a:rPr lang="en-US" dirty="0" smtClean="0"/>
+              <a:t> </a:t>
+            </a:r>
+            <a:r>
+              <a:rPr lang="en-US" dirty="0" err="1" smtClean="0"/>
+              <a:t>beinhaltet</a:t>
+            </a:r>
+            <a:r>
+              <a:rPr lang="en-US" dirty="0" smtClean="0"/>
+              <a:t> </a:t>
+            </a:r>
+            <a:r>
+              <a:rPr lang="en-US" dirty="0" err="1" smtClean="0"/>
+              <a:t>V</a:t>
+            </a:r>
+            <a:r>
+              <a:rPr lang="en-US" dirty="0" err="1" smtClean="0"/>
+              <a:t>alidierungsinformationen</a:t>
+            </a:r>
+            <a:endParaRPr lang="en-US" dirty="0"/>
+          </a:p>
+          <a:p>
+            <a:pPr lvl="1"/>
+            <a:r>
+              <a:rPr lang="en-US" dirty="0" err="1" smtClean="0"/>
+              <a:t>Für</a:t>
+            </a:r>
+            <a:r>
+              <a:rPr lang="en-US" dirty="0" smtClean="0"/>
+              <a:t> das </a:t>
+            </a:r>
+            <a:r>
+              <a:rPr lang="en-US" dirty="0" err="1" smtClean="0"/>
+              <a:t>gesamte</a:t>
+            </a:r>
+            <a:r>
+              <a:rPr lang="en-US" dirty="0" smtClean="0"/>
+              <a:t> </a:t>
+            </a:r>
+            <a:r>
+              <a:rPr lang="en-US" dirty="0" err="1" smtClean="0"/>
+              <a:t>Formular</a:t>
+            </a:r>
+            <a:endParaRPr lang="en-US" dirty="0" smtClean="0"/>
+          </a:p>
+          <a:p>
+            <a:pPr lvl="1"/>
+            <a:r>
+              <a:rPr lang="en-US" dirty="0" err="1" smtClean="0"/>
+              <a:t>Für</a:t>
+            </a:r>
+            <a:r>
+              <a:rPr lang="en-US" dirty="0" smtClean="0"/>
+              <a:t> </a:t>
+            </a:r>
+            <a:r>
+              <a:rPr lang="en-US" dirty="0" err="1" smtClean="0"/>
+              <a:t>einzelne</a:t>
+            </a:r>
+            <a:r>
+              <a:rPr lang="en-US" dirty="0" smtClean="0"/>
+              <a:t> Controls</a:t>
+            </a:r>
+            <a:endParaRPr lang="en-US" dirty="0" smtClean="0"/>
+          </a:p>
+          <a:p>
+            <a:r>
               <a:rPr lang="en-US" dirty="0" err="1" smtClean="0"/>
               <a:t>Eigenschaften</a:t>
             </a:r>
@@ -33735,7 +33941,7 @@
 </p:sld>
 </file>
 
-<file path=ppt/slides/slide83.xml><?xml version="1.0" encoding="utf-8"?>
+<file path=ppt/slides/slide84.xml><?xml version="1.0" encoding="utf-8"?>
 <p:sld xmlns:a="http://schemas.openxmlformats.org/drawingml/2006/main" xmlns:r="http://schemas.openxmlformats.org/officeDocument/2006/relationships" xmlns:p="http://schemas.openxmlformats.org/presentationml/2006/main">
   <p:cSld>
     <p:spTree>
@@ -33891,7 +34097,7 @@
 </p:sld>
 </file>
 
-<file path=ppt/slides/slide84.xml><?xml version="1.0" encoding="utf-8"?>
+<file path=ppt/slides/slide85.xml><?xml version="1.0" encoding="utf-8"?>
 <p:sld xmlns:a="http://schemas.openxmlformats.org/drawingml/2006/main" xmlns:r="http://schemas.openxmlformats.org/officeDocument/2006/relationships" xmlns:p="http://schemas.openxmlformats.org/presentationml/2006/main">
   <p:cSld>
     <p:spTree>
@@ -34422,7 +34628,7 @@
 </p:sld>
 </file>
 
-<file path=ppt/slides/slide85.xml><?xml version="1.0" encoding="utf-8"?>
+<file path=ppt/slides/slide86.xml><?xml version="1.0" encoding="utf-8"?>
 <p:sld xmlns:a="http://schemas.openxmlformats.org/drawingml/2006/main" xmlns:r="http://schemas.openxmlformats.org/officeDocument/2006/relationships" xmlns:p="http://schemas.openxmlformats.org/presentationml/2006/main">
   <p:cSld>
     <p:spTree>
@@ -34623,7 +34829,7 @@
 </p:sld>
 </file>
 
-<file path=ppt/slides/slide86.xml><?xml version="1.0" encoding="utf-8"?>
+<file path=ppt/slides/slide87.xml><?xml version="1.0" encoding="utf-8"?>
 <p:sld xmlns:a="http://schemas.openxmlformats.org/drawingml/2006/main" xmlns:r="http://schemas.openxmlformats.org/officeDocument/2006/relationships" xmlns:p="http://schemas.openxmlformats.org/presentationml/2006/main">
   <p:cSld>
     <p:spTree>
@@ -34749,11 +34955,15 @@
             </a:r>
             <a:r>
               <a:rPr lang="en-US" dirty="0" err="1" smtClean="0"/>
-              <a:t>aller</a:t>
+              <a:t>alle</a:t>
             </a:r>
             <a:r>
               <a:rPr lang="en-US" dirty="0" smtClean="0"/>
-              <a:t> Controller </a:t>
+              <a:t> </a:t>
+            </a:r>
+            <a:r>
+              <a:rPr lang="en-US" dirty="0" smtClean="0"/>
+              <a:t>Controller </a:t>
             </a:r>
             <a:r>
               <a:rPr lang="en-US" dirty="0" err="1" smtClean="0"/>
@@ -35018,7 +35228,7 @@
 </p:sld>
 </file>
 
-<file path=ppt/slides/slide87.xml><?xml version="1.0" encoding="utf-8"?>
+<file path=ppt/slides/slide88.xml><?xml version="1.0" encoding="utf-8"?>
 <p:sld xmlns:a="http://schemas.openxmlformats.org/drawingml/2006/main" xmlns:r="http://schemas.openxmlformats.org/officeDocument/2006/relationships" xmlns:p="http://schemas.openxmlformats.org/presentationml/2006/main">
   <p:cSld>
     <p:spTree>
@@ -35192,253 +35402,6 @@
 </p:sld>
 </file>
 
-<file path=ppt/slides/slide88.xml><?xml version="1.0" encoding="utf-8"?>
-<p:sld xmlns:a="http://schemas.openxmlformats.org/drawingml/2006/main" xmlns:r="http://schemas.openxmlformats.org/officeDocument/2006/relationships" xmlns:p="http://schemas.openxmlformats.org/presentationml/2006/main">
-  <p:cSld>
-    <p:spTree>
-      <p:nvGrpSpPr>
-        <p:cNvPr id="1" name=""/>
-        <p:cNvGrpSpPr/>
-        <p:nvPr/>
-      </p:nvGrpSpPr>
-      <p:grpSpPr>
-        <a:xfrm>
-          <a:off x="0" y="0"/>
-          <a:ext cx="0" cy="0"/>
-          <a:chOff x="0" y="0"/>
-          <a:chExt cx="0" cy="0"/>
-        </a:xfrm>
-      </p:grpSpPr>
-      <p:sp>
-        <p:nvSpPr>
-          <p:cNvPr id="2" name="Title 1"/>
-          <p:cNvSpPr>
-            <a:spLocks noGrp="1"/>
-          </p:cNvSpPr>
-          <p:nvPr>
-            <p:ph type="title"/>
-          </p:nvPr>
-        </p:nvSpPr>
-        <p:spPr/>
-        <p:txBody>
-          <a:bodyPr/>
-          <a:lstStyle/>
-          <a:p>
-            <a:r>
-              <a:rPr lang="en-US" dirty="0" err="1" smtClean="0"/>
-              <a:t>Transclusion</a:t>
-            </a:r>
-            <a:endParaRPr lang="de-AT" dirty="0"/>
-          </a:p>
-        </p:txBody>
-      </p:sp>
-      <p:sp>
-        <p:nvSpPr>
-          <p:cNvPr id="3" name="Content Placeholder 2"/>
-          <p:cNvSpPr>
-            <a:spLocks noGrp="1"/>
-          </p:cNvSpPr>
-          <p:nvPr>
-            <p:ph sz="quarter" idx="12"/>
-          </p:nvPr>
-        </p:nvSpPr>
-        <p:spPr/>
-        <p:txBody>
-          <a:bodyPr/>
-          <a:lstStyle/>
-          <a:p>
-            <a:r>
-              <a:rPr lang="en-US" dirty="0" err="1" smtClean="0"/>
-              <a:t>Direktiven</a:t>
-            </a:r>
-            <a:r>
-              <a:rPr lang="en-US" dirty="0" smtClean="0"/>
-              <a:t>, die </a:t>
-            </a:r>
-            <a:r>
-              <a:rPr lang="en-US" dirty="0" err="1" smtClean="0"/>
-              <a:t>Inhalte</a:t>
-            </a:r>
-            <a:r>
-              <a:rPr lang="en-US" dirty="0" smtClean="0"/>
-              <a:t> </a:t>
-            </a:r>
-            <a:r>
-              <a:rPr lang="en-US" dirty="0" err="1" smtClean="0"/>
-              <a:t>wrappen</a:t>
-            </a:r>
-            <a:endParaRPr lang="en-US" dirty="0" smtClean="0"/>
-          </a:p>
-          <a:p>
-            <a:r>
-              <a:rPr lang="en-US" dirty="0" err="1" smtClean="0"/>
-              <a:t>Beispiel</a:t>
-            </a:r>
-            <a:r>
-              <a:rPr lang="en-US" dirty="0" smtClean="0"/>
-              <a:t>: </a:t>
-            </a:r>
-            <a:r>
-              <a:rPr lang="en-US" dirty="0" err="1" smtClean="0"/>
-              <a:t>Modaler</a:t>
-            </a:r>
-            <a:r>
-              <a:rPr lang="en-US" dirty="0" smtClean="0"/>
-              <a:t> Dialog</a:t>
-            </a:r>
-          </a:p>
-          <a:p>
-            <a:pPr lvl="1"/>
-            <a:r>
-              <a:rPr lang="en-US" dirty="0" err="1" smtClean="0"/>
-              <a:t>Umrandung</a:t>
-            </a:r>
-            <a:r>
-              <a:rPr lang="en-US" dirty="0" smtClean="0"/>
-              <a:t>, </a:t>
-            </a:r>
-            <a:r>
-              <a:rPr lang="en-US" dirty="0" err="1" smtClean="0"/>
-              <a:t>Schließenbutton</a:t>
-            </a:r>
-            <a:r>
-              <a:rPr lang="en-US" dirty="0" smtClean="0"/>
-              <a:t>, </a:t>
-            </a:r>
-            <a:r>
-              <a:rPr lang="en-US" dirty="0" err="1" smtClean="0"/>
-              <a:t>titlebar</a:t>
-            </a:r>
-            <a:r>
-              <a:rPr lang="en-US" dirty="0" smtClean="0"/>
-              <a:t> </a:t>
-            </a:r>
-            <a:r>
-              <a:rPr lang="en-US" dirty="0" err="1" smtClean="0"/>
-              <a:t>etc</a:t>
-            </a:r>
-            <a:r>
-              <a:rPr lang="en-US" dirty="0" smtClean="0"/>
-              <a:t>, </a:t>
-            </a:r>
-            <a:r>
-              <a:rPr lang="en-US" dirty="0" err="1" smtClean="0"/>
-              <a:t>haben</a:t>
-            </a:r>
-            <a:r>
-              <a:rPr lang="en-US" dirty="0" smtClean="0"/>
-              <a:t> </a:t>
-            </a:r>
-            <a:r>
-              <a:rPr lang="en-US" dirty="0" err="1" smtClean="0"/>
-              <a:t>gleiche</a:t>
-            </a:r>
-            <a:r>
-              <a:rPr lang="en-US" dirty="0" smtClean="0"/>
-              <a:t> </a:t>
-            </a:r>
-            <a:r>
-              <a:rPr lang="en-US" dirty="0" err="1" smtClean="0"/>
-              <a:t>Struktur</a:t>
-            </a:r>
-            <a:endParaRPr lang="en-US" dirty="0" smtClean="0"/>
-          </a:p>
-          <a:p>
-            <a:pPr lvl="1"/>
-            <a:r>
-              <a:rPr lang="en-US" dirty="0" err="1" smtClean="0"/>
-              <a:t>Inhalt</a:t>
-            </a:r>
-            <a:r>
-              <a:rPr lang="en-US" dirty="0" smtClean="0"/>
-              <a:t>: </a:t>
-            </a:r>
-            <a:r>
-              <a:rPr lang="en-US" dirty="0" err="1" smtClean="0"/>
-              <a:t>Dynamisch</a:t>
-            </a:r>
-            <a:r>
-              <a:rPr lang="en-US" dirty="0" smtClean="0"/>
-              <a:t>, </a:t>
-            </a:r>
-            <a:r>
-              <a:rPr lang="en-US" dirty="0" err="1" smtClean="0"/>
-              <a:t>bestimmt</a:t>
-            </a:r>
-            <a:r>
-              <a:rPr lang="en-US" dirty="0" smtClean="0"/>
-              <a:t> </a:t>
-            </a:r>
-            <a:r>
-              <a:rPr lang="en-US" dirty="0" err="1" smtClean="0"/>
-              <a:t>durch</a:t>
-            </a:r>
-            <a:r>
-              <a:rPr lang="en-US" dirty="0" smtClean="0"/>
-              <a:t> </a:t>
-            </a:r>
-            <a:r>
-              <a:rPr lang="en-US" dirty="0" err="1" smtClean="0"/>
-              <a:t>Anwendung</a:t>
-            </a:r>
-            <a:r>
-              <a:rPr lang="en-US" dirty="0" smtClean="0"/>
-              <a:t> der </a:t>
-            </a:r>
-            <a:r>
-              <a:rPr lang="en-US" dirty="0" err="1" smtClean="0"/>
-              <a:t>Direktive</a:t>
-            </a:r>
-            <a:endParaRPr lang="de-AT" dirty="0" smtClean="0"/>
-          </a:p>
-          <a:p>
-            <a:pPr lvl="1"/>
-            <a:endParaRPr lang="en-US" dirty="0" smtClean="0"/>
-          </a:p>
-        </p:txBody>
-      </p:sp>
-      <p:sp>
-        <p:nvSpPr>
-          <p:cNvPr id="4" name="Text Placeholder 3"/>
-          <p:cNvSpPr>
-            <a:spLocks noGrp="1"/>
-          </p:cNvSpPr>
-          <p:nvPr>
-            <p:ph type="body" sz="quarter" idx="23"/>
-          </p:nvPr>
-        </p:nvSpPr>
-        <p:spPr/>
-        <p:txBody>
-          <a:bodyPr/>
-          <a:lstStyle/>
-          <a:p>
-            <a:endParaRPr lang="de-AT"/>
-          </a:p>
-        </p:txBody>
-      </p:sp>
-    </p:spTree>
-    <p:extLst>
-      <p:ext uri="{BB962C8B-B14F-4D97-AF65-F5344CB8AC3E}">
-        <p14:creationId xmlns:p14="http://schemas.microsoft.com/office/powerpoint/2010/main" val="3939587667"/>
-      </p:ext>
-    </p:extLst>
-  </p:cSld>
-  <p:clrMapOvr>
-    <a:masterClrMapping/>
-  </p:clrMapOvr>
-  <p:transition spd="slow">
-    <p:push/>
-  </p:transition>
-  <p:timing>
-    <p:tnLst>
-      <p:par>
-        <p:cTn id="1" dur="indefinite" restart="never" nodeType="tmRoot"/>
-      </p:par>
-    </p:tnLst>
-  </p:timing>
-</p:sld>
-</file>
-
 <file path=ppt/slides/slide89.xml><?xml version="1.0" encoding="utf-8"?>
 <p:sld xmlns:a="http://schemas.openxmlformats.org/drawingml/2006/main" xmlns:r="http://schemas.openxmlformats.org/officeDocument/2006/relationships" xmlns:p="http://schemas.openxmlformats.org/presentationml/2006/main">
   <p:cSld>
@@ -35475,10 +35438,6 @@
               <a:rPr lang="en-US" dirty="0" err="1" smtClean="0"/>
               <a:t>Transclusion</a:t>
             </a:r>
-            <a:r>
-              <a:rPr lang="en-US" dirty="0" smtClean="0"/>
-              <a:t> Slots</a:t>
-            </a:r>
             <a:endParaRPr lang="de-AT" dirty="0"/>
           </a:p>
         </p:txBody>
@@ -35500,7 +35459,15 @@
           <a:p>
             <a:r>
               <a:rPr lang="en-US" dirty="0" err="1" smtClean="0"/>
-              <a:t>Mehrere</a:t>
+              <a:t>Direktiven</a:t>
+            </a:r>
+            <a:r>
+              <a:rPr lang="en-US" dirty="0" smtClean="0"/>
+              <a:t>, die </a:t>
+            </a:r>
+            <a:r>
+              <a:rPr lang="en-US" dirty="0" err="1" smtClean="0"/>
+              <a:t>Inhalte</a:t>
             </a:r>
             <a:r>
               <a:rPr lang="en-US" dirty="0" smtClean="0"/>
@@ -35508,34 +35475,135 @@
             </a:r>
             <a:r>
               <a:rPr lang="en-US" dirty="0" err="1" smtClean="0"/>
-              <a:t>Transclusions</a:t>
+              <a:t>wrappen</a:t>
+            </a:r>
+            <a:endParaRPr lang="en-US" dirty="0" smtClean="0"/>
+          </a:p>
+          <a:p>
+            <a:r>
+              <a:rPr lang="en-US" dirty="0" err="1" smtClean="0"/>
+              <a:t>Beispiel</a:t>
             </a:r>
             <a:r>
               <a:rPr lang="en-US" dirty="0" smtClean="0"/>
-              <a:t> pro directive</a:t>
+              <a:t>: </a:t>
+            </a:r>
+            <a:r>
+              <a:rPr lang="en-US" dirty="0" err="1" smtClean="0"/>
+              <a:t>Modaler</a:t>
+            </a:r>
+            <a:r>
+              <a:rPr lang="en-US" dirty="0" smtClean="0"/>
+              <a:t> Dialog</a:t>
             </a:r>
           </a:p>
           <a:p>
             <a:pPr lvl="1"/>
             <a:r>
+              <a:rPr lang="en-US" dirty="0" err="1" smtClean="0"/>
+              <a:t>Umrandung</a:t>
+            </a:r>
+            <a:r>
               <a:rPr lang="en-US" dirty="0" smtClean="0"/>
-              <a:t>E.g. Title content, Body content</a:t>
-            </a:r>
-          </a:p>
-          <a:p>
+              <a:t>, </a:t>
+            </a:r>
             <a:r>
               <a:rPr lang="en-US" dirty="0" err="1" smtClean="0"/>
-              <a:t>Durch</a:t>
+              <a:t>Schließenbutton</a:t>
             </a:r>
             <a:r>
               <a:rPr lang="en-US" dirty="0" smtClean="0"/>
-              <a:t> Name </a:t>
+              <a:t>, </a:t>
             </a:r>
             <a:r>
               <a:rPr lang="en-US" dirty="0" err="1" smtClean="0"/>
-              <a:t>identifiziert</a:t>
-            </a:r>
-            <a:endParaRPr lang="de-AT" dirty="0"/>
+              <a:t>titlebar</a:t>
+            </a:r>
+            <a:r>
+              <a:rPr lang="en-US" dirty="0" smtClean="0"/>
+              <a:t> </a:t>
+            </a:r>
+            <a:r>
+              <a:rPr lang="en-US" dirty="0" err="1" smtClean="0"/>
+              <a:t>etc</a:t>
+            </a:r>
+            <a:r>
+              <a:rPr lang="en-US" dirty="0" smtClean="0"/>
+              <a:t>, </a:t>
+            </a:r>
+            <a:r>
+              <a:rPr lang="en-US" dirty="0" err="1" smtClean="0"/>
+              <a:t>haben</a:t>
+            </a:r>
+            <a:r>
+              <a:rPr lang="en-US" dirty="0" smtClean="0"/>
+              <a:t> </a:t>
+            </a:r>
+            <a:r>
+              <a:rPr lang="en-US" dirty="0" err="1" smtClean="0"/>
+              <a:t>gleiche</a:t>
+            </a:r>
+            <a:r>
+              <a:rPr lang="en-US" dirty="0" smtClean="0"/>
+              <a:t> </a:t>
+            </a:r>
+            <a:r>
+              <a:rPr lang="en-US" dirty="0" err="1" smtClean="0"/>
+              <a:t>Struktur</a:t>
+            </a:r>
+            <a:endParaRPr lang="en-US" dirty="0" smtClean="0"/>
+          </a:p>
+          <a:p>
+            <a:pPr lvl="1"/>
+            <a:r>
+              <a:rPr lang="en-US" dirty="0" err="1" smtClean="0"/>
+              <a:t>Inhalt</a:t>
+            </a:r>
+            <a:r>
+              <a:rPr lang="en-US" dirty="0" smtClean="0"/>
+              <a:t>: </a:t>
+            </a:r>
+            <a:r>
+              <a:rPr lang="en-US" dirty="0" err="1" smtClean="0"/>
+              <a:t>Dynamisch</a:t>
+            </a:r>
+            <a:r>
+              <a:rPr lang="en-US" dirty="0" smtClean="0"/>
+              <a:t>, </a:t>
+            </a:r>
+            <a:r>
+              <a:rPr lang="en-US" dirty="0" err="1" smtClean="0"/>
+              <a:t>bestimmt</a:t>
+            </a:r>
+            <a:r>
+              <a:rPr lang="en-US" dirty="0" smtClean="0"/>
+              <a:t> </a:t>
+            </a:r>
+            <a:r>
+              <a:rPr lang="en-US" dirty="0" err="1" smtClean="0"/>
+              <a:t>durch</a:t>
+            </a:r>
+            <a:r>
+              <a:rPr lang="en-US" dirty="0" smtClean="0"/>
+              <a:t> </a:t>
+            </a:r>
+            <a:r>
+              <a:rPr lang="en-US" dirty="0" err="1" smtClean="0"/>
+              <a:t>Anwendung</a:t>
+            </a:r>
+            <a:r>
+              <a:rPr lang="en-US" dirty="0" smtClean="0"/>
+              <a:t> der </a:t>
+            </a:r>
+            <a:r>
+              <a:rPr lang="en-US" dirty="0" err="1" smtClean="0"/>
+              <a:t>Direktive</a:t>
+            </a:r>
+            <a:endParaRPr lang="de-AT" dirty="0" smtClean="0"/>
+          </a:p>
+          <a:p>
+            <a:pPr lvl="1"/>
+            <a:endParaRPr lang="en-US" dirty="0" smtClean="0"/>
           </a:p>
         </p:txBody>
       </p:sp>
@@ -35561,7 +35629,7 @@
     </p:spTree>
     <p:extLst>
       <p:ext uri="{BB962C8B-B14F-4D97-AF65-F5344CB8AC3E}">
-        <p14:creationId xmlns:p14="http://schemas.microsoft.com/office/powerpoint/2010/main" val="996991786"/>
+        <p14:creationId xmlns:p14="http://schemas.microsoft.com/office/powerpoint/2010/main" val="3939587667"/>
       </p:ext>
     </p:extLst>
   </p:cSld>
@@ -36440,6 +36508,148 @@
       <p:bldP spid="10" grpId="0" animBg="1"/>
       <p:bldP spid="11" grpId="0" animBg="1"/>
     </p:bldLst>
+  </p:timing>
+</p:sld>
+</file>
+
+<file path=ppt/slides/slide90.xml><?xml version="1.0" encoding="utf-8"?>
+<p:sld xmlns:a="http://schemas.openxmlformats.org/drawingml/2006/main" xmlns:r="http://schemas.openxmlformats.org/officeDocument/2006/relationships" xmlns:p="http://schemas.openxmlformats.org/presentationml/2006/main">
+  <p:cSld>
+    <p:spTree>
+      <p:nvGrpSpPr>
+        <p:cNvPr id="1" name=""/>
+        <p:cNvGrpSpPr/>
+        <p:nvPr/>
+      </p:nvGrpSpPr>
+      <p:grpSpPr>
+        <a:xfrm>
+          <a:off x="0" y="0"/>
+          <a:ext cx="0" cy="0"/>
+          <a:chOff x="0" y="0"/>
+          <a:chExt cx="0" cy="0"/>
+        </a:xfrm>
+      </p:grpSpPr>
+      <p:sp>
+        <p:nvSpPr>
+          <p:cNvPr id="2" name="Title 1"/>
+          <p:cNvSpPr>
+            <a:spLocks noGrp="1"/>
+          </p:cNvSpPr>
+          <p:nvPr>
+            <p:ph type="title"/>
+          </p:nvPr>
+        </p:nvSpPr>
+        <p:spPr/>
+        <p:txBody>
+          <a:bodyPr/>
+          <a:lstStyle/>
+          <a:p>
+            <a:r>
+              <a:rPr lang="en-US" dirty="0" err="1" smtClean="0"/>
+              <a:t>Transclusion</a:t>
+            </a:r>
+            <a:r>
+              <a:rPr lang="en-US" dirty="0" smtClean="0"/>
+              <a:t> Slots</a:t>
+            </a:r>
+            <a:endParaRPr lang="de-AT" dirty="0"/>
+          </a:p>
+        </p:txBody>
+      </p:sp>
+      <p:sp>
+        <p:nvSpPr>
+          <p:cNvPr id="3" name="Content Placeholder 2"/>
+          <p:cNvSpPr>
+            <a:spLocks noGrp="1"/>
+          </p:cNvSpPr>
+          <p:nvPr>
+            <p:ph sz="quarter" idx="12"/>
+          </p:nvPr>
+        </p:nvSpPr>
+        <p:spPr/>
+        <p:txBody>
+          <a:bodyPr/>
+          <a:lstStyle/>
+          <a:p>
+            <a:r>
+              <a:rPr lang="en-US" dirty="0" err="1" smtClean="0"/>
+              <a:t>Mehrere</a:t>
+            </a:r>
+            <a:r>
+              <a:rPr lang="en-US" dirty="0" smtClean="0"/>
+              <a:t> </a:t>
+            </a:r>
+            <a:r>
+              <a:rPr lang="en-US" dirty="0" err="1" smtClean="0"/>
+              <a:t>Transclusions</a:t>
+            </a:r>
+            <a:r>
+              <a:rPr lang="en-US" dirty="0" smtClean="0"/>
+              <a:t> pro directive</a:t>
+            </a:r>
+          </a:p>
+          <a:p>
+            <a:pPr lvl="1"/>
+            <a:r>
+              <a:rPr lang="en-US" dirty="0" smtClean="0"/>
+              <a:t>E.g. Title content, Body content</a:t>
+            </a:r>
+          </a:p>
+          <a:p>
+            <a:r>
+              <a:rPr lang="en-US" dirty="0" err="1" smtClean="0"/>
+              <a:t>Durch</a:t>
+            </a:r>
+            <a:r>
+              <a:rPr lang="en-US" dirty="0" smtClean="0"/>
+              <a:t> Name </a:t>
+            </a:r>
+            <a:r>
+              <a:rPr lang="en-US" dirty="0" err="1" smtClean="0"/>
+              <a:t>identifiziert</a:t>
+            </a:r>
+            <a:endParaRPr lang="de-AT" dirty="0"/>
+          </a:p>
+        </p:txBody>
+      </p:sp>
+      <p:sp>
+        <p:nvSpPr>
+          <p:cNvPr id="4" name="Text Placeholder 3"/>
+          <p:cNvSpPr>
+            <a:spLocks noGrp="1"/>
+          </p:cNvSpPr>
+          <p:nvPr>
+            <p:ph type="body" sz="quarter" idx="23"/>
+          </p:nvPr>
+        </p:nvSpPr>
+        <p:spPr/>
+        <p:txBody>
+          <a:bodyPr/>
+          <a:lstStyle/>
+          <a:p>
+            <a:endParaRPr lang="de-AT"/>
+          </a:p>
+        </p:txBody>
+      </p:sp>
+    </p:spTree>
+    <p:extLst>
+      <p:ext uri="{BB962C8B-B14F-4D97-AF65-F5344CB8AC3E}">
+        <p14:creationId xmlns:p14="http://schemas.microsoft.com/office/powerpoint/2010/main" val="996991786"/>
+      </p:ext>
+    </p:extLst>
+  </p:cSld>
+  <p:clrMapOvr>
+    <a:masterClrMapping/>
+  </p:clrMapOvr>
+  <p:transition spd="slow">
+    <p:push/>
+  </p:transition>
+  <p:timing>
+    <p:tnLst>
+      <p:par>
+        <p:cTn id="1" dur="indefinite" restart="never" nodeType="tmRoot"/>
+      </p:par>
+    </p:tnLst>
   </p:timing>
 </p:sld>
 </file>
